--- a/function_testing/function testing.pptx
+++ b/function_testing/function testing.pptx
@@ -5,19 +5,20 @@
     <p:sldMasterId id="2147483648" r:id="rId1"/>
   </p:sldMasterIdLst>
   <p:notesMasterIdLst>
-    <p:notesMasterId r:id="rId12"/>
+    <p:notesMasterId r:id="rId13"/>
   </p:notesMasterIdLst>
   <p:sldIdLst>
     <p:sldId id="256" r:id="rId2"/>
     <p:sldId id="257" r:id="rId3"/>
     <p:sldId id="258" r:id="rId4"/>
     <p:sldId id="259" r:id="rId5"/>
-    <p:sldId id="265" r:id="rId6"/>
-    <p:sldId id="260" r:id="rId7"/>
-    <p:sldId id="261" r:id="rId8"/>
-    <p:sldId id="262" r:id="rId9"/>
-    <p:sldId id="263" r:id="rId10"/>
-    <p:sldId id="264" r:id="rId11"/>
+    <p:sldId id="266" r:id="rId6"/>
+    <p:sldId id="265" r:id="rId7"/>
+    <p:sldId id="260" r:id="rId8"/>
+    <p:sldId id="261" r:id="rId9"/>
+    <p:sldId id="262" r:id="rId10"/>
+    <p:sldId id="263" r:id="rId11"/>
+    <p:sldId id="264" r:id="rId12"/>
   </p:sldIdLst>
   <p:sldSz cx="12192000" cy="6858000"/>
   <p:notesSz cx="6858000" cy="9144000"/>
@@ -3942,6 +3943,156 @@
           <p:cNvPr id="2" name="Titel 1">
             <a:extLst>
               <a:ext uri="{FF2B5EF4-FFF2-40B4-BE49-F238E27FC236}">
+                <a16:creationId xmlns:a16="http://schemas.microsoft.com/office/drawing/2014/main" id="{66B3578E-0514-2DFA-1638-2867C6926C60}"/>
+              </a:ext>
+            </a:extLst>
+          </p:cNvPr>
+          <p:cNvSpPr>
+            <a:spLocks noGrp="1"/>
+          </p:cNvSpPr>
+          <p:nvPr>
+            <p:ph type="title"/>
+          </p:nvPr>
+        </p:nvSpPr>
+        <p:spPr/>
+        <p:txBody>
+          <a:bodyPr>
+            <a:normAutofit/>
+          </a:bodyPr>
+          <a:lstStyle/>
+          <a:p>
+            <a:r>
+              <a:rPr lang="de-DE" sz="3600" dirty="0">
+                <a:solidFill>
+                  <a:srgbClr val="0070C0"/>
+                </a:solidFill>
+              </a:rPr>
+              <a:t>5</a:t>
+            </a:r>
+            <a:r>
+              <a:rPr lang="de-DE" sz="3600" dirty="0"/>
+              <a:t> Lower Display</a:t>
+            </a:r>
+          </a:p>
+        </p:txBody>
+      </p:sp>
+      <p:sp>
+        <p:nvSpPr>
+          <p:cNvPr id="3" name="Inhaltsplatzhalter 2">
+            <a:extLst>
+              <a:ext uri="{FF2B5EF4-FFF2-40B4-BE49-F238E27FC236}">
+                <a16:creationId xmlns:a16="http://schemas.microsoft.com/office/drawing/2014/main" id="{3C99DF49-97D5-324B-53EC-5570EE6CB7CE}"/>
+              </a:ext>
+            </a:extLst>
+          </p:cNvPr>
+          <p:cNvSpPr>
+            <a:spLocks noGrp="1"/>
+          </p:cNvSpPr>
+          <p:nvPr>
+            <p:ph idx="1"/>
+          </p:nvPr>
+        </p:nvSpPr>
+        <p:spPr/>
+        <p:txBody>
+          <a:bodyPr/>
+          <a:lstStyle/>
+          <a:p>
+            <a:endParaRPr lang="de-DE" dirty="0"/>
+          </a:p>
+        </p:txBody>
+      </p:sp>
+      <p:sp>
+        <p:nvSpPr>
+          <p:cNvPr id="5" name="Fußzeilenplatzhalter 4">
+            <a:extLst>
+              <a:ext uri="{FF2B5EF4-FFF2-40B4-BE49-F238E27FC236}">
+                <a16:creationId xmlns:a16="http://schemas.microsoft.com/office/drawing/2014/main" id="{C18530FE-135F-4565-F844-02420D13B8B6}"/>
+              </a:ext>
+            </a:extLst>
+          </p:cNvPr>
+          <p:cNvSpPr>
+            <a:spLocks noGrp="1"/>
+          </p:cNvSpPr>
+          <p:nvPr>
+            <p:ph type="ftr" sz="quarter" idx="11"/>
+          </p:nvPr>
+        </p:nvSpPr>
+        <p:spPr/>
+        <p:txBody>
+          <a:bodyPr/>
+          <a:lstStyle/>
+          <a:p>
+            <a:r>
+              <a:rPr lang="de-DE"/>
+              <a:t>BMS-LAB SS2024 _ function testing</a:t>
+            </a:r>
+          </a:p>
+        </p:txBody>
+      </p:sp>
+      <p:sp>
+        <p:nvSpPr>
+          <p:cNvPr id="6" name="Foliennummernplatzhalter 5">
+            <a:extLst>
+              <a:ext uri="{FF2B5EF4-FFF2-40B4-BE49-F238E27FC236}">
+                <a16:creationId xmlns:a16="http://schemas.microsoft.com/office/drawing/2014/main" id="{20F588D3-92D1-19CD-3A12-3EDCDCF5A043}"/>
+              </a:ext>
+            </a:extLst>
+          </p:cNvPr>
+          <p:cNvSpPr>
+            <a:spLocks noGrp="1"/>
+          </p:cNvSpPr>
+          <p:nvPr>
+            <p:ph type="sldNum" sz="quarter" idx="12"/>
+          </p:nvPr>
+        </p:nvSpPr>
+        <p:spPr/>
+        <p:txBody>
+          <a:bodyPr/>
+          <a:lstStyle/>
+          <a:p>
+            <a:fld id="{642D9C5F-7B2C-4B01-8C4C-943ECDFF7E6C}" type="slidenum">
+              <a:rPr lang="de-DE" smtClean="0"/>
+              <a:t>10</a:t>
+            </a:fld>
+            <a:endParaRPr lang="de-DE"/>
+          </a:p>
+        </p:txBody>
+      </p:sp>
+    </p:spTree>
+    <p:extLst>
+      <p:ext uri="{BB962C8B-B14F-4D97-AF65-F5344CB8AC3E}">
+        <p14:creationId xmlns:p14="http://schemas.microsoft.com/office/powerpoint/2010/main" val="1179574471"/>
+      </p:ext>
+    </p:extLst>
+  </p:cSld>
+  <p:clrMapOvr>
+    <a:masterClrMapping/>
+  </p:clrMapOvr>
+</p:sld>
+</file>
+
+<file path=ppt/slides/slide11.xml><?xml version="1.0" encoding="utf-8"?>
+<p:sld xmlns:a="http://schemas.openxmlformats.org/drawingml/2006/main" xmlns:r="http://schemas.openxmlformats.org/officeDocument/2006/relationships" xmlns:p="http://schemas.openxmlformats.org/presentationml/2006/main">
+  <p:cSld>
+    <p:spTree>
+      <p:nvGrpSpPr>
+        <p:cNvPr id="1" name=""/>
+        <p:cNvGrpSpPr/>
+        <p:nvPr/>
+      </p:nvGrpSpPr>
+      <p:grpSpPr>
+        <a:xfrm>
+          <a:off x="0" y="0"/>
+          <a:ext cx="0" cy="0"/>
+          <a:chOff x="0" y="0"/>
+          <a:chExt cx="0" cy="0"/>
+        </a:xfrm>
+      </p:grpSpPr>
+      <p:sp>
+        <p:nvSpPr>
+          <p:cNvPr id="2" name="Titel 1">
+            <a:extLst>
+              <a:ext uri="{FF2B5EF4-FFF2-40B4-BE49-F238E27FC236}">
                 <a16:creationId xmlns:a16="http://schemas.microsoft.com/office/drawing/2014/main" id="{1259EF7B-77ED-0D8E-4949-1A50E6483B03}"/>
               </a:ext>
             </a:extLst>
@@ -4059,7 +4210,7 @@
           <a:p>
             <a:fld id="{642D9C5F-7B2C-4B01-8C4C-943ECDFF7E6C}" type="slidenum">
               <a:rPr lang="de-DE" smtClean="0"/>
-              <a:t>10</a:t>
+              <a:t>11</a:t>
             </a:fld>
             <a:endParaRPr lang="de-DE"/>
           </a:p>
@@ -6965,14 +7116,14 @@
             <p:ph idx="1"/>
             <p:extLst>
               <p:ext uri="{D42A27DB-BD31-4B8C-83A1-F6EECF244321}">
-                <p14:modId xmlns:p14="http://schemas.microsoft.com/office/powerpoint/2010/main" val="1861536166"/>
+                <p14:modId xmlns:p14="http://schemas.microsoft.com/office/powerpoint/2010/main" val="1307946117"/>
               </p:ext>
             </p:extLst>
           </p:nvPr>
         </p:nvGraphicFramePr>
         <p:xfrm>
-          <a:off x="432225" y="2171980"/>
-          <a:ext cx="11327552" cy="4040789"/>
+          <a:off x="273475" y="1606385"/>
+          <a:ext cx="11327552" cy="4618745"/>
         </p:xfrm>
         <a:graphic>
           <a:graphicData uri="http://schemas.openxmlformats.org/drawingml/2006/table">
@@ -6982,42 +7133,42 @@
                 <a:tableStyleId>{5940675A-B579-460E-94D1-54222C63F5DA}</a:tableStyleId>
               </a:tblPr>
               <a:tblGrid>
-                <a:gridCol w="895080">
+                <a:gridCol w="1180675">
                   <a:extLst>
                     <a:ext uri="{9D8B030D-6E8A-4147-A177-3AD203B41FA5}">
                       <a16:colId xmlns:a16="http://schemas.microsoft.com/office/drawing/2014/main" val="452403702"/>
                     </a:ext>
                   </a:extLst>
                 </a:gridCol>
-                <a:gridCol w="1670295">
+                <a:gridCol w="1536700">
                   <a:extLst>
                     <a:ext uri="{9D8B030D-6E8A-4147-A177-3AD203B41FA5}">
                       <a16:colId xmlns:a16="http://schemas.microsoft.com/office/drawing/2014/main" val="3271747021"/>
                     </a:ext>
                   </a:extLst>
                 </a:gridCol>
-                <a:gridCol w="2347257">
+                <a:gridCol w="2195257">
                   <a:extLst>
                     <a:ext uri="{9D8B030D-6E8A-4147-A177-3AD203B41FA5}">
                       <a16:colId xmlns:a16="http://schemas.microsoft.com/office/drawing/2014/main" val="1156556837"/>
                     </a:ext>
                   </a:extLst>
                 </a:gridCol>
-                <a:gridCol w="2196931">
+                <a:gridCol w="2332293">
                   <a:extLst>
                     <a:ext uri="{9D8B030D-6E8A-4147-A177-3AD203B41FA5}">
                       <a16:colId xmlns:a16="http://schemas.microsoft.com/office/drawing/2014/main" val="1285454952"/>
                     </a:ext>
                   </a:extLst>
                 </a:gridCol>
-                <a:gridCol w="1846168">
+                <a:gridCol w="1790700">
                   <a:extLst>
                     <a:ext uri="{9D8B030D-6E8A-4147-A177-3AD203B41FA5}">
                       <a16:colId xmlns:a16="http://schemas.microsoft.com/office/drawing/2014/main" val="2449216521"/>
                     </a:ext>
                   </a:extLst>
                 </a:gridCol>
-                <a:gridCol w="2371821">
+                <a:gridCol w="2291927">
                   <a:extLst>
                     <a:ext uri="{9D8B030D-6E8A-4147-A177-3AD203B41FA5}">
                       <a16:colId xmlns:a16="http://schemas.microsoft.com/office/drawing/2014/main" val="4091026238"/>
@@ -7033,6 +7184,110 @@
                     <a:p>
                       <a:pPr algn="l" fontAlgn="b"/>
                       <a:r>
+                        <a:rPr lang="de-DE" sz="900" b="1" u="none" strike="noStrike" dirty="0">
+                          <a:solidFill>
+                            <a:schemeClr val="tx1">
+                              <a:lumMod val="75000"/>
+                              <a:lumOff val="25000"/>
+                            </a:schemeClr>
+                          </a:solidFill>
+                          <a:effectLst/>
+                        </a:rPr>
+                        <a:t>Anforderung</a:t>
+                      </a:r>
+                      <a:endParaRPr lang="de-DE" sz="900" b="1" i="0" u="none" strike="noStrike" dirty="0">
+                        <a:solidFill>
+                          <a:schemeClr val="tx1">
+                            <a:lumMod val="75000"/>
+                            <a:lumOff val="25000"/>
+                          </a:schemeClr>
+                        </a:solidFill>
+                        <a:effectLst/>
+                        <a:latin typeface="Aptos Narrow" panose="020B0004020202020204" pitchFamily="34" charset="0"/>
+                      </a:endParaRPr>
+                    </a:p>
+                  </a:txBody>
+                  <a:tcPr marL="113187" marR="4516" marT="56594" marB="56594" anchor="ctr">
+                    <a:lnL w="12700" cmpd="sng">
+                      <a:noFill/>
+                      <a:prstDash val="solid"/>
+                    </a:lnL>
+                    <a:lnR w="12700" cmpd="sng">
+                      <a:noFill/>
+                      <a:prstDash val="solid"/>
+                    </a:lnR>
+                    <a:lnT w="12700" cmpd="sng">
+                      <a:noFill/>
+                      <a:prstDash val="solid"/>
+                    </a:lnT>
+                    <a:lnB w="9525" cap="flat" cmpd="sng" algn="ctr">
+                      <a:solidFill>
+                        <a:srgbClr val="D8DCDC"/>
+                      </a:solidFill>
+                      <a:prstDash val="solid"/>
+                    </a:lnB>
+                    <a:noFill/>
+                  </a:tcPr>
+                </a:tc>
+                <a:tc>
+                  <a:txBody>
+                    <a:bodyPr/>
+                    <a:lstStyle/>
+                    <a:p>
+                      <a:pPr algn="l" fontAlgn="b"/>
+                      <a:r>
+                        <a:rPr lang="de-DE" sz="900" b="1" u="none" strike="noStrike" dirty="0">
+                          <a:solidFill>
+                            <a:schemeClr val="tx1">
+                              <a:lumMod val="75000"/>
+                              <a:lumOff val="25000"/>
+                            </a:schemeClr>
+                          </a:solidFill>
+                          <a:effectLst/>
+                        </a:rPr>
+                        <a:t>Testart</a:t>
+                      </a:r>
+                      <a:endParaRPr lang="de-DE" sz="900" b="1" i="0" u="none" strike="noStrike" dirty="0">
+                        <a:solidFill>
+                          <a:schemeClr val="tx1">
+                            <a:lumMod val="75000"/>
+                            <a:lumOff val="25000"/>
+                          </a:schemeClr>
+                        </a:solidFill>
+                        <a:effectLst/>
+                        <a:latin typeface="Aptos Narrow" panose="020B0004020202020204" pitchFamily="34" charset="0"/>
+                      </a:endParaRPr>
+                    </a:p>
+                  </a:txBody>
+                  <a:tcPr marL="113187" marR="4516" marT="56594" marB="56594" anchor="ctr">
+                    <a:lnL w="12700" cmpd="sng">
+                      <a:noFill/>
+                      <a:prstDash val="solid"/>
+                    </a:lnL>
+                    <a:lnR w="12700" cmpd="sng">
+                      <a:noFill/>
+                      <a:prstDash val="solid"/>
+                    </a:lnR>
+                    <a:lnT w="12700" cmpd="sng">
+                      <a:noFill/>
+                      <a:prstDash val="solid"/>
+                    </a:lnT>
+                    <a:lnB w="9525" cap="flat" cmpd="sng" algn="ctr">
+                      <a:solidFill>
+                        <a:srgbClr val="D8DCDC"/>
+                      </a:solidFill>
+                      <a:prstDash val="solid"/>
+                    </a:lnB>
+                    <a:noFill/>
+                  </a:tcPr>
+                </a:tc>
+                <a:tc>
+                  <a:txBody>
+                    <a:bodyPr/>
+                    <a:lstStyle/>
+                    <a:p>
+                      <a:pPr algn="l" fontAlgn="b"/>
+                      <a:r>
                         <a:rPr lang="de-DE" sz="900" b="1" u="none" strike="noStrike">
                           <a:solidFill>
                             <a:schemeClr val="tx1">
@@ -7042,7 +7297,7 @@
                           </a:solidFill>
                           <a:effectLst/>
                         </a:rPr>
-                        <a:t>Anforderung</a:t>
+                        <a:t>Ausführung</a:t>
                       </a:r>
                       <a:endParaRPr lang="de-DE" sz="900" b="1" i="0" u="none" strike="noStrike">
                         <a:solidFill>
@@ -7056,7 +7311,7 @@
                       </a:endParaRPr>
                     </a:p>
                   </a:txBody>
-                  <a:tcPr marL="113187" marR="4516" marT="56594" marB="56594" anchor="b">
+                  <a:tcPr marL="113187" marR="4516" marT="56594" marB="56594" anchor="ctr">
                     <a:lnL w="12700" cmpd="sng">
                       <a:noFill/>
                       <a:prstDash val="solid"/>
@@ -7094,7 +7349,7 @@
                           </a:solidFill>
                           <a:effectLst/>
                         </a:rPr>
-                        <a:t>Testart</a:t>
+                        <a:t>Vorgabe Vcell</a:t>
                       </a:r>
                       <a:endParaRPr lang="de-DE" sz="900" b="1" i="0" u="none" strike="noStrike">
                         <a:solidFill>
@@ -7108,7 +7363,7 @@
                       </a:endParaRPr>
                     </a:p>
                   </a:txBody>
-                  <a:tcPr marL="113187" marR="4516" marT="56594" marB="56594" anchor="b">
+                  <a:tcPr marL="113187" marR="4516" marT="56594" marB="56594" anchor="ctr">
                     <a:lnL w="12700" cmpd="sng">
                       <a:noFill/>
                       <a:prstDash val="solid"/>
@@ -7146,7 +7401,7 @@
                           </a:solidFill>
                           <a:effectLst/>
                         </a:rPr>
-                        <a:t>Ausführung</a:t>
+                        <a:t>Erwartetes Ergebnis</a:t>
                       </a:r>
                       <a:endParaRPr lang="de-DE" sz="900" b="1" i="0" u="none" strike="noStrike">
                         <a:solidFill>
@@ -7160,7 +7415,7 @@
                       </a:endParaRPr>
                     </a:p>
                   </a:txBody>
-                  <a:tcPr marL="113187" marR="4516" marT="56594" marB="56594" anchor="b">
+                  <a:tcPr marL="113187" marR="4516" marT="56594" marB="56594" anchor="ctr">
                     <a:lnL w="12700" cmpd="sng">
                       <a:noFill/>
                       <a:prstDash val="solid"/>
@@ -7189,7 +7444,7 @@
                     <a:p>
                       <a:pPr algn="l" fontAlgn="b"/>
                       <a:r>
-                        <a:rPr lang="de-DE" sz="900" b="1" u="none" strike="noStrike">
+                        <a:rPr lang="de-DE" sz="900" b="1" u="none" strike="noStrike" dirty="0">
                           <a:solidFill>
                             <a:schemeClr val="tx1">
                               <a:lumMod val="75000"/>
@@ -7198,9 +7453,9 @@
                           </a:solidFill>
                           <a:effectLst/>
                         </a:rPr>
-                        <a:t>Vorgabe Vcell</a:t>
-                      </a:r>
-                      <a:endParaRPr lang="de-DE" sz="900" b="1" i="0" u="none" strike="noStrike">
+                        <a:t>Ergebnis</a:t>
+                      </a:r>
+                      <a:endParaRPr lang="de-DE" sz="900" b="1" i="0" u="none" strike="noStrike" dirty="0">
                         <a:solidFill>
                           <a:schemeClr val="tx1">
                             <a:lumMod val="75000"/>
@@ -7212,7 +7467,7 @@
                       </a:endParaRPr>
                     </a:p>
                   </a:txBody>
-                  <a:tcPr marL="113187" marR="4516" marT="56594" marB="56594" anchor="b">
+                  <a:tcPr marL="113187" marR="4516" marT="56594" marB="56594" anchor="ctr">
                     <a:lnL w="12700" cmpd="sng">
                       <a:noFill/>
                       <a:prstDash val="solid"/>
@@ -7234,14 +7489,21 @@
                     <a:noFill/>
                   </a:tcPr>
                 </a:tc>
-                <a:tc>
-                  <a:txBody>
-                    <a:bodyPr/>
-                    <a:lstStyle/>
-                    <a:p>
-                      <a:pPr algn="l" fontAlgn="b"/>
-                      <a:r>
-                        <a:rPr lang="de-DE" sz="900" b="1" u="none" strike="noStrike">
+                <a:extLst>
+                  <a:ext uri="{0D108BD9-81ED-4DB2-BD59-A6C34878D82A}">
+                    <a16:rowId xmlns:a16="http://schemas.microsoft.com/office/drawing/2014/main" val="2638545547"/>
+                  </a:ext>
+                </a:extLst>
+              </a:tr>
+              <a:tr h="418793">
+                <a:tc rowSpan="4">
+                  <a:txBody>
+                    <a:bodyPr/>
+                    <a:lstStyle/>
+                    <a:p>
+                      <a:pPr algn="l" fontAlgn="ctr"/>
+                      <a:r>
+                        <a:rPr lang="de-DE" sz="900" b="1" u="none" strike="noStrike" dirty="0">
                           <a:solidFill>
                             <a:schemeClr val="tx1">
                               <a:lumMod val="75000"/>
@@ -7250,9 +7512,21 @@
                           </a:solidFill>
                           <a:effectLst/>
                         </a:rPr>
-                        <a:t>Erwartetes Ergebnis</a:t>
-                      </a:r>
-                      <a:endParaRPr lang="de-DE" sz="900" b="1" i="0" u="none" strike="noStrike">
+                        <a:t>BMS-21 </a:t>
+                      </a:r>
+                      <a:r>
+                        <a:rPr lang="de-DE" sz="900" b="0" u="none" strike="noStrike" dirty="0">
+                          <a:solidFill>
+                            <a:schemeClr val="tx1">
+                              <a:lumMod val="75000"/>
+                              <a:lumOff val="25000"/>
+                            </a:schemeClr>
+                          </a:solidFill>
+                          <a:effectLst/>
+                        </a:rPr>
+                        <a:t>– Auseinanderdriften der Zellspannungen entgegenwirken</a:t>
+                      </a:r>
+                      <a:endParaRPr lang="de-DE" sz="900" b="1" i="0" u="none" strike="noStrike" dirty="0">
                         <a:solidFill>
                           <a:schemeClr val="tx1">
                             <a:lumMod val="75000"/>
@@ -7264,26 +7538,39 @@
                       </a:endParaRPr>
                     </a:p>
                   </a:txBody>
-                  <a:tcPr marL="113187" marR="4516" marT="56594" marB="56594" anchor="b">
-                    <a:lnL w="12700" cmpd="sng">
-                      <a:noFill/>
+                  <a:tcPr marL="113187" marR="4516" marT="56594" marB="56594" anchor="ctr">
+                    <a:lnL w="9525" cap="flat" cmpd="sng" algn="ctr">
+                      <a:solidFill>
+                        <a:srgbClr val="D8DCDC"/>
+                      </a:solidFill>
                       <a:prstDash val="solid"/>
                     </a:lnL>
-                    <a:lnR w="12700" cmpd="sng">
-                      <a:noFill/>
+                    <a:lnR w="9525" cap="flat" cmpd="sng" algn="ctr">
+                      <a:solidFill>
+                        <a:srgbClr val="D8DCDC"/>
+                      </a:solidFill>
                       <a:prstDash val="solid"/>
                     </a:lnR>
-                    <a:lnT w="12700" cmpd="sng">
-                      <a:noFill/>
+                    <a:lnT w="9525" cap="flat" cmpd="sng" algn="ctr">
+                      <a:solidFill>
+                        <a:srgbClr val="D8DCDC"/>
+                      </a:solidFill>
                       <a:prstDash val="solid"/>
                     </a:lnT>
-                    <a:lnB w="9525" cap="flat" cmpd="sng" algn="ctr">
-                      <a:solidFill>
-                        <a:srgbClr val="D8DCDC"/>
-                      </a:solidFill>
-                      <a:prstDash val="solid"/>
+                    <a:lnB w="12700" cap="flat" cmpd="sng" algn="ctr">
+                      <a:solidFill>
+                        <a:schemeClr val="bg2"/>
+                      </a:solidFill>
+                      <a:prstDash val="solid"/>
+                      <a:round/>
+                      <a:headEnd type="none" w="med" len="med"/>
+                      <a:tailEnd type="none" w="med" len="med"/>
                     </a:lnB>
-                    <a:noFill/>
+                    <a:solidFill>
+                      <a:srgbClr val="D8DEDC">
+                        <a:alpha val="20000"/>
+                      </a:srgbClr>
+                    </a:solidFill>
                   </a:tcPr>
                 </a:tc>
                 <a:tc>
@@ -7293,7 +7580,7 @@
                     <a:p>
                       <a:pPr algn="l" fontAlgn="b"/>
                       <a:r>
-                        <a:rPr lang="de-DE" sz="900" b="1" u="none" strike="noStrike">
+                        <a:rPr lang="de-DE" sz="900" u="none" strike="noStrike" dirty="0">
                           <a:solidFill>
                             <a:schemeClr val="tx1">
                               <a:lumMod val="75000"/>
@@ -7302,9 +7589,9 @@
                           </a:solidFill>
                           <a:effectLst/>
                         </a:rPr>
-                        <a:t>Ergebnis</a:t>
-                      </a:r>
-                      <a:endParaRPr lang="de-DE" sz="900" b="1" i="0" u="none" strike="noStrike">
+                        <a:t>allgemeiner Funktionstest 1</a:t>
+                      </a:r>
+                      <a:endParaRPr lang="de-DE" sz="900" b="0" i="0" u="none" strike="noStrike" dirty="0">
                         <a:solidFill>
                           <a:schemeClr val="tx1">
                             <a:lumMod val="75000"/>
@@ -7316,17 +7603,23 @@
                       </a:endParaRPr>
                     </a:p>
                   </a:txBody>
-                  <a:tcPr marL="113187" marR="4516" marT="56594" marB="56594" anchor="b">
-                    <a:lnL w="12700" cmpd="sng">
-                      <a:noFill/>
+                  <a:tcPr marL="113187" marR="4516" marT="56594" marB="56594" anchor="ctr">
+                    <a:lnL w="9525" cap="flat" cmpd="sng" algn="ctr">
+                      <a:solidFill>
+                        <a:srgbClr val="D8DCDC"/>
+                      </a:solidFill>
                       <a:prstDash val="solid"/>
                     </a:lnL>
-                    <a:lnR w="12700" cmpd="sng">
-                      <a:noFill/>
+                    <a:lnR w="9525" cap="flat" cmpd="sng" algn="ctr">
+                      <a:solidFill>
+                        <a:srgbClr val="D8DCDC"/>
+                      </a:solidFill>
                       <a:prstDash val="solid"/>
                     </a:lnR>
-                    <a:lnT w="12700" cmpd="sng">
-                      <a:noFill/>
+                    <a:lnT w="9525" cap="flat" cmpd="sng" algn="ctr">
+                      <a:solidFill>
+                        <a:srgbClr val="D8DCDC"/>
+                      </a:solidFill>
                       <a:prstDash val="solid"/>
                     </a:lnT>
                     <a:lnB w="9525" cap="flat" cmpd="sng" algn="ctr">
@@ -7335,22 +7628,19 @@
                       </a:solidFill>
                       <a:prstDash val="solid"/>
                     </a:lnB>
-                    <a:noFill/>
+                    <a:solidFill>
+                      <a:srgbClr val="D8DEDC">
+                        <a:alpha val="20000"/>
+                      </a:srgbClr>
+                    </a:solidFill>
                   </a:tcPr>
                 </a:tc>
-                <a:extLst>
-                  <a:ext uri="{0D108BD9-81ED-4DB2-BD59-A6C34878D82A}">
-                    <a16:rowId xmlns:a16="http://schemas.microsoft.com/office/drawing/2014/main" val="2638545547"/>
-                  </a:ext>
-                </a:extLst>
-              </a:tr>
-              <a:tr h="418793">
-                <a:tc rowSpan="4">
-                  <a:txBody>
-                    <a:bodyPr/>
-                    <a:lstStyle/>
-                    <a:p>
-                      <a:pPr algn="l" fontAlgn="ctr"/>
+                <a:tc>
+                  <a:txBody>
+                    <a:bodyPr/>
+                    <a:lstStyle/>
+                    <a:p>
+                      <a:pPr algn="l" fontAlgn="b"/>
                       <a:r>
                         <a:rPr lang="de-DE" sz="900" u="none" strike="noStrike">
                           <a:solidFill>
@@ -7361,7 +7651,7 @@
                           </a:solidFill>
                           <a:effectLst/>
                         </a:rPr>
-                        <a:t>BMS-21</a:t>
+                        <a:t>Cellbalancing wird für jede Zelle aktiviert wenn nötig</a:t>
                       </a:r>
                       <a:endParaRPr lang="de-DE" sz="900" b="0" i="0" u="none" strike="noStrike">
                         <a:solidFill>
@@ -7395,7 +7685,9 @@
                       <a:prstDash val="solid"/>
                     </a:lnT>
                     <a:lnB w="9525" cap="flat" cmpd="sng" algn="ctr">
-                      <a:noFill/>
+                      <a:solidFill>
+                        <a:srgbClr val="D8DCDC"/>
+                      </a:solidFill>
                       <a:prstDash val="solid"/>
                     </a:lnB>
                     <a:solidFill>
@@ -7421,7 +7713,31 @@
                           </a:solidFill>
                           <a:effectLst/>
                         </a:rPr>
-                        <a:t>allgemeiner Funktionstest 1</a:t>
+                        <a:t>Vcell[4.0, 4.0, 4.0, </a:t>
+                      </a:r>
+                      <a:r>
+                        <a:rPr lang="de-DE" sz="900" b="1" u="none" strike="noStrike" dirty="0">
+                          <a:solidFill>
+                            <a:schemeClr val="tx1">
+                              <a:lumMod val="75000"/>
+                              <a:lumOff val="25000"/>
+                            </a:schemeClr>
+                          </a:solidFill>
+                          <a:effectLst/>
+                        </a:rPr>
+                        <a:t>4.5</a:t>
+                      </a:r>
+                      <a:r>
+                        <a:rPr lang="de-DE" sz="900" u="none" strike="noStrike" dirty="0">
+                          <a:solidFill>
+                            <a:schemeClr val="tx1">
+                              <a:lumMod val="75000"/>
+                              <a:lumOff val="25000"/>
+                            </a:schemeClr>
+                          </a:solidFill>
+                          <a:effectLst/>
+                        </a:rPr>
+                        <a:t>]</a:t>
                       </a:r>
                       <a:endParaRPr lang="de-DE" sz="900" b="0" i="0" u="none" strike="noStrike" dirty="0">
                         <a:solidFill>
@@ -7435,7 +7751,7 @@
                       </a:endParaRPr>
                     </a:p>
                   </a:txBody>
-                  <a:tcPr marL="113187" marR="4516" marT="56594" marB="56594" anchor="b">
+                  <a:tcPr marL="113187" marR="4516" marT="56594" marB="56594" anchor="ctr">
                     <a:lnL w="9525" cap="flat" cmpd="sng" algn="ctr">
                       <a:solidFill>
                         <a:srgbClr val="D8DCDC"/>
@@ -7466,6 +7782,147 @@
                       </a:srgbClr>
                     </a:solidFill>
                   </a:tcPr>
+                </a:tc>
+                <a:tc>
+                  <a:txBody>
+                    <a:bodyPr/>
+                    <a:lstStyle/>
+                    <a:p>
+                      <a:pPr algn="l" fontAlgn="b"/>
+                      <a:r>
+                        <a:rPr lang="de-DE" sz="900" u="none" strike="noStrike" dirty="0">
+                          <a:solidFill>
+                            <a:schemeClr val="tx1">
+                              <a:lumMod val="75000"/>
+                              <a:lumOff val="25000"/>
+                            </a:schemeClr>
+                          </a:solidFill>
+                          <a:effectLst/>
+                        </a:rPr>
+                        <a:t>setbalActive: 0 bzw 4 bei jedem vierten Schritt</a:t>
+                      </a:r>
+                      <a:endParaRPr lang="de-DE" sz="900" b="0" i="0" u="none" strike="noStrike" dirty="0">
+                        <a:solidFill>
+                          <a:schemeClr val="tx1">
+                            <a:lumMod val="75000"/>
+                            <a:lumOff val="25000"/>
+                          </a:schemeClr>
+                        </a:solidFill>
+                        <a:effectLst/>
+                        <a:latin typeface="Aptos Narrow" panose="020B0004020202020204" pitchFamily="34" charset="0"/>
+                      </a:endParaRPr>
+                    </a:p>
+                  </a:txBody>
+                  <a:tcPr marL="113187" marR="4516" marT="56594" marB="56594" anchor="ctr">
+                    <a:lnL w="9525" cap="flat" cmpd="sng" algn="ctr">
+                      <a:solidFill>
+                        <a:srgbClr val="D8DCDC"/>
+                      </a:solidFill>
+                      <a:prstDash val="solid"/>
+                    </a:lnL>
+                    <a:lnR w="9525" cap="flat" cmpd="sng" algn="ctr">
+                      <a:solidFill>
+                        <a:srgbClr val="D8DCDC"/>
+                      </a:solidFill>
+                      <a:prstDash val="solid"/>
+                    </a:lnR>
+                    <a:lnT w="9525" cap="flat" cmpd="sng" algn="ctr">
+                      <a:solidFill>
+                        <a:srgbClr val="D8DCDC"/>
+                      </a:solidFill>
+                      <a:prstDash val="solid"/>
+                    </a:lnT>
+                    <a:lnB w="9525" cap="flat" cmpd="sng" algn="ctr">
+                      <a:solidFill>
+                        <a:srgbClr val="D8DCDC"/>
+                      </a:solidFill>
+                      <a:prstDash val="solid"/>
+                    </a:lnB>
+                    <a:solidFill>
+                      <a:srgbClr val="D8DEDC">
+                        <a:alpha val="20000"/>
+                      </a:srgbClr>
+                    </a:solidFill>
+                  </a:tcPr>
+                </a:tc>
+                <a:tc>
+                  <a:txBody>
+                    <a:bodyPr/>
+                    <a:lstStyle/>
+                    <a:p>
+                      <a:pPr algn="l" fontAlgn="b"/>
+                      <a:r>
+                        <a:rPr lang="de-DE" sz="900" u="none" strike="noStrike" dirty="0">
+                          <a:solidFill>
+                            <a:schemeClr val="tx1">
+                              <a:lumMod val="75000"/>
+                              <a:lumOff val="25000"/>
+                            </a:schemeClr>
+                          </a:solidFill>
+                          <a:effectLst/>
+                        </a:rPr>
+                        <a:t>✓</a:t>
+                      </a:r>
+                      <a:endParaRPr lang="de-DE" sz="900" b="0" i="0" u="none" strike="noStrike" dirty="0">
+                        <a:solidFill>
+                          <a:schemeClr val="tx1">
+                            <a:lumMod val="75000"/>
+                            <a:lumOff val="25000"/>
+                          </a:schemeClr>
+                        </a:solidFill>
+                        <a:effectLst/>
+                        <a:latin typeface="Aptos Narrow" panose="020B0004020202020204" pitchFamily="34" charset="0"/>
+                      </a:endParaRPr>
+                    </a:p>
+                  </a:txBody>
+                  <a:tcPr marL="113187" marR="4516" marT="56594" marB="56594" anchor="ctr">
+                    <a:lnL w="9525" cap="flat" cmpd="sng" algn="ctr">
+                      <a:solidFill>
+                        <a:srgbClr val="D8DCDC"/>
+                      </a:solidFill>
+                      <a:prstDash val="solid"/>
+                    </a:lnL>
+                    <a:lnR w="9525" cap="flat" cmpd="sng" algn="ctr">
+                      <a:solidFill>
+                        <a:srgbClr val="D8DCDC"/>
+                      </a:solidFill>
+                      <a:prstDash val="solid"/>
+                    </a:lnR>
+                    <a:lnT w="9525" cap="flat" cmpd="sng" algn="ctr">
+                      <a:solidFill>
+                        <a:srgbClr val="D8DCDC"/>
+                      </a:solidFill>
+                      <a:prstDash val="solid"/>
+                    </a:lnT>
+                    <a:lnB w="9525" cap="flat" cmpd="sng" algn="ctr">
+                      <a:solidFill>
+                        <a:srgbClr val="D8DCDC"/>
+                      </a:solidFill>
+                      <a:prstDash val="solid"/>
+                    </a:lnB>
+                    <a:solidFill>
+                      <a:srgbClr val="D8DEDC">
+                        <a:alpha val="20000"/>
+                      </a:srgbClr>
+                    </a:solidFill>
+                  </a:tcPr>
+                </a:tc>
+                <a:extLst>
+                  <a:ext uri="{0D108BD9-81ED-4DB2-BD59-A6C34878D82A}">
+                    <a16:rowId xmlns:a16="http://schemas.microsoft.com/office/drawing/2014/main" val="2334318741"/>
+                  </a:ext>
+                </a:extLst>
+              </a:tr>
+              <a:tr h="418793">
+                <a:tc vMerge="1">
+                  <a:txBody>
+                    <a:bodyPr/>
+                    <a:lstStyle/>
+                    <a:p>
+                      <a:endParaRPr lang="en-DE"/>
+                    </a:p>
+                  </a:txBody>
+                  <a:tcPr/>
                 </a:tc>
                 <a:tc>
                   <a:txBody>
@@ -7483,7 +7940,7 @@
                           </a:solidFill>
                           <a:effectLst/>
                         </a:rPr>
-                        <a:t>Cellbalancing wird für jede Zelle aktiviert wenn nötig</a:t>
+                        <a:t>allgemeiner Funktionstest 2</a:t>
                       </a:r>
                       <a:endParaRPr lang="de-DE" sz="900" b="0" i="0" u="none" strike="noStrike">
                         <a:solidFill>
@@ -7497,7 +7954,7 @@
                       </a:endParaRPr>
                     </a:p>
                   </a:txBody>
-                  <a:tcPr marL="113187" marR="4516" marT="56594" marB="56594" anchor="b">
+                  <a:tcPr marL="113187" marR="4516" marT="56594" marB="56594" anchor="ctr">
                     <a:lnL w="9525" cap="flat" cmpd="sng" algn="ctr">
                       <a:solidFill>
                         <a:srgbClr val="D8DCDC"/>
@@ -7506,7 +7963,7 @@
                     </a:lnL>
                     <a:lnR w="9525" cap="flat" cmpd="sng" algn="ctr">
                       <a:solidFill>
-                        <a:srgbClr val="D8DCDC"/>
+                        <a:srgbClr val="D8DEDC"/>
                       </a:solidFill>
                       <a:prstDash val="solid"/>
                     </a:lnR>
@@ -7522,12 +7979,320 @@
                       </a:solidFill>
                       <a:prstDash val="solid"/>
                     </a:lnB>
-                    <a:solidFill>
-                      <a:srgbClr val="D8DEDC">
-                        <a:alpha val="20000"/>
-                      </a:srgbClr>
-                    </a:solidFill>
+                    <a:noFill/>
                   </a:tcPr>
+                </a:tc>
+                <a:tc>
+                  <a:txBody>
+                    <a:bodyPr/>
+                    <a:lstStyle/>
+                    <a:p>
+                      <a:pPr algn="l" fontAlgn="b"/>
+                      <a:r>
+                        <a:rPr lang="de-DE" sz="900" u="none" strike="noStrike" dirty="0">
+                          <a:solidFill>
+                            <a:schemeClr val="tx1">
+                              <a:lumMod val="75000"/>
+                              <a:lumOff val="25000"/>
+                            </a:schemeClr>
+                          </a:solidFill>
+                          <a:effectLst/>
+                        </a:rPr>
+                        <a:t>2 Zellen gleichzeitig außerhalb des Wertebereiches</a:t>
+                      </a:r>
+                      <a:endParaRPr lang="de-DE" sz="900" b="0" i="0" u="none" strike="noStrike" dirty="0">
+                        <a:solidFill>
+                          <a:schemeClr val="tx1">
+                            <a:lumMod val="75000"/>
+                            <a:lumOff val="25000"/>
+                          </a:schemeClr>
+                        </a:solidFill>
+                        <a:effectLst/>
+                        <a:latin typeface="Aptos Narrow" panose="020B0004020202020204" pitchFamily="34" charset="0"/>
+                      </a:endParaRPr>
+                    </a:p>
+                  </a:txBody>
+                  <a:tcPr marL="113187" marR="4516" marT="56594" marB="56594" anchor="ctr">
+                    <a:lnL w="9525" cap="flat" cmpd="sng" algn="ctr">
+                      <a:solidFill>
+                        <a:srgbClr val="D8DEDC"/>
+                      </a:solidFill>
+                      <a:prstDash val="solid"/>
+                    </a:lnL>
+                    <a:lnR w="9525" cap="flat" cmpd="sng" algn="ctr">
+                      <a:solidFill>
+                        <a:srgbClr val="D8DEDC"/>
+                      </a:solidFill>
+                      <a:prstDash val="solid"/>
+                    </a:lnR>
+                    <a:lnT w="9525" cap="flat" cmpd="sng" algn="ctr">
+                      <a:solidFill>
+                        <a:srgbClr val="D8DCDC"/>
+                      </a:solidFill>
+                      <a:prstDash val="solid"/>
+                    </a:lnT>
+                    <a:lnB w="9525" cap="flat" cmpd="sng" algn="ctr">
+                      <a:solidFill>
+                        <a:srgbClr val="D8DCDC"/>
+                      </a:solidFill>
+                      <a:prstDash val="solid"/>
+                    </a:lnB>
+                    <a:noFill/>
+                  </a:tcPr>
+                </a:tc>
+                <a:tc>
+                  <a:txBody>
+                    <a:bodyPr/>
+                    <a:lstStyle/>
+                    <a:p>
+                      <a:pPr algn="l" fontAlgn="b"/>
+                      <a:r>
+                        <a:rPr lang="de-DE" sz="900" u="none" strike="noStrike" dirty="0">
+                          <a:solidFill>
+                            <a:schemeClr val="tx1">
+                              <a:lumMod val="75000"/>
+                              <a:lumOff val="25000"/>
+                            </a:schemeClr>
+                          </a:solidFill>
+                          <a:effectLst/>
+                        </a:rPr>
+                        <a:t>Vcell[4.0, 4.0, </a:t>
+                      </a:r>
+                      <a:r>
+                        <a:rPr lang="de-DE" sz="900" b="1" u="none" strike="noStrike" dirty="0">
+                          <a:solidFill>
+                            <a:schemeClr val="tx1">
+                              <a:lumMod val="75000"/>
+                              <a:lumOff val="25000"/>
+                            </a:schemeClr>
+                          </a:solidFill>
+                          <a:effectLst/>
+                        </a:rPr>
+                        <a:t>3.5</a:t>
+                      </a:r>
+                      <a:r>
+                        <a:rPr lang="de-DE" sz="900" u="none" strike="noStrike" dirty="0">
+                          <a:solidFill>
+                            <a:schemeClr val="tx1">
+                              <a:lumMod val="75000"/>
+                              <a:lumOff val="25000"/>
+                            </a:schemeClr>
+                          </a:solidFill>
+                          <a:effectLst/>
+                        </a:rPr>
+                        <a:t>, </a:t>
+                      </a:r>
+                      <a:r>
+                        <a:rPr lang="de-DE" sz="900" b="1" u="none" strike="noStrike" dirty="0">
+                          <a:solidFill>
+                            <a:schemeClr val="tx1">
+                              <a:lumMod val="75000"/>
+                              <a:lumOff val="25000"/>
+                            </a:schemeClr>
+                          </a:solidFill>
+                          <a:effectLst/>
+                        </a:rPr>
+                        <a:t>4.5</a:t>
+                      </a:r>
+                      <a:r>
+                        <a:rPr lang="de-DE" sz="900" u="none" strike="noStrike" dirty="0">
+                          <a:solidFill>
+                            <a:schemeClr val="tx1">
+                              <a:lumMod val="75000"/>
+                              <a:lumOff val="25000"/>
+                            </a:schemeClr>
+                          </a:solidFill>
+                          <a:effectLst/>
+                        </a:rPr>
+                        <a:t>]</a:t>
+                      </a:r>
+                      <a:endParaRPr lang="de-DE" sz="900" b="0" i="0" u="none" strike="noStrike" dirty="0">
+                        <a:solidFill>
+                          <a:schemeClr val="tx1">
+                            <a:lumMod val="75000"/>
+                            <a:lumOff val="25000"/>
+                          </a:schemeClr>
+                        </a:solidFill>
+                        <a:effectLst/>
+                        <a:latin typeface="Aptos Narrow" panose="020B0004020202020204" pitchFamily="34" charset="0"/>
+                      </a:endParaRPr>
+                    </a:p>
+                  </a:txBody>
+                  <a:tcPr marL="113187" marR="4516" marT="56594" marB="56594" anchor="ctr">
+                    <a:lnL w="9525" cap="flat" cmpd="sng" algn="ctr">
+                      <a:solidFill>
+                        <a:srgbClr val="D8DEDC"/>
+                      </a:solidFill>
+                      <a:prstDash val="solid"/>
+                    </a:lnL>
+                    <a:lnR w="9525" cap="flat" cmpd="sng" algn="ctr">
+                      <a:solidFill>
+                        <a:srgbClr val="D8DEDC"/>
+                      </a:solidFill>
+                      <a:prstDash val="solid"/>
+                    </a:lnR>
+                    <a:lnT w="9525" cap="flat" cmpd="sng" algn="ctr">
+                      <a:solidFill>
+                        <a:srgbClr val="D8DCDC"/>
+                      </a:solidFill>
+                      <a:prstDash val="solid"/>
+                    </a:lnT>
+                    <a:lnB w="9525" cap="flat" cmpd="sng" algn="ctr">
+                      <a:solidFill>
+                        <a:srgbClr val="D8DCDC"/>
+                      </a:solidFill>
+                      <a:prstDash val="solid"/>
+                    </a:lnB>
+                    <a:noFill/>
+                  </a:tcPr>
+                </a:tc>
+                <a:tc>
+                  <a:txBody>
+                    <a:bodyPr/>
+                    <a:lstStyle/>
+                    <a:p>
+                      <a:pPr algn="l" fontAlgn="b"/>
+                      <a:r>
+                        <a:rPr lang="de-DE" sz="900" u="none" strike="noStrike" dirty="0">
+                          <a:solidFill>
+                            <a:schemeClr val="tx1">
+                              <a:lumMod val="75000"/>
+                              <a:lumOff val="25000"/>
+                            </a:schemeClr>
+                          </a:solidFill>
+                          <a:effectLst/>
+                        </a:rPr>
+                        <a:t>setbalActive: 3 &amp; 4 </a:t>
+                      </a:r>
+                      <a:endParaRPr lang="de-DE" sz="900" b="0" i="0" u="none" strike="noStrike" dirty="0">
+                        <a:solidFill>
+                          <a:schemeClr val="tx1">
+                            <a:lumMod val="75000"/>
+                            <a:lumOff val="25000"/>
+                          </a:schemeClr>
+                        </a:solidFill>
+                        <a:effectLst/>
+                        <a:latin typeface="Aptos Narrow" panose="020B0004020202020204" pitchFamily="34" charset="0"/>
+                      </a:endParaRPr>
+                    </a:p>
+                  </a:txBody>
+                  <a:tcPr marL="113187" marR="4516" marT="56594" marB="56594" anchor="ctr">
+                    <a:lnL w="9525" cap="flat" cmpd="sng" algn="ctr">
+                      <a:solidFill>
+                        <a:srgbClr val="D8DEDC"/>
+                      </a:solidFill>
+                      <a:prstDash val="solid"/>
+                    </a:lnL>
+                    <a:lnR w="9525" cap="flat" cmpd="sng" algn="ctr">
+                      <a:solidFill>
+                        <a:srgbClr val="D8DEDC"/>
+                      </a:solidFill>
+                      <a:prstDash val="solid"/>
+                    </a:lnR>
+                    <a:lnT w="9525" cap="flat" cmpd="sng" algn="ctr">
+                      <a:solidFill>
+                        <a:srgbClr val="D8DCDC"/>
+                      </a:solidFill>
+                      <a:prstDash val="solid"/>
+                    </a:lnT>
+                    <a:lnB w="9525" cap="flat" cmpd="sng" algn="ctr">
+                      <a:solidFill>
+                        <a:srgbClr val="D8DCDC"/>
+                      </a:solidFill>
+                      <a:prstDash val="solid"/>
+                    </a:lnB>
+                    <a:noFill/>
+                  </a:tcPr>
+                </a:tc>
+                <a:tc>
+                  <a:txBody>
+                    <a:bodyPr/>
+                    <a:lstStyle/>
+                    <a:p>
+                      <a:pPr algn="l" fontAlgn="b"/>
+                      <a:r>
+                        <a:rPr lang="de-DE" sz="900" u="none" strike="noStrike" dirty="0">
+                          <a:solidFill>
+                            <a:schemeClr val="tx1">
+                              <a:lumMod val="75000"/>
+                              <a:lumOff val="25000"/>
+                            </a:schemeClr>
+                          </a:solidFill>
+                          <a:effectLst/>
+                        </a:rPr>
+                        <a:t>✓ </a:t>
+                      </a:r>
+                    </a:p>
+                    <a:p>
+                      <a:pPr algn="l" fontAlgn="b"/>
+                      <a:r>
+                        <a:rPr lang="de-DE" sz="900" u="none" strike="noStrike" dirty="0">
+                          <a:solidFill>
+                            <a:schemeClr val="tx1">
+                              <a:lumMod val="75000"/>
+                              <a:lumOff val="25000"/>
+                            </a:schemeClr>
+                          </a:solidFill>
+                          <a:effectLst/>
+                        </a:rPr>
+                        <a:t>werden nacheinander gebalanced</a:t>
+                      </a:r>
+                      <a:endParaRPr lang="de-DE" sz="900" b="0" i="0" u="none" strike="noStrike" dirty="0">
+                        <a:solidFill>
+                          <a:schemeClr val="tx1">
+                            <a:lumMod val="75000"/>
+                            <a:lumOff val="25000"/>
+                          </a:schemeClr>
+                        </a:solidFill>
+                        <a:effectLst/>
+                        <a:latin typeface="Aptos Narrow" panose="020B0004020202020204" pitchFamily="34" charset="0"/>
+                      </a:endParaRPr>
+                    </a:p>
+                  </a:txBody>
+                  <a:tcPr marL="113187" marR="4516" marT="56594" marB="56594" anchor="ctr">
+                    <a:lnL w="9525" cap="flat" cmpd="sng" algn="ctr">
+                      <a:solidFill>
+                        <a:srgbClr val="D8DEDC"/>
+                      </a:solidFill>
+                      <a:prstDash val="solid"/>
+                    </a:lnL>
+                    <a:lnR w="9525" cap="flat" cmpd="sng" algn="ctr">
+                      <a:solidFill>
+                        <a:srgbClr val="D8DEDC"/>
+                      </a:solidFill>
+                      <a:prstDash val="solid"/>
+                    </a:lnR>
+                    <a:lnT w="9525" cap="flat" cmpd="sng" algn="ctr">
+                      <a:solidFill>
+                        <a:srgbClr val="D8DCDC"/>
+                      </a:solidFill>
+                      <a:prstDash val="solid"/>
+                    </a:lnT>
+                    <a:lnB w="9525" cap="flat" cmpd="sng" algn="ctr">
+                      <a:solidFill>
+                        <a:srgbClr val="D8DCDC"/>
+                      </a:solidFill>
+                      <a:prstDash val="solid"/>
+                    </a:lnB>
+                    <a:noFill/>
+                  </a:tcPr>
+                </a:tc>
+                <a:extLst>
+                  <a:ext uri="{0D108BD9-81ED-4DB2-BD59-A6C34878D82A}">
+                    <a16:rowId xmlns:a16="http://schemas.microsoft.com/office/drawing/2014/main" val="1558187097"/>
+                  </a:ext>
+                </a:extLst>
+              </a:tr>
+              <a:tr h="277309">
+                <a:tc vMerge="1">
+                  <a:txBody>
+                    <a:bodyPr/>
+                    <a:lstStyle/>
+                    <a:p>
+                      <a:endParaRPr lang="en-DE"/>
+                    </a:p>
+                  </a:txBody>
+                  <a:tcPr/>
                 </a:tc>
                 <a:tc>
                   <a:txBody>
@@ -7545,7 +8310,7 @@
                           </a:solidFill>
                           <a:effectLst/>
                         </a:rPr>
-                        <a:t>Vcell[4.0, 4.0, 4.0, 4.5]</a:t>
+                        <a:t>allgemeiner Funktionstest 3</a:t>
                       </a:r>
                       <a:endParaRPr lang="de-DE" sz="900" b="0" i="0" u="none" strike="noStrike">
                         <a:solidFill>
@@ -7559,7 +8324,131 @@
                       </a:endParaRPr>
                     </a:p>
                   </a:txBody>
-                  <a:tcPr marL="113187" marR="4516" marT="56594" marB="56594" anchor="b">
+                  <a:tcPr marL="113187" marR="4516" marT="56594" marB="56594" anchor="ctr">
+                    <a:lnL w="9525" cap="flat" cmpd="sng" algn="ctr">
+                      <a:solidFill>
+                        <a:srgbClr val="D8DCDC"/>
+                      </a:solidFill>
+                      <a:prstDash val="solid"/>
+                    </a:lnL>
+                    <a:lnR w="9525" cap="flat" cmpd="sng" algn="ctr">
+                      <a:solidFill>
+                        <a:srgbClr val="D8DCDC"/>
+                      </a:solidFill>
+                      <a:prstDash val="solid"/>
+                    </a:lnR>
+                    <a:lnT w="9525" cap="flat" cmpd="sng" algn="ctr">
+                      <a:solidFill>
+                        <a:srgbClr val="D8DCDC"/>
+                      </a:solidFill>
+                      <a:prstDash val="solid"/>
+                    </a:lnT>
+                    <a:lnB w="9525" cap="flat" cmpd="sng" algn="ctr">
+                      <a:solidFill>
+                        <a:srgbClr val="D8DCDC"/>
+                      </a:solidFill>
+                      <a:prstDash val="solid"/>
+                    </a:lnB>
+                    <a:solidFill>
+                      <a:srgbClr val="D8DEDC">
+                        <a:alpha val="20000"/>
+                      </a:srgbClr>
+                    </a:solidFill>
+                  </a:tcPr>
+                </a:tc>
+                <a:tc>
+                  <a:txBody>
+                    <a:bodyPr/>
+                    <a:lstStyle/>
+                    <a:p>
+                      <a:pPr algn="l" fontAlgn="b"/>
+                      <a:r>
+                        <a:rPr lang="de-DE" sz="900" u="none" strike="noStrike" dirty="0">
+                          <a:solidFill>
+                            <a:schemeClr val="tx1">
+                              <a:lumMod val="75000"/>
+                              <a:lumOff val="25000"/>
+                            </a:schemeClr>
+                          </a:solidFill>
+                          <a:effectLst/>
+                        </a:rPr>
+                        <a:t>keine Zelle muss gebalanced werden</a:t>
+                      </a:r>
+                      <a:endParaRPr lang="de-DE" sz="900" b="0" i="0" u="none" strike="noStrike" dirty="0">
+                        <a:solidFill>
+                          <a:schemeClr val="tx1">
+                            <a:lumMod val="75000"/>
+                            <a:lumOff val="25000"/>
+                          </a:schemeClr>
+                        </a:solidFill>
+                        <a:effectLst/>
+                        <a:latin typeface="Aptos Narrow" panose="020B0004020202020204" pitchFamily="34" charset="0"/>
+                      </a:endParaRPr>
+                    </a:p>
+                  </a:txBody>
+                  <a:tcPr marL="113187" marR="4516" marT="56594" marB="56594" anchor="ctr">
+                    <a:lnL w="9525" cap="flat" cmpd="sng" algn="ctr">
+                      <a:solidFill>
+                        <a:srgbClr val="D8DCDC"/>
+                      </a:solidFill>
+                      <a:prstDash val="solid"/>
+                    </a:lnL>
+                    <a:lnR w="9525" cap="flat" cmpd="sng" algn="ctr">
+                      <a:solidFill>
+                        <a:srgbClr val="D8DCDC"/>
+                      </a:solidFill>
+                      <a:prstDash val="solid"/>
+                    </a:lnR>
+                    <a:lnT w="9525" cap="flat" cmpd="sng" algn="ctr">
+                      <a:solidFill>
+                        <a:srgbClr val="D8DCDC"/>
+                      </a:solidFill>
+                      <a:prstDash val="solid"/>
+                    </a:lnT>
+                    <a:lnB w="9525" cap="flat" cmpd="sng" algn="ctr">
+                      <a:solidFill>
+                        <a:srgbClr val="D8DCDC"/>
+                      </a:solidFill>
+                      <a:prstDash val="solid"/>
+                    </a:lnB>
+                    <a:solidFill>
+                      <a:srgbClr val="D8DEDC">
+                        <a:alpha val="20000"/>
+                      </a:srgbClr>
+                    </a:solidFill>
+                  </a:tcPr>
+                </a:tc>
+                <a:tc>
+                  <a:txBody>
+                    <a:bodyPr/>
+                    <a:lstStyle/>
+                    <a:p>
+                      <a:pPr algn="l" fontAlgn="b"/>
+                      <a:r>
+                        <a:rPr lang="de-DE" sz="900" u="none" strike="noStrike" dirty="0">
+                          <a:solidFill>
+                            <a:schemeClr val="tx1">
+                              <a:lumMod val="75000"/>
+                              <a:lumOff val="25000"/>
+                            </a:schemeClr>
+                          </a:solidFill>
+                          <a:effectLst/>
+                        </a:rPr>
+                        <a:t>Vcell[4.0, 4.0, 4.0, 4.0]</a:t>
+                      </a:r>
+                      <a:endParaRPr lang="de-DE" sz="900" b="0" i="0" u="none" strike="noStrike" dirty="0">
+                        <a:solidFill>
+                          <a:schemeClr val="tx1">
+                            <a:lumMod val="75000"/>
+                            <a:lumOff val="25000"/>
+                          </a:schemeClr>
+                        </a:solidFill>
+                        <a:effectLst/>
+                        <a:latin typeface="Aptos Narrow" panose="020B0004020202020204" pitchFamily="34" charset="0"/>
+                      </a:endParaRPr>
+                    </a:p>
+                  </a:txBody>
+                  <a:tcPr marL="113187" marR="4516" marT="56594" marB="56594" anchor="ctr">
                     <a:lnL w="9525" cap="flat" cmpd="sng" algn="ctr">
                       <a:solidFill>
                         <a:srgbClr val="D8DCDC"/>
@@ -7607,7 +8496,7 @@
                           </a:solidFill>
                           <a:effectLst/>
                         </a:rPr>
-                        <a:t>setbalActive: 0 bzw 4 bei jedem vierten Schritt</a:t>
+                        <a:t>setbalActive: 0</a:t>
                       </a:r>
                       <a:endParaRPr lang="de-DE" sz="900" b="0" i="0" u="none" strike="noStrike">
                         <a:solidFill>
@@ -7621,7 +8510,7 @@
                       </a:endParaRPr>
                     </a:p>
                   </a:txBody>
-                  <a:tcPr marL="113187" marR="4516" marT="56594" marB="56594" anchor="b">
+                  <a:tcPr marL="113187" marR="4516" marT="56594" marB="56594" anchor="ctr">
                     <a:lnL w="9525" cap="flat" cmpd="sng" algn="ctr">
                       <a:solidFill>
                         <a:srgbClr val="D8DCDC"/>
@@ -7660,7 +8549,7 @@
                     <a:p>
                       <a:pPr algn="l" fontAlgn="b"/>
                       <a:r>
-                        <a:rPr lang="de-DE" sz="900" u="none" strike="noStrike">
+                        <a:rPr lang="de-DE" sz="900" u="none" strike="noStrike" dirty="0">
                           <a:solidFill>
                             <a:schemeClr val="tx1">
                               <a:lumMod val="75000"/>
@@ -7671,7 +8560,7 @@
                         </a:rPr>
                         <a:t>✓</a:t>
                       </a:r>
-                      <a:endParaRPr lang="de-DE" sz="900" b="0" i="0" u="none" strike="noStrike">
+                      <a:endParaRPr lang="de-DE" sz="900" b="0" i="0" u="none" strike="noStrike" dirty="0">
                         <a:solidFill>
                           <a:schemeClr val="tx1">
                             <a:lumMod val="75000"/>
@@ -7683,7 +8572,7 @@
                       </a:endParaRPr>
                     </a:p>
                   </a:txBody>
-                  <a:tcPr marL="113187" marR="4516" marT="56594" marB="56594" anchor="b">
+                  <a:tcPr marL="113187" marR="4516" marT="56594" marB="56594" anchor="ctr">
                     <a:lnL w="9525" cap="flat" cmpd="sng" algn="ctr">
                       <a:solidFill>
                         <a:srgbClr val="D8DCDC"/>
@@ -7717,7 +8606,7 @@
                 </a:tc>
                 <a:extLst>
                   <a:ext uri="{0D108BD9-81ED-4DB2-BD59-A6C34878D82A}">
-                    <a16:rowId xmlns:a16="http://schemas.microsoft.com/office/drawing/2014/main" val="2334318741"/>
+                    <a16:rowId xmlns:a16="http://schemas.microsoft.com/office/drawing/2014/main" val="4228938712"/>
                   </a:ext>
                 </a:extLst>
               </a:tr>
@@ -7739,7 +8628,7 @@
                     <a:p>
                       <a:pPr algn="l" fontAlgn="b"/>
                       <a:r>
-                        <a:rPr lang="de-DE" sz="900" u="none" strike="noStrike">
+                        <a:rPr lang="de-DE" sz="900" u="none" strike="noStrike" dirty="0">
                           <a:solidFill>
                             <a:schemeClr val="tx1">
                               <a:lumMod val="75000"/>
@@ -7748,9 +8637,9 @@
                           </a:solidFill>
                           <a:effectLst/>
                         </a:rPr>
-                        <a:t>allgemeiner Funktionstest 2</a:t>
-                      </a:r>
-                      <a:endParaRPr lang="de-DE" sz="900" b="0" i="0" u="none" strike="noStrike">
+                        <a:t>allgemeiner Funktionstest 4</a:t>
+                      </a:r>
+                      <a:endParaRPr lang="de-DE" sz="900" b="0" i="0" u="none" strike="noStrike" dirty="0">
                         <a:solidFill>
                           <a:schemeClr val="tx1">
                             <a:lumMod val="75000"/>
@@ -7762,7 +8651,7 @@
                       </a:endParaRPr>
                     </a:p>
                   </a:txBody>
-                  <a:tcPr marL="113187" marR="4516" marT="56594" marB="56594" anchor="b">
+                  <a:tcPr marL="113187" marR="4516" marT="56594" marB="56594" anchor="ctr">
                     <a:lnL w="9525" cap="flat" cmpd="sng" algn="ctr">
                       <a:solidFill>
                         <a:srgbClr val="D8DCDC"/>
@@ -7797,7 +8686,7 @@
                     <a:p>
                       <a:pPr algn="l" fontAlgn="b"/>
                       <a:r>
-                        <a:rPr lang="de-DE" sz="900" u="none" strike="noStrike">
+                        <a:rPr lang="de-DE" sz="900" u="none" strike="noStrike" dirty="0">
                           <a:solidFill>
                             <a:schemeClr val="tx1">
                               <a:lumMod val="75000"/>
@@ -7806,9 +8695,9 @@
                           </a:solidFill>
                           <a:effectLst/>
                         </a:rPr>
-                        <a:t>2 Zellen gleichzeitig außerhalb des Wertebereiches</a:t>
-                      </a:r>
-                      <a:endParaRPr lang="de-DE" sz="900" b="0" i="0" u="none" strike="noStrike">
+                        <a:t>Grenzwert weniger als 4-mal unterschritten</a:t>
+                      </a:r>
+                      <a:endParaRPr lang="de-DE" sz="900" b="0" i="0" u="none" strike="noStrike" dirty="0">
                         <a:solidFill>
                           <a:schemeClr val="tx1">
                             <a:lumMod val="75000"/>
@@ -7820,7 +8709,7 @@
                       </a:endParaRPr>
                     </a:p>
                   </a:txBody>
-                  <a:tcPr marL="113187" marR="4516" marT="56594" marB="56594" anchor="b">
+                  <a:tcPr marL="113187" marR="4516" marT="56594" marB="56594" anchor="ctr">
                     <a:lnL w="9525" cap="flat" cmpd="sng" algn="ctr">
                       <a:solidFill>
                         <a:srgbClr val="D8DEDC"/>
@@ -7855,7 +8744,7 @@
                     <a:p>
                       <a:pPr algn="l" fontAlgn="b"/>
                       <a:r>
-                        <a:rPr lang="de-DE" sz="900" u="none" strike="noStrike">
+                        <a:rPr lang="de-DE" sz="900" u="none" strike="noStrike" dirty="0">
                           <a:solidFill>
                             <a:schemeClr val="tx1">
                               <a:lumMod val="75000"/>
@@ -7864,9 +8753,48 @@
                           </a:solidFill>
                           <a:effectLst/>
                         </a:rPr>
-                        <a:t>Vcell[4.0, 4.0, 3.5, 4.5]</a:t>
-                      </a:r>
-                      <a:endParaRPr lang="de-DE" sz="900" b="0" i="0" u="none" strike="noStrike">
+                        <a:t>3x Vcell[4.0, 4.0, 4.0, </a:t>
+                      </a:r>
+                      <a:r>
+                        <a:rPr lang="de-DE" sz="900" b="1" u="none" strike="noStrike" dirty="0">
+                          <a:solidFill>
+                            <a:schemeClr val="tx1">
+                              <a:lumMod val="75000"/>
+                              <a:lumOff val="25000"/>
+                            </a:schemeClr>
+                          </a:solidFill>
+                          <a:effectLst/>
+                        </a:rPr>
+                        <a:t>4.5</a:t>
+                      </a:r>
+                      <a:r>
+                        <a:rPr lang="de-DE" sz="900" u="none" strike="noStrike" dirty="0">
+                          <a:solidFill>
+                            <a:schemeClr val="tx1">
+                              <a:lumMod val="75000"/>
+                              <a:lumOff val="25000"/>
+                            </a:schemeClr>
+                          </a:solidFill>
+                          <a:effectLst/>
+                        </a:rPr>
+                        <a:t>]  </a:t>
+                      </a:r>
+                    </a:p>
+                    <a:p>
+                      <a:pPr algn="l" fontAlgn="b"/>
+                      <a:r>
+                        <a:rPr lang="de-DE" sz="900" u="none" strike="noStrike" dirty="0">
+                          <a:solidFill>
+                            <a:schemeClr val="tx1">
+                              <a:lumMod val="75000"/>
+                              <a:lumOff val="25000"/>
+                            </a:schemeClr>
+                          </a:solidFill>
+                          <a:effectLst/>
+                        </a:rPr>
+                        <a:t>1xVcell[4.0, 4.0, 4.0, 4.0]</a:t>
+                      </a:r>
+                      <a:endParaRPr lang="de-DE" sz="900" b="0" i="0" u="none" strike="noStrike" dirty="0">
                         <a:solidFill>
                           <a:schemeClr val="tx1">
                             <a:lumMod val="75000"/>
@@ -7878,7 +8806,7 @@
                       </a:endParaRPr>
                     </a:p>
                   </a:txBody>
-                  <a:tcPr marL="113187" marR="4516" marT="56594" marB="56594" anchor="b">
+                  <a:tcPr marL="113187" marR="4516" marT="56594" marB="56594" anchor="ctr">
                     <a:lnL w="9525" cap="flat" cmpd="sng" algn="ctr">
                       <a:solidFill>
                         <a:srgbClr val="D8DEDC"/>
@@ -7913,7 +8841,7 @@
                     <a:p>
                       <a:pPr algn="l" fontAlgn="b"/>
                       <a:r>
-                        <a:rPr lang="de-DE" sz="900" u="none" strike="noStrike">
+                        <a:rPr lang="de-DE" sz="900" u="none" strike="noStrike" dirty="0">
                           <a:solidFill>
                             <a:schemeClr val="tx1">
                               <a:lumMod val="75000"/>
@@ -7922,9 +8850,9 @@
                           </a:solidFill>
                           <a:effectLst/>
                         </a:rPr>
-                        <a:t>setbalActive: 3 &amp; 4 </a:t>
-                      </a:r>
-                      <a:endParaRPr lang="de-DE" sz="900" b="0" i="0" u="none" strike="noStrike">
+                        <a:t>setbalActive: 0</a:t>
+                      </a:r>
+                      <a:endParaRPr lang="de-DE" sz="900" b="0" i="0" u="none" strike="noStrike" dirty="0">
                         <a:solidFill>
                           <a:schemeClr val="tx1">
                             <a:lumMod val="75000"/>
@@ -7936,7 +8864,7 @@
                       </a:endParaRPr>
                     </a:p>
                   </a:txBody>
-                  <a:tcPr marL="113187" marR="4516" marT="56594" marB="56594" anchor="b">
+                  <a:tcPr marL="113187" marR="4516" marT="56594" marB="56594" anchor="ctr">
                     <a:lnL w="9525" cap="flat" cmpd="sng" algn="ctr">
                       <a:solidFill>
                         <a:srgbClr val="D8DEDC"/>
@@ -7971,7 +8899,7 @@
                     <a:p>
                       <a:pPr algn="l" fontAlgn="b"/>
                       <a:r>
-                        <a:rPr lang="de-DE" sz="900" u="none" strike="noStrike">
+                        <a:rPr lang="de-DE" sz="900" u="none" strike="noStrike" dirty="0">
                           <a:solidFill>
                             <a:schemeClr val="tx1">
                               <a:lumMod val="75000"/>
@@ -7980,9 +8908,9 @@
                           </a:solidFill>
                           <a:effectLst/>
                         </a:rPr>
-                        <a:t>werden nacheinander gebalanced ✓</a:t>
-                      </a:r>
-                      <a:endParaRPr lang="de-DE" sz="900" b="0" i="0" u="none" strike="noStrike">
+                        <a:t>✓</a:t>
+                      </a:r>
+                      <a:endParaRPr lang="de-DE" sz="900" b="0" i="0" u="none" strike="noStrike" dirty="0">
                         <a:solidFill>
                           <a:schemeClr val="tx1">
                             <a:lumMod val="75000"/>
@@ -7994,7 +8922,7 @@
                       </a:endParaRPr>
                     </a:p>
                   </a:txBody>
-                  <a:tcPr marL="113187" marR="4516" marT="56594" marB="56594" anchor="b">
+                  <a:tcPr marL="113187" marR="4516" marT="56594" marB="56594" anchor="ctr">
                     <a:lnL w="9525" cap="flat" cmpd="sng" algn="ctr">
                       <a:solidFill>
                         <a:srgbClr val="D8DEDC"/>
@@ -8024,21 +8952,11 @@
                 </a:tc>
                 <a:extLst>
                   <a:ext uri="{0D108BD9-81ED-4DB2-BD59-A6C34878D82A}">
-                    <a16:rowId xmlns:a16="http://schemas.microsoft.com/office/drawing/2014/main" val="1558187097"/>
+                    <a16:rowId xmlns:a16="http://schemas.microsoft.com/office/drawing/2014/main" val="796671905"/>
                   </a:ext>
                 </a:extLst>
               </a:tr>
               <a:tr h="277309">
-                <a:tc vMerge="1">
-                  <a:txBody>
-                    <a:bodyPr/>
-                    <a:lstStyle/>
-                    <a:p>
-                      <a:endParaRPr lang="en-DE"/>
-                    </a:p>
-                  </a:txBody>
-                  <a:tcPr/>
-                </a:tc>
                 <a:tc>
                   <a:txBody>
                     <a:bodyPr/>
@@ -8046,7 +8964,7 @@
                     <a:p>
                       <a:pPr algn="l" fontAlgn="b"/>
                       <a:r>
-                        <a:rPr lang="de-DE" sz="900" u="none" strike="noStrike">
+                        <a:rPr lang="de-DE" sz="900" b="1" u="none" strike="noStrike" dirty="0">
                           <a:solidFill>
                             <a:schemeClr val="tx1">
                               <a:lumMod val="75000"/>
@@ -8055,9 +8973,21 @@
                           </a:solidFill>
                           <a:effectLst/>
                         </a:rPr>
-                        <a:t>allgemeiner Funktionstest 3</a:t>
-                      </a:r>
-                      <a:endParaRPr lang="de-DE" sz="900" b="0" i="0" u="none" strike="noStrike">
+                        <a:t>Zusatz 12 </a:t>
+                      </a:r>
+                      <a:r>
+                        <a:rPr lang="de-DE" sz="900" u="none" strike="noStrike" dirty="0">
+                          <a:solidFill>
+                            <a:schemeClr val="tx1">
+                              <a:lumMod val="75000"/>
+                              <a:lumOff val="25000"/>
+                            </a:schemeClr>
+                          </a:solidFill>
+                          <a:effectLst/>
+                        </a:rPr>
+                        <a:t>– Berechnung der Werte alle 200ms</a:t>
+                      </a:r>
+                      <a:endParaRPr lang="de-DE" sz="900" b="0" i="0" u="none" strike="noStrike" dirty="0">
                         <a:solidFill>
                           <a:schemeClr val="tx1">
                             <a:lumMod val="75000"/>
@@ -8069,7 +8999,7 @@
                       </a:endParaRPr>
                     </a:p>
                   </a:txBody>
-                  <a:tcPr marL="113187" marR="4516" marT="56594" marB="56594" anchor="b">
+                  <a:tcPr marL="113187" marR="4516" marT="56594" marB="56594" anchor="ctr">
                     <a:lnL w="9525" cap="flat" cmpd="sng" algn="ctr">
                       <a:solidFill>
                         <a:srgbClr val="D8DCDC"/>
@@ -8082,11 +9012,14 @@
                       </a:solidFill>
                       <a:prstDash val="solid"/>
                     </a:lnR>
-                    <a:lnT w="9525" cap="flat" cmpd="sng" algn="ctr">
-                      <a:solidFill>
-                        <a:srgbClr val="D8DCDC"/>
-                      </a:solidFill>
-                      <a:prstDash val="solid"/>
+                    <a:lnT w="12700" cap="flat" cmpd="sng" algn="ctr">
+                      <a:solidFill>
+                        <a:schemeClr val="bg2"/>
+                      </a:solidFill>
+                      <a:prstDash val="solid"/>
+                      <a:round/>
+                      <a:headEnd type="none" w="med" len="med"/>
+                      <a:tailEnd type="none" w="med" len="med"/>
                     </a:lnT>
                     <a:lnB w="9525" cap="flat" cmpd="sng" algn="ctr">
                       <a:solidFill>
@@ -8108,7 +9041,7 @@
                     <a:p>
                       <a:pPr algn="l" fontAlgn="b"/>
                       <a:r>
-                        <a:rPr lang="de-DE" sz="900" u="none" strike="noStrike">
+                        <a:rPr lang="de-DE" sz="900" u="none" strike="noStrike" dirty="0">
                           <a:solidFill>
                             <a:schemeClr val="tx1">
                               <a:lumMod val="75000"/>
@@ -8117,9 +9050,9 @@
                           </a:solidFill>
                           <a:effectLst/>
                         </a:rPr>
-                        <a:t>keine Zelle muss gebalanced werden</a:t>
-                      </a:r>
-                      <a:endParaRPr lang="de-DE" sz="900" b="0" i="0" u="none" strike="noStrike">
+                        <a:t>nicht testbar</a:t>
+                      </a:r>
+                      <a:endParaRPr lang="de-DE" sz="900" b="0" i="0" u="none" strike="noStrike" dirty="0">
                         <a:solidFill>
                           <a:schemeClr val="tx1">
                             <a:lumMod val="75000"/>
@@ -8131,7 +9064,7 @@
                       </a:endParaRPr>
                     </a:p>
                   </a:txBody>
-                  <a:tcPr marL="113187" marR="4516" marT="56594" marB="56594" anchor="b">
+                  <a:tcPr marL="113187" marR="4516" marT="56594" marB="56594" anchor="ctr">
                     <a:lnL w="9525" cap="flat" cmpd="sng" algn="ctr">
                       <a:solidFill>
                         <a:srgbClr val="D8DCDC"/>
@@ -8169,19 +9102,7 @@
                     <a:lstStyle/>
                     <a:p>
                       <a:pPr algn="l" fontAlgn="b"/>
-                      <a:r>
-                        <a:rPr lang="de-DE" sz="900" u="none" strike="noStrike">
-                          <a:solidFill>
-                            <a:schemeClr val="tx1">
-                              <a:lumMod val="75000"/>
-                              <a:lumOff val="25000"/>
-                            </a:schemeClr>
-                          </a:solidFill>
-                          <a:effectLst/>
-                        </a:rPr>
-                        <a:t>Vcell[4.0, 4.0, 4.0, 4.0]</a:t>
-                      </a:r>
-                      <a:endParaRPr lang="de-DE" sz="900" b="0" i="0" u="none" strike="noStrike">
+                      <a:endParaRPr lang="de-DE" sz="900" b="0" i="0" u="none" strike="noStrike" dirty="0">
                         <a:solidFill>
                           <a:schemeClr val="tx1">
                             <a:lumMod val="75000"/>
@@ -8193,7 +9114,7 @@
                       </a:endParaRPr>
                     </a:p>
                   </a:txBody>
-                  <a:tcPr marL="113187" marR="4516" marT="56594" marB="56594" anchor="b">
+                  <a:tcPr marL="113187" marR="4516" marT="56594" marB="56594" anchor="ctr">
                     <a:lnL w="9525" cap="flat" cmpd="sng" algn="ctr">
                       <a:solidFill>
                         <a:srgbClr val="D8DCDC"/>
@@ -8223,379 +9144,6 @@
                         <a:alpha val="20000"/>
                       </a:srgbClr>
                     </a:solidFill>
-                  </a:tcPr>
-                </a:tc>
-                <a:tc>
-                  <a:txBody>
-                    <a:bodyPr/>
-                    <a:lstStyle/>
-                    <a:p>
-                      <a:pPr algn="l" fontAlgn="b"/>
-                      <a:r>
-                        <a:rPr lang="de-DE" sz="900" u="none" strike="noStrike">
-                          <a:solidFill>
-                            <a:schemeClr val="tx1">
-                              <a:lumMod val="75000"/>
-                              <a:lumOff val="25000"/>
-                            </a:schemeClr>
-                          </a:solidFill>
-                          <a:effectLst/>
-                        </a:rPr>
-                        <a:t>setbalActive: 0</a:t>
-                      </a:r>
-                      <a:endParaRPr lang="de-DE" sz="900" b="0" i="0" u="none" strike="noStrike">
-                        <a:solidFill>
-                          <a:schemeClr val="tx1">
-                            <a:lumMod val="75000"/>
-                            <a:lumOff val="25000"/>
-                          </a:schemeClr>
-                        </a:solidFill>
-                        <a:effectLst/>
-                        <a:latin typeface="Aptos Narrow" panose="020B0004020202020204" pitchFamily="34" charset="0"/>
-                      </a:endParaRPr>
-                    </a:p>
-                  </a:txBody>
-                  <a:tcPr marL="113187" marR="4516" marT="56594" marB="56594" anchor="b">
-                    <a:lnL w="9525" cap="flat" cmpd="sng" algn="ctr">
-                      <a:solidFill>
-                        <a:srgbClr val="D8DCDC"/>
-                      </a:solidFill>
-                      <a:prstDash val="solid"/>
-                    </a:lnL>
-                    <a:lnR w="9525" cap="flat" cmpd="sng" algn="ctr">
-                      <a:solidFill>
-                        <a:srgbClr val="D8DCDC"/>
-                      </a:solidFill>
-                      <a:prstDash val="solid"/>
-                    </a:lnR>
-                    <a:lnT w="9525" cap="flat" cmpd="sng" algn="ctr">
-                      <a:solidFill>
-                        <a:srgbClr val="D8DCDC"/>
-                      </a:solidFill>
-                      <a:prstDash val="solid"/>
-                    </a:lnT>
-                    <a:lnB w="9525" cap="flat" cmpd="sng" algn="ctr">
-                      <a:solidFill>
-                        <a:srgbClr val="D8DCDC"/>
-                      </a:solidFill>
-                      <a:prstDash val="solid"/>
-                    </a:lnB>
-                    <a:solidFill>
-                      <a:srgbClr val="D8DEDC">
-                        <a:alpha val="20000"/>
-                      </a:srgbClr>
-                    </a:solidFill>
-                  </a:tcPr>
-                </a:tc>
-                <a:tc>
-                  <a:txBody>
-                    <a:bodyPr/>
-                    <a:lstStyle/>
-                    <a:p>
-                      <a:pPr algn="l" fontAlgn="b"/>
-                      <a:r>
-                        <a:rPr lang="de-DE" sz="900" u="none" strike="noStrike">
-                          <a:solidFill>
-                            <a:schemeClr val="tx1">
-                              <a:lumMod val="75000"/>
-                              <a:lumOff val="25000"/>
-                            </a:schemeClr>
-                          </a:solidFill>
-                          <a:effectLst/>
-                        </a:rPr>
-                        <a:t>✓</a:t>
-                      </a:r>
-                      <a:endParaRPr lang="de-DE" sz="900" b="0" i="0" u="none" strike="noStrike">
-                        <a:solidFill>
-                          <a:schemeClr val="tx1">
-                            <a:lumMod val="75000"/>
-                            <a:lumOff val="25000"/>
-                          </a:schemeClr>
-                        </a:solidFill>
-                        <a:effectLst/>
-                        <a:latin typeface="Aptos Narrow" panose="020B0004020202020204" pitchFamily="34" charset="0"/>
-                      </a:endParaRPr>
-                    </a:p>
-                  </a:txBody>
-                  <a:tcPr marL="113187" marR="4516" marT="56594" marB="56594" anchor="b">
-                    <a:lnL w="9525" cap="flat" cmpd="sng" algn="ctr">
-                      <a:solidFill>
-                        <a:srgbClr val="D8DCDC"/>
-                      </a:solidFill>
-                      <a:prstDash val="solid"/>
-                    </a:lnL>
-                    <a:lnR w="9525" cap="flat" cmpd="sng" algn="ctr">
-                      <a:solidFill>
-                        <a:srgbClr val="D8DCDC"/>
-                      </a:solidFill>
-                      <a:prstDash val="solid"/>
-                    </a:lnR>
-                    <a:lnT w="9525" cap="flat" cmpd="sng" algn="ctr">
-                      <a:solidFill>
-                        <a:srgbClr val="D8DCDC"/>
-                      </a:solidFill>
-                      <a:prstDash val="solid"/>
-                    </a:lnT>
-                    <a:lnB w="9525" cap="flat" cmpd="sng" algn="ctr">
-                      <a:solidFill>
-                        <a:srgbClr val="D8DCDC"/>
-                      </a:solidFill>
-                      <a:prstDash val="solid"/>
-                    </a:lnB>
-                    <a:solidFill>
-                      <a:srgbClr val="D8DEDC">
-                        <a:alpha val="20000"/>
-                      </a:srgbClr>
-                    </a:solidFill>
-                  </a:tcPr>
-                </a:tc>
-                <a:extLst>
-                  <a:ext uri="{0D108BD9-81ED-4DB2-BD59-A6C34878D82A}">
-                    <a16:rowId xmlns:a16="http://schemas.microsoft.com/office/drawing/2014/main" val="4228938712"/>
-                  </a:ext>
-                </a:extLst>
-              </a:tr>
-              <a:tr h="418793">
-                <a:tc vMerge="1">
-                  <a:txBody>
-                    <a:bodyPr/>
-                    <a:lstStyle/>
-                    <a:p>
-                      <a:endParaRPr lang="en-DE"/>
-                    </a:p>
-                  </a:txBody>
-                  <a:tcPr/>
-                </a:tc>
-                <a:tc>
-                  <a:txBody>
-                    <a:bodyPr/>
-                    <a:lstStyle/>
-                    <a:p>
-                      <a:pPr algn="l" fontAlgn="b"/>
-                      <a:r>
-                        <a:rPr lang="de-DE" sz="900" u="none" strike="noStrike">
-                          <a:solidFill>
-                            <a:schemeClr val="tx1">
-                              <a:lumMod val="75000"/>
-                              <a:lumOff val="25000"/>
-                            </a:schemeClr>
-                          </a:solidFill>
-                          <a:effectLst/>
-                        </a:rPr>
-                        <a:t>allgemeiner Funktionstest 4</a:t>
-                      </a:r>
-                      <a:endParaRPr lang="de-DE" sz="900" b="0" i="0" u="none" strike="noStrike">
-                        <a:solidFill>
-                          <a:schemeClr val="tx1">
-                            <a:lumMod val="75000"/>
-                            <a:lumOff val="25000"/>
-                          </a:schemeClr>
-                        </a:solidFill>
-                        <a:effectLst/>
-                        <a:latin typeface="Aptos Narrow" panose="020B0004020202020204" pitchFamily="34" charset="0"/>
-                      </a:endParaRPr>
-                    </a:p>
-                  </a:txBody>
-                  <a:tcPr marL="113187" marR="4516" marT="56594" marB="56594" anchor="b">
-                    <a:lnL w="9525" cap="flat" cmpd="sng" algn="ctr">
-                      <a:solidFill>
-                        <a:srgbClr val="D8DCDC"/>
-                      </a:solidFill>
-                      <a:prstDash val="solid"/>
-                    </a:lnL>
-                    <a:lnR w="9525" cap="flat" cmpd="sng" algn="ctr">
-                      <a:solidFill>
-                        <a:srgbClr val="D8DEDC"/>
-                      </a:solidFill>
-                      <a:prstDash val="solid"/>
-                    </a:lnR>
-                    <a:lnT w="9525" cap="flat" cmpd="sng" algn="ctr">
-                      <a:solidFill>
-                        <a:srgbClr val="D8DCDC"/>
-                      </a:solidFill>
-                      <a:prstDash val="solid"/>
-                    </a:lnT>
-                    <a:lnB w="9525" cap="flat" cmpd="sng" algn="ctr">
-                      <a:solidFill>
-                        <a:srgbClr val="D8DCDC"/>
-                      </a:solidFill>
-                      <a:prstDash val="solid"/>
-                    </a:lnB>
-                    <a:noFill/>
-                  </a:tcPr>
-                </a:tc>
-                <a:tc>
-                  <a:txBody>
-                    <a:bodyPr/>
-                    <a:lstStyle/>
-                    <a:p>
-                      <a:pPr algn="l" fontAlgn="b"/>
-                      <a:r>
-                        <a:rPr lang="de-DE" sz="900" u="none" strike="noStrike">
-                          <a:solidFill>
-                            <a:schemeClr val="tx1">
-                              <a:lumMod val="75000"/>
-                              <a:lumOff val="25000"/>
-                            </a:schemeClr>
-                          </a:solidFill>
-                          <a:effectLst/>
-                        </a:rPr>
-                        <a:t>Grenzwert weniger als 4 Mal unterschritten</a:t>
-                      </a:r>
-                      <a:endParaRPr lang="de-DE" sz="900" b="0" i="0" u="none" strike="noStrike">
-                        <a:solidFill>
-                          <a:schemeClr val="tx1">
-                            <a:lumMod val="75000"/>
-                            <a:lumOff val="25000"/>
-                          </a:schemeClr>
-                        </a:solidFill>
-                        <a:effectLst/>
-                        <a:latin typeface="Aptos Narrow" panose="020B0004020202020204" pitchFamily="34" charset="0"/>
-                      </a:endParaRPr>
-                    </a:p>
-                  </a:txBody>
-                  <a:tcPr marL="113187" marR="4516" marT="56594" marB="56594" anchor="b">
-                    <a:lnL w="9525" cap="flat" cmpd="sng" algn="ctr">
-                      <a:solidFill>
-                        <a:srgbClr val="D8DEDC"/>
-                      </a:solidFill>
-                      <a:prstDash val="solid"/>
-                    </a:lnL>
-                    <a:lnR w="9525" cap="flat" cmpd="sng" algn="ctr">
-                      <a:solidFill>
-                        <a:srgbClr val="D8DEDC"/>
-                      </a:solidFill>
-                      <a:prstDash val="solid"/>
-                    </a:lnR>
-                    <a:lnT w="9525" cap="flat" cmpd="sng" algn="ctr">
-                      <a:solidFill>
-                        <a:srgbClr val="D8DCDC"/>
-                      </a:solidFill>
-                      <a:prstDash val="solid"/>
-                    </a:lnT>
-                    <a:lnB w="9525" cap="flat" cmpd="sng" algn="ctr">
-                      <a:solidFill>
-                        <a:srgbClr val="D8DCDC"/>
-                      </a:solidFill>
-                      <a:prstDash val="solid"/>
-                    </a:lnB>
-                    <a:noFill/>
-                  </a:tcPr>
-                </a:tc>
-                <a:tc>
-                  <a:txBody>
-                    <a:bodyPr/>
-                    <a:lstStyle/>
-                    <a:p>
-                      <a:pPr algn="l" fontAlgn="b"/>
-                      <a:r>
-                        <a:rPr lang="de-DE" sz="900" u="none" strike="noStrike">
-                          <a:solidFill>
-                            <a:schemeClr val="tx1">
-                              <a:lumMod val="75000"/>
-                              <a:lumOff val="25000"/>
-                            </a:schemeClr>
-                          </a:solidFill>
-                          <a:effectLst/>
-                        </a:rPr>
-                        <a:t>3x Vcell[4.0, 4.0, 4.0, 4.5]  1xVcell[4.0, 4.0, 4.0, 4.0]</a:t>
-                      </a:r>
-                      <a:endParaRPr lang="de-DE" sz="900" b="0" i="0" u="none" strike="noStrike">
-                        <a:solidFill>
-                          <a:schemeClr val="tx1">
-                            <a:lumMod val="75000"/>
-                            <a:lumOff val="25000"/>
-                          </a:schemeClr>
-                        </a:solidFill>
-                        <a:effectLst/>
-                        <a:latin typeface="Aptos Narrow" panose="020B0004020202020204" pitchFamily="34" charset="0"/>
-                      </a:endParaRPr>
-                    </a:p>
-                  </a:txBody>
-                  <a:tcPr marL="113187" marR="4516" marT="56594" marB="56594" anchor="b">
-                    <a:lnL w="9525" cap="flat" cmpd="sng" algn="ctr">
-                      <a:solidFill>
-                        <a:srgbClr val="D8DEDC"/>
-                      </a:solidFill>
-                      <a:prstDash val="solid"/>
-                    </a:lnL>
-                    <a:lnR w="9525" cap="flat" cmpd="sng" algn="ctr">
-                      <a:solidFill>
-                        <a:srgbClr val="D8DEDC"/>
-                      </a:solidFill>
-                      <a:prstDash val="solid"/>
-                    </a:lnR>
-                    <a:lnT w="9525" cap="flat" cmpd="sng" algn="ctr">
-                      <a:solidFill>
-                        <a:srgbClr val="D8DCDC"/>
-                      </a:solidFill>
-                      <a:prstDash val="solid"/>
-                    </a:lnT>
-                    <a:lnB w="9525" cap="flat" cmpd="sng" algn="ctr">
-                      <a:solidFill>
-                        <a:srgbClr val="D8DCDC"/>
-                      </a:solidFill>
-                      <a:prstDash val="solid"/>
-                    </a:lnB>
-                    <a:noFill/>
-                  </a:tcPr>
-                </a:tc>
-                <a:tc>
-                  <a:txBody>
-                    <a:bodyPr/>
-                    <a:lstStyle/>
-                    <a:p>
-                      <a:pPr algn="l" fontAlgn="b"/>
-                      <a:r>
-                        <a:rPr lang="de-DE" sz="900" u="none" strike="noStrike">
-                          <a:solidFill>
-                            <a:schemeClr val="tx1">
-                              <a:lumMod val="75000"/>
-                              <a:lumOff val="25000"/>
-                            </a:schemeClr>
-                          </a:solidFill>
-                          <a:effectLst/>
-                        </a:rPr>
-                        <a:t>setbalActive: 0</a:t>
-                      </a:r>
-                      <a:endParaRPr lang="de-DE" sz="900" b="0" i="0" u="none" strike="noStrike">
-                        <a:solidFill>
-                          <a:schemeClr val="tx1">
-                            <a:lumMod val="75000"/>
-                            <a:lumOff val="25000"/>
-                          </a:schemeClr>
-                        </a:solidFill>
-                        <a:effectLst/>
-                        <a:latin typeface="Aptos Narrow" panose="020B0004020202020204" pitchFamily="34" charset="0"/>
-                      </a:endParaRPr>
-                    </a:p>
-                  </a:txBody>
-                  <a:tcPr marL="113187" marR="4516" marT="56594" marB="56594" anchor="b">
-                    <a:lnL w="9525" cap="flat" cmpd="sng" algn="ctr">
-                      <a:solidFill>
-                        <a:srgbClr val="D8DEDC"/>
-                      </a:solidFill>
-                      <a:prstDash val="solid"/>
-                    </a:lnL>
-                    <a:lnR w="9525" cap="flat" cmpd="sng" algn="ctr">
-                      <a:solidFill>
-                        <a:srgbClr val="D8DEDC"/>
-                      </a:solidFill>
-                      <a:prstDash val="solid"/>
-                    </a:lnR>
-                    <a:lnT w="9525" cap="flat" cmpd="sng" algn="ctr">
-                      <a:solidFill>
-                        <a:srgbClr val="D8DCDC"/>
-                      </a:solidFill>
-                      <a:prstDash val="solid"/>
-                    </a:lnT>
-                    <a:lnB w="9525" cap="flat" cmpd="sng" algn="ctr">
-                      <a:solidFill>
-                        <a:srgbClr val="D8DCDC"/>
-                      </a:solidFill>
-                      <a:prstDash val="solid"/>
-                    </a:lnB>
-                    <a:noFill/>
                   </a:tcPr>
                 </a:tc>
                 <a:tc>
@@ -8616,132 +9164,7 @@
                       </a:endParaRPr>
                     </a:p>
                   </a:txBody>
-                  <a:tcPr marL="113187" marR="4516" marT="56594" marB="56594" anchor="b">
-                    <a:lnL w="9525" cap="flat" cmpd="sng" algn="ctr">
-                      <a:solidFill>
-                        <a:srgbClr val="D8DEDC"/>
-                      </a:solidFill>
-                      <a:prstDash val="solid"/>
-                    </a:lnL>
-                    <a:lnR w="9525" cap="flat" cmpd="sng" algn="ctr">
-                      <a:solidFill>
-                        <a:srgbClr val="D8DEDC"/>
-                      </a:solidFill>
-                      <a:prstDash val="solid"/>
-                    </a:lnR>
-                    <a:lnT w="9525" cap="flat" cmpd="sng" algn="ctr">
-                      <a:solidFill>
-                        <a:srgbClr val="D8DCDC"/>
-                      </a:solidFill>
-                      <a:prstDash val="solid"/>
-                    </a:lnT>
-                    <a:lnB w="9525" cap="flat" cmpd="sng" algn="ctr">
-                      <a:solidFill>
-                        <a:srgbClr val="D8DCDC"/>
-                      </a:solidFill>
-                      <a:prstDash val="solid"/>
-                    </a:lnB>
-                    <a:noFill/>
-                  </a:tcPr>
-                </a:tc>
-                <a:extLst>
-                  <a:ext uri="{0D108BD9-81ED-4DB2-BD59-A6C34878D82A}">
-                    <a16:rowId xmlns:a16="http://schemas.microsoft.com/office/drawing/2014/main" val="796671905"/>
-                  </a:ext>
-                </a:extLst>
-              </a:tr>
-              <a:tr h="277309">
-                <a:tc>
-                  <a:txBody>
-                    <a:bodyPr/>
-                    <a:lstStyle/>
-                    <a:p>
-                      <a:pPr algn="l" fontAlgn="b"/>
-                      <a:r>
-                        <a:rPr lang="de-DE" sz="900" u="none" strike="noStrike">
-                          <a:solidFill>
-                            <a:schemeClr val="tx1">
-                              <a:lumMod val="75000"/>
-                              <a:lumOff val="25000"/>
-                            </a:schemeClr>
-                          </a:solidFill>
-                          <a:effectLst/>
-                        </a:rPr>
-                        <a:t>Zusatz 12</a:t>
-                      </a:r>
-                      <a:endParaRPr lang="de-DE" sz="900" b="0" i="0" u="none" strike="noStrike">
-                        <a:solidFill>
-                          <a:schemeClr val="tx1">
-                            <a:lumMod val="75000"/>
-                            <a:lumOff val="25000"/>
-                          </a:schemeClr>
-                        </a:solidFill>
-                        <a:effectLst/>
-                        <a:latin typeface="Aptos Narrow" panose="020B0004020202020204" pitchFamily="34" charset="0"/>
-                      </a:endParaRPr>
-                    </a:p>
-                  </a:txBody>
-                  <a:tcPr marL="113187" marR="4516" marT="56594" marB="56594" anchor="b">
-                    <a:lnL w="9525" cap="flat" cmpd="sng" algn="ctr">
-                      <a:solidFill>
-                        <a:srgbClr val="D8DCDC"/>
-                      </a:solidFill>
-                      <a:prstDash val="solid"/>
-                    </a:lnL>
-                    <a:lnR w="9525" cap="flat" cmpd="sng" algn="ctr">
-                      <a:solidFill>
-                        <a:srgbClr val="D8DCDC"/>
-                      </a:solidFill>
-                      <a:prstDash val="solid"/>
-                    </a:lnR>
-                    <a:lnT w="9525" cap="flat" cmpd="sng" algn="ctr">
-                      <a:noFill/>
-                      <a:prstDash val="solid"/>
-                    </a:lnT>
-                    <a:lnB w="9525" cap="flat" cmpd="sng" algn="ctr">
-                      <a:solidFill>
-                        <a:srgbClr val="D8DCDC"/>
-                      </a:solidFill>
-                      <a:prstDash val="solid"/>
-                    </a:lnB>
-                    <a:solidFill>
-                      <a:srgbClr val="D8DEDC">
-                        <a:alpha val="20000"/>
-                      </a:srgbClr>
-                    </a:solidFill>
-                  </a:tcPr>
-                </a:tc>
-                <a:tc>
-                  <a:txBody>
-                    <a:bodyPr/>
-                    <a:lstStyle/>
-                    <a:p>
-                      <a:pPr algn="l" fontAlgn="b"/>
-                      <a:r>
-                        <a:rPr lang="de-DE" sz="900" u="none" strike="noStrike">
-                          <a:solidFill>
-                            <a:schemeClr val="tx1">
-                              <a:lumMod val="75000"/>
-                              <a:lumOff val="25000"/>
-                            </a:schemeClr>
-                          </a:solidFill>
-                          <a:effectLst/>
-                        </a:rPr>
-                        <a:t>nicht testbar</a:t>
-                      </a:r>
-                      <a:endParaRPr lang="de-DE" sz="900" b="0" i="0" u="none" strike="noStrike">
-                        <a:solidFill>
-                          <a:schemeClr val="tx1">
-                            <a:lumMod val="75000"/>
-                            <a:lumOff val="25000"/>
-                          </a:schemeClr>
-                        </a:solidFill>
-                        <a:effectLst/>
-                        <a:latin typeface="Aptos Narrow" panose="020B0004020202020204" pitchFamily="34" charset="0"/>
-                      </a:endParaRPr>
-                    </a:p>
-                  </a:txBody>
-                  <a:tcPr marL="113187" marR="4516" marT="56594" marB="56594" anchor="b">
+                  <a:tcPr marL="113187" marR="4516" marT="56594" marB="56594" anchor="ctr">
                     <a:lnL w="9525" cap="flat" cmpd="sng" algn="ctr">
                       <a:solidFill>
                         <a:srgbClr val="D8DCDC"/>
@@ -8791,7 +9214,7 @@
                       </a:endParaRPr>
                     </a:p>
                   </a:txBody>
-                  <a:tcPr marL="113187" marR="4516" marT="56594" marB="56594" anchor="b">
+                  <a:tcPr marL="113187" marR="4516" marT="56594" marB="56594" anchor="ctr">
                     <a:lnL w="9525" cap="flat" cmpd="sng" algn="ctr">
                       <a:solidFill>
                         <a:srgbClr val="D8DCDC"/>
@@ -8829,6 +9252,1231 @@
                     <a:lstStyle/>
                     <a:p>
                       <a:pPr algn="l" fontAlgn="b"/>
+                      <a:endParaRPr lang="de-DE" sz="900" b="0" i="0" u="none" strike="noStrike" dirty="0">
+                        <a:solidFill>
+                          <a:schemeClr val="tx1">
+                            <a:lumMod val="75000"/>
+                            <a:lumOff val="25000"/>
+                          </a:schemeClr>
+                        </a:solidFill>
+                        <a:effectLst/>
+                        <a:latin typeface="Aptos Narrow" panose="020B0004020202020204" pitchFamily="34" charset="0"/>
+                      </a:endParaRPr>
+                    </a:p>
+                  </a:txBody>
+                  <a:tcPr marL="113187" marR="4516" marT="56594" marB="56594" anchor="ctr">
+                    <a:lnL w="9525" cap="flat" cmpd="sng" algn="ctr">
+                      <a:solidFill>
+                        <a:srgbClr val="D8DCDC"/>
+                      </a:solidFill>
+                      <a:prstDash val="solid"/>
+                    </a:lnL>
+                    <a:lnR w="9525" cap="flat" cmpd="sng" algn="ctr">
+                      <a:solidFill>
+                        <a:srgbClr val="D8DCDC"/>
+                      </a:solidFill>
+                      <a:prstDash val="solid"/>
+                    </a:lnR>
+                    <a:lnT w="9525" cap="flat" cmpd="sng" algn="ctr">
+                      <a:solidFill>
+                        <a:srgbClr val="D8DCDC"/>
+                      </a:solidFill>
+                      <a:prstDash val="solid"/>
+                    </a:lnT>
+                    <a:lnB w="9525" cap="flat" cmpd="sng" algn="ctr">
+                      <a:solidFill>
+                        <a:srgbClr val="D8DCDC"/>
+                      </a:solidFill>
+                      <a:prstDash val="solid"/>
+                    </a:lnB>
+                    <a:solidFill>
+                      <a:srgbClr val="D8DEDC">
+                        <a:alpha val="20000"/>
+                      </a:srgbClr>
+                    </a:solidFill>
+                  </a:tcPr>
+                </a:tc>
+                <a:extLst>
+                  <a:ext uri="{0D108BD9-81ED-4DB2-BD59-A6C34878D82A}">
+                    <a16:rowId xmlns:a16="http://schemas.microsoft.com/office/drawing/2014/main" val="22015198"/>
+                  </a:ext>
+                </a:extLst>
+              </a:tr>
+              <a:tr h="277309">
+                <a:tc>
+                  <a:txBody>
+                    <a:bodyPr/>
+                    <a:lstStyle/>
+                    <a:p>
+                      <a:pPr algn="l" fontAlgn="b"/>
+                      <a:r>
+                        <a:rPr lang="de-DE" sz="900" b="1" u="none" strike="noStrike" dirty="0">
+                          <a:solidFill>
+                            <a:schemeClr val="tx1">
+                              <a:lumMod val="75000"/>
+                              <a:lumOff val="25000"/>
+                            </a:schemeClr>
+                          </a:solidFill>
+                          <a:effectLst/>
+                        </a:rPr>
+                        <a:t>Zusatz 13 </a:t>
+                      </a:r>
+                      <a:r>
+                        <a:rPr lang="de-DE" sz="900" u="none" strike="noStrike" dirty="0">
+                          <a:solidFill>
+                            <a:schemeClr val="tx1">
+                              <a:lumMod val="75000"/>
+                              <a:lumOff val="25000"/>
+                            </a:schemeClr>
+                          </a:solidFill>
+                          <a:effectLst/>
+                        </a:rPr>
+                        <a:t>– Mittelwert</a:t>
+                      </a:r>
+                      <a:endParaRPr lang="de-DE" sz="900" b="0" i="0" u="none" strike="noStrike" dirty="0">
+                        <a:solidFill>
+                          <a:schemeClr val="tx1">
+                            <a:lumMod val="75000"/>
+                            <a:lumOff val="25000"/>
+                          </a:schemeClr>
+                        </a:solidFill>
+                        <a:effectLst/>
+                        <a:latin typeface="Aptos Narrow" panose="020B0004020202020204" pitchFamily="34" charset="0"/>
+                      </a:endParaRPr>
+                    </a:p>
+                  </a:txBody>
+                  <a:tcPr marL="113187" marR="4516" marT="56594" marB="56594" anchor="ctr">
+                    <a:lnL w="9525" cap="flat" cmpd="sng" algn="ctr">
+                      <a:solidFill>
+                        <a:srgbClr val="D8DEDC"/>
+                      </a:solidFill>
+                      <a:prstDash val="solid"/>
+                    </a:lnL>
+                    <a:lnR w="9525" cap="flat" cmpd="sng" algn="ctr">
+                      <a:solidFill>
+                        <a:srgbClr val="D8DEDC"/>
+                      </a:solidFill>
+                      <a:prstDash val="solid"/>
+                    </a:lnR>
+                    <a:lnT w="9525" cap="flat" cmpd="sng" algn="ctr">
+                      <a:solidFill>
+                        <a:srgbClr val="D8DCDC"/>
+                      </a:solidFill>
+                      <a:prstDash val="solid"/>
+                    </a:lnT>
+                    <a:lnB w="9525" cap="flat" cmpd="sng" algn="ctr">
+                      <a:solidFill>
+                        <a:srgbClr val="D8DCDC"/>
+                      </a:solidFill>
+                      <a:prstDash val="solid"/>
+                    </a:lnB>
+                    <a:noFill/>
+                  </a:tcPr>
+                </a:tc>
+                <a:tc rowSpan="2">
+                  <a:txBody>
+                    <a:bodyPr/>
+                    <a:lstStyle/>
+                    <a:p>
+                      <a:pPr algn="l" fontAlgn="b"/>
+                      <a:r>
+                        <a:rPr lang="de-DE" sz="900" u="none" strike="noStrike" dirty="0">
+                          <a:solidFill>
+                            <a:schemeClr val="tx1">
+                              <a:lumMod val="75000"/>
+                              <a:lumOff val="25000"/>
+                            </a:schemeClr>
+                          </a:solidFill>
+                          <a:effectLst/>
+                        </a:rPr>
+                        <a:t>Grenzwerttest (Standardabweichung)</a:t>
+                      </a:r>
+                      <a:endParaRPr lang="de-DE" sz="900" b="0" i="0" u="none" strike="noStrike" dirty="0">
+                        <a:solidFill>
+                          <a:schemeClr val="tx1">
+                            <a:lumMod val="75000"/>
+                            <a:lumOff val="25000"/>
+                          </a:schemeClr>
+                        </a:solidFill>
+                        <a:effectLst/>
+                        <a:latin typeface="Aptos Narrow" panose="020B0004020202020204" pitchFamily="34" charset="0"/>
+                      </a:endParaRPr>
+                    </a:p>
+                  </a:txBody>
+                  <a:tcPr marL="113187" marR="4516" marT="56594" marB="56594" anchor="ctr">
+                    <a:lnL w="9525" cap="flat" cmpd="sng" algn="ctr">
+                      <a:solidFill>
+                        <a:srgbClr val="D8DEDC"/>
+                      </a:solidFill>
+                      <a:prstDash val="solid"/>
+                    </a:lnL>
+                    <a:lnR w="9525" cap="flat" cmpd="sng" algn="ctr">
+                      <a:solidFill>
+                        <a:srgbClr val="D8DEDC"/>
+                      </a:solidFill>
+                      <a:prstDash val="solid"/>
+                    </a:lnR>
+                    <a:lnT w="9525" cap="flat" cmpd="sng" algn="ctr">
+                      <a:solidFill>
+                        <a:srgbClr val="D8DCDC"/>
+                      </a:solidFill>
+                      <a:prstDash val="solid"/>
+                    </a:lnT>
+                    <a:lnB w="9525" cap="flat" cmpd="sng" algn="ctr">
+                      <a:solidFill>
+                        <a:srgbClr val="D8DEDC"/>
+                      </a:solidFill>
+                      <a:prstDash val="solid"/>
+                    </a:lnB>
+                    <a:noFill/>
+                  </a:tcPr>
+                </a:tc>
+                <a:tc rowSpan="2">
+                  <a:txBody>
+                    <a:bodyPr/>
+                    <a:lstStyle/>
+                    <a:p>
+                      <a:pPr algn="l" fontAlgn="b"/>
+                      <a:r>
+                        <a:rPr lang="de-DE" sz="900" u="none" strike="noStrike" dirty="0">
+                          <a:solidFill>
+                            <a:schemeClr val="tx1">
+                              <a:lumMod val="75000"/>
+                              <a:lumOff val="25000"/>
+                            </a:schemeClr>
+                          </a:solidFill>
+                          <a:effectLst/>
+                        </a:rPr>
+                        <a:t>Werte so bestimmeen, dass ein Wert nahe Mittelwert + Standardabweichung ist</a:t>
+                      </a:r>
+                      <a:endParaRPr lang="de-DE" sz="900" b="0" i="0" u="none" strike="noStrike" dirty="0">
+                        <a:solidFill>
+                          <a:schemeClr val="tx1">
+                            <a:lumMod val="75000"/>
+                            <a:lumOff val="25000"/>
+                          </a:schemeClr>
+                        </a:solidFill>
+                        <a:effectLst/>
+                        <a:latin typeface="Aptos Narrow" panose="020B0004020202020204" pitchFamily="34" charset="0"/>
+                      </a:endParaRPr>
+                    </a:p>
+                  </a:txBody>
+                  <a:tcPr marL="113187" marR="4516" marT="56594" marB="56594" anchor="ctr">
+                    <a:lnL w="9525" cap="flat" cmpd="sng" algn="ctr">
+                      <a:solidFill>
+                        <a:srgbClr val="D8DEDC"/>
+                      </a:solidFill>
+                      <a:prstDash val="solid"/>
+                    </a:lnL>
+                    <a:lnR w="9525" cap="flat" cmpd="sng" algn="ctr">
+                      <a:solidFill>
+                        <a:srgbClr val="D8DEDC"/>
+                      </a:solidFill>
+                      <a:prstDash val="solid"/>
+                    </a:lnR>
+                    <a:lnT w="9525" cap="flat" cmpd="sng" algn="ctr">
+                      <a:solidFill>
+                        <a:srgbClr val="D8DCDC"/>
+                      </a:solidFill>
+                      <a:prstDash val="solid"/>
+                    </a:lnT>
+                    <a:lnB w="9525" cap="flat" cmpd="sng" algn="ctr">
+                      <a:solidFill>
+                        <a:srgbClr val="D8DEDC"/>
+                      </a:solidFill>
+                      <a:prstDash val="solid"/>
+                    </a:lnB>
+                    <a:noFill/>
+                  </a:tcPr>
+                </a:tc>
+                <a:tc rowSpan="2">
+                  <a:txBody>
+                    <a:bodyPr/>
+                    <a:lstStyle/>
+                    <a:p>
+                      <a:pPr algn="l" fontAlgn="b"/>
+                      <a:r>
+                        <a:rPr lang="de-DE" sz="900" b="0" i="0" u="none" strike="noStrike" dirty="0">
+                          <a:solidFill>
+                            <a:schemeClr val="tx1">
+                              <a:lumMod val="75000"/>
+                              <a:lumOff val="25000"/>
+                            </a:schemeClr>
+                          </a:solidFill>
+                          <a:effectLst/>
+                          <a:latin typeface="Aptos Narrow" panose="020B0004020202020204" pitchFamily="34" charset="0"/>
+                        </a:rPr>
+                        <a:t>Vcell[4.0, </a:t>
+                      </a:r>
+                      <a:r>
+                        <a:rPr lang="de-DE" sz="900" b="1" i="0" u="none" strike="noStrike" dirty="0">
+                          <a:solidFill>
+                            <a:schemeClr val="tx1">
+                              <a:lumMod val="75000"/>
+                              <a:lumOff val="25000"/>
+                            </a:schemeClr>
+                          </a:solidFill>
+                          <a:effectLst/>
+                          <a:latin typeface="Aptos Narrow" panose="020B0004020202020204" pitchFamily="34" charset="0"/>
+                        </a:rPr>
+                        <a:t>3.5</a:t>
+                      </a:r>
+                      <a:r>
+                        <a:rPr lang="de-DE" sz="900" b="0" i="0" u="none" strike="noStrike" dirty="0">
+                          <a:solidFill>
+                            <a:schemeClr val="tx1">
+                              <a:lumMod val="75000"/>
+                              <a:lumOff val="25000"/>
+                            </a:schemeClr>
+                          </a:solidFill>
+                          <a:effectLst/>
+                          <a:latin typeface="Aptos Narrow" panose="020B0004020202020204" pitchFamily="34" charset="0"/>
+                        </a:rPr>
+                        <a:t>, 4.4, </a:t>
+                      </a:r>
+                      <a:r>
+                        <a:rPr lang="de-DE" sz="900" b="1" i="0" u="none" strike="noStrike" dirty="0">
+                          <a:solidFill>
+                            <a:schemeClr val="tx1">
+                              <a:lumMod val="75000"/>
+                              <a:lumOff val="25000"/>
+                            </a:schemeClr>
+                          </a:solidFill>
+                          <a:effectLst/>
+                          <a:latin typeface="Aptos Narrow" panose="020B0004020202020204" pitchFamily="34" charset="0"/>
+                        </a:rPr>
+                        <a:t>4.64</a:t>
+                      </a:r>
+                      <a:r>
+                        <a:rPr lang="de-DE" sz="900" b="0" i="0" u="none" strike="noStrike" dirty="0">
+                          <a:solidFill>
+                            <a:schemeClr val="tx1">
+                              <a:lumMod val="75000"/>
+                              <a:lumOff val="25000"/>
+                            </a:schemeClr>
+                          </a:solidFill>
+                          <a:effectLst/>
+                          <a:latin typeface="Aptos Narrow" panose="020B0004020202020204" pitchFamily="34" charset="0"/>
+                        </a:rPr>
+                        <a:t>]                        </a:t>
+                      </a:r>
+                    </a:p>
+                    <a:p>
+                      <a:pPr algn="l" fontAlgn="b"/>
+                      <a:r>
+                        <a:rPr lang="de-DE" sz="900" b="0" i="0" u="none" strike="noStrike" dirty="0">
+                          <a:solidFill>
+                            <a:schemeClr val="tx1">
+                              <a:lumMod val="75000"/>
+                              <a:lumOff val="25000"/>
+                            </a:schemeClr>
+                          </a:solidFill>
+                          <a:effectLst/>
+                          <a:latin typeface="Aptos Narrow" panose="020B0004020202020204" pitchFamily="34" charset="0"/>
+                        </a:rPr>
+                        <a:t>mit m+s=4.634 &amp; m-s=3.636</a:t>
+                      </a:r>
+                    </a:p>
+                  </a:txBody>
+                  <a:tcPr marL="113187" marR="4516" marT="56594" marB="56594" anchor="ctr">
+                    <a:lnL w="9525" cap="flat" cmpd="sng" algn="ctr">
+                      <a:solidFill>
+                        <a:srgbClr val="D8DEDC"/>
+                      </a:solidFill>
+                      <a:prstDash val="solid"/>
+                    </a:lnL>
+                    <a:lnR w="9525" cap="flat" cmpd="sng" algn="ctr">
+                      <a:solidFill>
+                        <a:srgbClr val="D8DEDC"/>
+                      </a:solidFill>
+                      <a:prstDash val="solid"/>
+                    </a:lnR>
+                    <a:lnT w="9525" cap="flat" cmpd="sng" algn="ctr">
+                      <a:solidFill>
+                        <a:srgbClr val="D8DCDC"/>
+                      </a:solidFill>
+                      <a:prstDash val="solid"/>
+                    </a:lnT>
+                    <a:lnB w="9525" cap="flat" cmpd="sng" algn="ctr">
+                      <a:solidFill>
+                        <a:srgbClr val="D8DCDC"/>
+                      </a:solidFill>
+                      <a:prstDash val="solid"/>
+                    </a:lnB>
+                    <a:noFill/>
+                  </a:tcPr>
+                </a:tc>
+                <a:tc rowSpan="2">
+                  <a:txBody>
+                    <a:bodyPr/>
+                    <a:lstStyle/>
+                    <a:p>
+                      <a:pPr algn="l" fontAlgn="b"/>
+                      <a:r>
+                        <a:rPr lang="de-DE" sz="900" b="0" i="0" u="none" strike="noStrike" dirty="0">
+                          <a:solidFill>
+                            <a:schemeClr val="tx1">
+                              <a:lumMod val="75000"/>
+                              <a:lumOff val="25000"/>
+                            </a:schemeClr>
+                          </a:solidFill>
+                          <a:effectLst/>
+                          <a:latin typeface="Aptos Narrow" panose="020B0004020202020204" pitchFamily="34" charset="0"/>
+                        </a:rPr>
+                        <a:t>setbalActive: 2 &amp; 4</a:t>
+                      </a:r>
+                    </a:p>
+                  </a:txBody>
+                  <a:tcPr marL="113187" marR="4516" marT="56594" marB="56594" anchor="ctr">
+                    <a:lnL w="9525" cap="flat" cmpd="sng" algn="ctr">
+                      <a:solidFill>
+                        <a:srgbClr val="D8DEDC"/>
+                      </a:solidFill>
+                      <a:prstDash val="solid"/>
+                    </a:lnL>
+                    <a:lnR w="9525" cap="flat" cmpd="sng" algn="ctr">
+                      <a:solidFill>
+                        <a:srgbClr val="D8DEDC"/>
+                      </a:solidFill>
+                      <a:prstDash val="solid"/>
+                    </a:lnR>
+                    <a:lnT w="9525" cap="flat" cmpd="sng" algn="ctr">
+                      <a:solidFill>
+                        <a:srgbClr val="D8DCDC"/>
+                      </a:solidFill>
+                      <a:prstDash val="solid"/>
+                    </a:lnT>
+                    <a:lnB w="9525" cap="flat" cmpd="sng" algn="ctr">
+                      <a:solidFill>
+                        <a:srgbClr val="D8DCDC"/>
+                      </a:solidFill>
+                      <a:prstDash val="solid"/>
+                    </a:lnB>
+                    <a:noFill/>
+                  </a:tcPr>
+                </a:tc>
+                <a:tc rowSpan="2">
+                  <a:txBody>
+                    <a:bodyPr/>
+                    <a:lstStyle/>
+                    <a:p>
+                      <a:pPr algn="l" fontAlgn="b"/>
+                      <a:r>
+                        <a:rPr lang="de-DE" sz="900" b="0" i="0" u="none" strike="noStrike" dirty="0">
+                          <a:solidFill>
+                            <a:schemeClr val="tx1">
+                              <a:lumMod val="75000"/>
+                              <a:lumOff val="25000"/>
+                            </a:schemeClr>
+                          </a:solidFill>
+                          <a:effectLst/>
+                          <a:latin typeface="Aptos Narrow" panose="020B0004020202020204" pitchFamily="34" charset="0"/>
+                        </a:rPr>
+                        <a:t>✓</a:t>
+                      </a:r>
+                    </a:p>
+                  </a:txBody>
+                  <a:tcPr marL="113187" marR="4516" marT="56594" marB="56594" anchor="ctr">
+                    <a:lnL w="9525" cap="flat" cmpd="sng" algn="ctr">
+                      <a:solidFill>
+                        <a:srgbClr val="D8DEDC"/>
+                      </a:solidFill>
+                      <a:prstDash val="solid"/>
+                    </a:lnL>
+                    <a:lnR w="9525" cap="flat" cmpd="sng" algn="ctr">
+                      <a:solidFill>
+                        <a:srgbClr val="D8DEDC"/>
+                      </a:solidFill>
+                      <a:prstDash val="solid"/>
+                    </a:lnR>
+                    <a:lnT w="9525" cap="flat" cmpd="sng" algn="ctr">
+                      <a:solidFill>
+                        <a:srgbClr val="D8DCDC"/>
+                      </a:solidFill>
+                      <a:prstDash val="solid"/>
+                    </a:lnT>
+                    <a:lnB w="9525" cap="flat" cmpd="sng" algn="ctr">
+                      <a:solidFill>
+                        <a:srgbClr val="D8DCDC"/>
+                      </a:solidFill>
+                      <a:prstDash val="solid"/>
+                    </a:lnB>
+                    <a:noFill/>
+                  </a:tcPr>
+                </a:tc>
+                <a:extLst>
+                  <a:ext uri="{0D108BD9-81ED-4DB2-BD59-A6C34878D82A}">
+                    <a16:rowId xmlns:a16="http://schemas.microsoft.com/office/drawing/2014/main" val="2806765930"/>
+                  </a:ext>
+                </a:extLst>
+              </a:tr>
+              <a:tr h="277309">
+                <a:tc>
+                  <a:txBody>
+                    <a:bodyPr/>
+                    <a:lstStyle/>
+                    <a:p>
+                      <a:pPr algn="l" fontAlgn="b"/>
+                      <a:r>
+                        <a:rPr lang="de-DE" sz="900" b="1" u="none" strike="noStrike" dirty="0">
+                          <a:solidFill>
+                            <a:schemeClr val="tx1">
+                              <a:lumMod val="75000"/>
+                              <a:lumOff val="25000"/>
+                            </a:schemeClr>
+                          </a:solidFill>
+                          <a:effectLst/>
+                        </a:rPr>
+                        <a:t>Zusatz 14 </a:t>
+                      </a:r>
+                      <a:r>
+                        <a:rPr lang="de-DE" sz="900" u="none" strike="noStrike" dirty="0">
+                          <a:solidFill>
+                            <a:schemeClr val="tx1">
+                              <a:lumMod val="75000"/>
+                              <a:lumOff val="25000"/>
+                            </a:schemeClr>
+                          </a:solidFill>
+                          <a:effectLst/>
+                        </a:rPr>
+                        <a:t>– Standardabweichung</a:t>
+                      </a:r>
+                      <a:endParaRPr lang="de-DE" sz="900" b="0" i="0" u="none" strike="noStrike" dirty="0">
+                        <a:solidFill>
+                          <a:schemeClr val="tx1">
+                            <a:lumMod val="75000"/>
+                            <a:lumOff val="25000"/>
+                          </a:schemeClr>
+                        </a:solidFill>
+                        <a:effectLst/>
+                        <a:latin typeface="Aptos Narrow" panose="020B0004020202020204" pitchFamily="34" charset="0"/>
+                      </a:endParaRPr>
+                    </a:p>
+                  </a:txBody>
+                  <a:tcPr marL="113187" marR="4516" marT="56594" marB="56594" anchor="ctr">
+                    <a:lnL w="9525" cap="flat" cmpd="sng" algn="ctr">
+                      <a:solidFill>
+                        <a:srgbClr val="D8DCDC"/>
+                      </a:solidFill>
+                      <a:prstDash val="solid"/>
+                    </a:lnL>
+                    <a:lnR w="9525" cap="flat" cmpd="sng" algn="ctr">
+                      <a:solidFill>
+                        <a:srgbClr val="D8DCDC"/>
+                      </a:solidFill>
+                      <a:prstDash val="solid"/>
+                    </a:lnR>
+                    <a:lnT w="9525" cap="flat" cmpd="sng" algn="ctr">
+                      <a:solidFill>
+                        <a:srgbClr val="D8DCDC"/>
+                      </a:solidFill>
+                      <a:prstDash val="solid"/>
+                    </a:lnT>
+                    <a:lnB w="9525" cap="flat" cmpd="sng" algn="ctr">
+                      <a:solidFill>
+                        <a:srgbClr val="D8DCDC"/>
+                      </a:solidFill>
+                      <a:prstDash val="solid"/>
+                    </a:lnB>
+                    <a:solidFill>
+                      <a:srgbClr val="D8DEDC">
+                        <a:alpha val="20000"/>
+                      </a:srgbClr>
+                    </a:solidFill>
+                  </a:tcPr>
+                </a:tc>
+                <a:tc vMerge="1">
+                  <a:txBody>
+                    <a:bodyPr/>
+                    <a:lstStyle/>
+                    <a:p>
+                      <a:endParaRPr lang="en-DE"/>
+                    </a:p>
+                  </a:txBody>
+                  <a:tcPr/>
+                </a:tc>
+                <a:tc vMerge="1">
+                  <a:txBody>
+                    <a:bodyPr/>
+                    <a:lstStyle/>
+                    <a:p>
+                      <a:endParaRPr lang="en-DE"/>
+                    </a:p>
+                  </a:txBody>
+                  <a:tcPr/>
+                </a:tc>
+                <a:tc vMerge="1">
+                  <a:txBody>
+                    <a:bodyPr/>
+                    <a:lstStyle/>
+                    <a:p>
+                      <a:pPr algn="l" fontAlgn="b"/>
+                      <a:endParaRPr lang="de-DE" sz="900" b="0" i="0" u="none" strike="noStrike" dirty="0">
+                        <a:solidFill>
+                          <a:schemeClr val="tx1">
+                            <a:lumMod val="75000"/>
+                            <a:lumOff val="25000"/>
+                          </a:schemeClr>
+                        </a:solidFill>
+                        <a:effectLst/>
+                        <a:latin typeface="Aptos Narrow" panose="020B0004020202020204" pitchFamily="34" charset="0"/>
+                      </a:endParaRPr>
+                    </a:p>
+                  </a:txBody>
+                  <a:tcPr marL="113187" marR="4516" marT="56594" marB="56594" anchor="b">
+                    <a:lnL w="9525" cap="flat" cmpd="sng" algn="ctr">
+                      <a:solidFill>
+                        <a:srgbClr val="D8DCDC"/>
+                      </a:solidFill>
+                      <a:prstDash val="solid"/>
+                    </a:lnL>
+                    <a:lnR w="9525" cap="flat" cmpd="sng" algn="ctr">
+                      <a:solidFill>
+                        <a:srgbClr val="D8DCDC"/>
+                      </a:solidFill>
+                      <a:prstDash val="solid"/>
+                    </a:lnR>
+                    <a:lnT w="9525" cap="flat" cmpd="sng" algn="ctr">
+                      <a:solidFill>
+                        <a:srgbClr val="D8DCDC"/>
+                      </a:solidFill>
+                      <a:prstDash val="solid"/>
+                    </a:lnT>
+                    <a:lnB w="9525" cap="flat" cmpd="sng" algn="ctr">
+                      <a:solidFill>
+                        <a:srgbClr val="D8DCDC"/>
+                      </a:solidFill>
+                      <a:prstDash val="solid"/>
+                    </a:lnB>
+                    <a:solidFill>
+                      <a:srgbClr val="D8DEDC">
+                        <a:alpha val="20000"/>
+                      </a:srgbClr>
+                    </a:solidFill>
+                  </a:tcPr>
+                </a:tc>
+                <a:tc vMerge="1">
+                  <a:txBody>
+                    <a:bodyPr/>
+                    <a:lstStyle/>
+                    <a:p>
+                      <a:pPr algn="l" fontAlgn="b"/>
+                      <a:endParaRPr lang="de-DE" sz="900" b="0" i="0" u="none" strike="noStrike" dirty="0">
+                        <a:solidFill>
+                          <a:schemeClr val="tx1">
+                            <a:lumMod val="75000"/>
+                            <a:lumOff val="25000"/>
+                          </a:schemeClr>
+                        </a:solidFill>
+                        <a:effectLst/>
+                        <a:latin typeface="Aptos Narrow" panose="020B0004020202020204" pitchFamily="34" charset="0"/>
+                      </a:endParaRPr>
+                    </a:p>
+                  </a:txBody>
+                  <a:tcPr marL="113187" marR="4516" marT="56594" marB="56594" anchor="b">
+                    <a:lnL w="9525" cap="flat" cmpd="sng" algn="ctr">
+                      <a:solidFill>
+                        <a:srgbClr val="D8DCDC"/>
+                      </a:solidFill>
+                      <a:prstDash val="solid"/>
+                    </a:lnL>
+                    <a:lnR w="9525" cap="flat" cmpd="sng" algn="ctr">
+                      <a:solidFill>
+                        <a:srgbClr val="D8DCDC"/>
+                      </a:solidFill>
+                      <a:prstDash val="solid"/>
+                    </a:lnR>
+                    <a:lnT w="9525" cap="flat" cmpd="sng" algn="ctr">
+                      <a:solidFill>
+                        <a:srgbClr val="D8DCDC"/>
+                      </a:solidFill>
+                      <a:prstDash val="solid"/>
+                    </a:lnT>
+                    <a:lnB w="9525" cap="flat" cmpd="sng" algn="ctr">
+                      <a:solidFill>
+                        <a:srgbClr val="D8DCDC"/>
+                      </a:solidFill>
+                      <a:prstDash val="solid"/>
+                    </a:lnB>
+                    <a:solidFill>
+                      <a:srgbClr val="D8DEDC">
+                        <a:alpha val="20000"/>
+                      </a:srgbClr>
+                    </a:solidFill>
+                  </a:tcPr>
+                </a:tc>
+                <a:tc vMerge="1">
+                  <a:txBody>
+                    <a:bodyPr/>
+                    <a:lstStyle/>
+                    <a:p>
+                      <a:pPr algn="l" fontAlgn="b"/>
+                      <a:endParaRPr lang="de-DE" sz="900" b="0" i="0" u="none" strike="noStrike" dirty="0">
+                        <a:solidFill>
+                          <a:schemeClr val="tx1">
+                            <a:lumMod val="75000"/>
+                            <a:lumOff val="25000"/>
+                          </a:schemeClr>
+                        </a:solidFill>
+                        <a:effectLst/>
+                        <a:latin typeface="Aptos Narrow" panose="020B0004020202020204" pitchFamily="34" charset="0"/>
+                      </a:endParaRPr>
+                    </a:p>
+                  </a:txBody>
+                  <a:tcPr marL="113187" marR="4516" marT="56594" marB="56594" anchor="b">
+                    <a:lnL w="9525" cap="flat" cmpd="sng" algn="ctr">
+                      <a:solidFill>
+                        <a:srgbClr val="D8DCDC"/>
+                      </a:solidFill>
+                      <a:prstDash val="solid"/>
+                    </a:lnL>
+                    <a:lnR w="9525" cap="flat" cmpd="sng" algn="ctr">
+                      <a:solidFill>
+                        <a:srgbClr val="D8DCDC"/>
+                      </a:solidFill>
+                      <a:prstDash val="solid"/>
+                    </a:lnR>
+                    <a:lnT w="9525" cap="flat" cmpd="sng" algn="ctr">
+                      <a:solidFill>
+                        <a:srgbClr val="D8DCDC"/>
+                      </a:solidFill>
+                      <a:prstDash val="solid"/>
+                    </a:lnT>
+                    <a:lnB w="9525" cap="flat" cmpd="sng" algn="ctr">
+                      <a:solidFill>
+                        <a:srgbClr val="D8DCDC"/>
+                      </a:solidFill>
+                      <a:prstDash val="solid"/>
+                    </a:lnB>
+                    <a:solidFill>
+                      <a:srgbClr val="D8DEDC">
+                        <a:alpha val="20000"/>
+                      </a:srgbClr>
+                    </a:solidFill>
+                  </a:tcPr>
+                </a:tc>
+                <a:extLst>
+                  <a:ext uri="{0D108BD9-81ED-4DB2-BD59-A6C34878D82A}">
+                    <a16:rowId xmlns:a16="http://schemas.microsoft.com/office/drawing/2014/main" val="594469610"/>
+                  </a:ext>
+                </a:extLst>
+              </a:tr>
+              <a:tr h="277309">
+                <a:tc>
+                  <a:txBody>
+                    <a:bodyPr/>
+                    <a:lstStyle/>
+                    <a:p>
+                      <a:pPr algn="l" fontAlgn="b"/>
+                      <a:r>
+                        <a:rPr lang="de-DE" sz="900" b="1" u="none" strike="noStrike" dirty="0">
+                          <a:solidFill>
+                            <a:schemeClr val="tx1">
+                              <a:lumMod val="75000"/>
+                              <a:lumOff val="25000"/>
+                            </a:schemeClr>
+                          </a:solidFill>
+                          <a:effectLst/>
+                        </a:rPr>
+                        <a:t>Zusatz 15 </a:t>
+                      </a:r>
+                      <a:r>
+                        <a:rPr lang="de-DE" sz="900" u="none" strike="noStrike" dirty="0">
+                          <a:solidFill>
+                            <a:schemeClr val="tx1">
+                              <a:lumMod val="75000"/>
+                              <a:lumOff val="25000"/>
+                            </a:schemeClr>
+                          </a:solidFill>
+                          <a:effectLst/>
+                        </a:rPr>
+                        <a:t>– </a:t>
+                      </a:r>
+                    </a:p>
+                    <a:p>
+                      <a:pPr algn="l" fontAlgn="b"/>
+                      <a:r>
+                        <a:rPr lang="de-DE" sz="900" u="none" strike="noStrike" dirty="0">
+                          <a:solidFill>
+                            <a:schemeClr val="tx1">
+                              <a:lumMod val="75000"/>
+                              <a:lumOff val="25000"/>
+                            </a:schemeClr>
+                          </a:solidFill>
+                          <a:effectLst/>
+                        </a:rPr>
+                        <a:t>alle 4 Messungen</a:t>
+                      </a:r>
+                      <a:endParaRPr lang="de-DE" sz="900" b="0" i="0" u="none" strike="noStrike" dirty="0">
+                        <a:solidFill>
+                          <a:schemeClr val="tx1">
+                            <a:lumMod val="75000"/>
+                            <a:lumOff val="25000"/>
+                          </a:schemeClr>
+                        </a:solidFill>
+                        <a:effectLst/>
+                        <a:latin typeface="Aptos Narrow" panose="020B0004020202020204" pitchFamily="34" charset="0"/>
+                      </a:endParaRPr>
+                    </a:p>
+                  </a:txBody>
+                  <a:tcPr marL="113187" marR="4516" marT="56594" marB="56594" anchor="ctr">
+                    <a:lnL w="9525" cap="flat" cmpd="sng" algn="ctr">
+                      <a:solidFill>
+                        <a:srgbClr val="D8DEDC"/>
+                      </a:solidFill>
+                      <a:prstDash val="solid"/>
+                    </a:lnL>
+                    <a:lnR w="9525" cap="flat" cmpd="sng" algn="ctr">
+                      <a:solidFill>
+                        <a:srgbClr val="D8DEDC"/>
+                      </a:solidFill>
+                      <a:prstDash val="solid"/>
+                    </a:lnR>
+                    <a:lnT w="9525" cap="flat" cmpd="sng" algn="ctr">
+                      <a:solidFill>
+                        <a:srgbClr val="D8DCDC"/>
+                      </a:solidFill>
+                      <a:prstDash val="solid"/>
+                    </a:lnT>
+                    <a:lnB w="9525" cap="flat" cmpd="sng" algn="ctr">
+                      <a:solidFill>
+                        <a:srgbClr val="D8DCDC"/>
+                      </a:solidFill>
+                      <a:prstDash val="solid"/>
+                    </a:lnB>
+                    <a:noFill/>
+                  </a:tcPr>
+                </a:tc>
+                <a:tc>
+                  <a:txBody>
+                    <a:bodyPr/>
+                    <a:lstStyle/>
+                    <a:p>
+                      <a:pPr algn="l" fontAlgn="b"/>
+                      <a:r>
+                        <a:rPr lang="de-DE" sz="900" u="none" strike="noStrike" dirty="0">
+                          <a:solidFill>
+                            <a:schemeClr val="tx1">
+                              <a:lumMod val="75000"/>
+                              <a:lumOff val="25000"/>
+                            </a:schemeClr>
+                          </a:solidFill>
+                          <a:effectLst/>
+                        </a:rPr>
+                        <a:t>Kombiniert mit Funktoinstest</a:t>
+                      </a:r>
+                      <a:endParaRPr lang="de-DE" sz="900" b="0" i="0" u="none" strike="noStrike" dirty="0">
+                        <a:solidFill>
+                          <a:schemeClr val="tx1">
+                            <a:lumMod val="75000"/>
+                            <a:lumOff val="25000"/>
+                          </a:schemeClr>
+                        </a:solidFill>
+                        <a:effectLst/>
+                        <a:latin typeface="Aptos Narrow" panose="020B0004020202020204" pitchFamily="34" charset="0"/>
+                      </a:endParaRPr>
+                    </a:p>
+                  </a:txBody>
+                  <a:tcPr marL="113187" marR="4516" marT="56594" marB="56594" anchor="ctr">
+                    <a:lnL w="9525" cap="flat" cmpd="sng" algn="ctr">
+                      <a:solidFill>
+                        <a:srgbClr val="D8DEDC"/>
+                      </a:solidFill>
+                      <a:prstDash val="solid"/>
+                    </a:lnL>
+                    <a:lnR w="9525" cap="flat" cmpd="sng" algn="ctr">
+                      <a:solidFill>
+                        <a:srgbClr val="D8DEDC"/>
+                      </a:solidFill>
+                      <a:prstDash val="solid"/>
+                    </a:lnR>
+                    <a:lnT w="9525" cap="flat" cmpd="sng" algn="ctr">
+                      <a:solidFill>
+                        <a:srgbClr val="D8DEDC"/>
+                      </a:solidFill>
+                      <a:prstDash val="solid"/>
+                    </a:lnT>
+                    <a:lnB w="9525" cap="flat" cmpd="sng" algn="ctr">
+                      <a:solidFill>
+                        <a:srgbClr val="D8DCDC"/>
+                      </a:solidFill>
+                      <a:prstDash val="solid"/>
+                    </a:lnB>
+                    <a:noFill/>
+                  </a:tcPr>
+                </a:tc>
+                <a:tc>
+                  <a:txBody>
+                    <a:bodyPr/>
+                    <a:lstStyle/>
+                    <a:p>
+                      <a:pPr algn="l" fontAlgn="b"/>
+                      <a:endParaRPr lang="de-DE" sz="900" b="0" i="0" u="none" strike="noStrike" dirty="0">
+                        <a:solidFill>
+                          <a:schemeClr val="tx1">
+                            <a:lumMod val="75000"/>
+                            <a:lumOff val="25000"/>
+                          </a:schemeClr>
+                        </a:solidFill>
+                        <a:effectLst/>
+                        <a:latin typeface="Aptos Narrow" panose="020B0004020202020204" pitchFamily="34" charset="0"/>
+                      </a:endParaRPr>
+                    </a:p>
+                  </a:txBody>
+                  <a:tcPr marL="113187" marR="4516" marT="56594" marB="56594" anchor="ctr">
+                    <a:lnL w="9525" cap="flat" cmpd="sng" algn="ctr">
+                      <a:solidFill>
+                        <a:srgbClr val="D8DEDC"/>
+                      </a:solidFill>
+                      <a:prstDash val="solid"/>
+                    </a:lnL>
+                    <a:lnR w="9525" cap="flat" cmpd="sng" algn="ctr">
+                      <a:solidFill>
+                        <a:srgbClr val="D8DEDC"/>
+                      </a:solidFill>
+                      <a:prstDash val="solid"/>
+                    </a:lnR>
+                    <a:lnT w="9525" cap="flat" cmpd="sng" algn="ctr">
+                      <a:solidFill>
+                        <a:srgbClr val="D8DEDC"/>
+                      </a:solidFill>
+                      <a:prstDash val="solid"/>
+                    </a:lnT>
+                    <a:lnB w="9525" cap="flat" cmpd="sng" algn="ctr">
+                      <a:solidFill>
+                        <a:srgbClr val="D8DCDC"/>
+                      </a:solidFill>
+                      <a:prstDash val="solid"/>
+                    </a:lnB>
+                    <a:noFill/>
+                  </a:tcPr>
+                </a:tc>
+                <a:tc>
+                  <a:txBody>
+                    <a:bodyPr/>
+                    <a:lstStyle/>
+                    <a:p>
+                      <a:pPr algn="l" fontAlgn="b"/>
+                      <a:endParaRPr lang="de-DE" sz="900" b="0" i="0" u="none" strike="noStrike" dirty="0">
+                        <a:solidFill>
+                          <a:schemeClr val="tx1">
+                            <a:lumMod val="75000"/>
+                            <a:lumOff val="25000"/>
+                          </a:schemeClr>
+                        </a:solidFill>
+                        <a:effectLst/>
+                        <a:latin typeface="Aptos Narrow" panose="020B0004020202020204" pitchFamily="34" charset="0"/>
+                      </a:endParaRPr>
+                    </a:p>
+                  </a:txBody>
+                  <a:tcPr marL="113187" marR="4516" marT="56594" marB="56594" anchor="ctr">
+                    <a:lnL w="9525" cap="flat" cmpd="sng" algn="ctr">
+                      <a:solidFill>
+                        <a:srgbClr val="D8DEDC"/>
+                      </a:solidFill>
+                      <a:prstDash val="solid"/>
+                    </a:lnL>
+                    <a:lnR w="9525" cap="flat" cmpd="sng" algn="ctr">
+                      <a:solidFill>
+                        <a:srgbClr val="D8DEDC"/>
+                      </a:solidFill>
+                      <a:prstDash val="solid"/>
+                    </a:lnR>
+                    <a:lnT w="9525" cap="flat" cmpd="sng" algn="ctr">
+                      <a:solidFill>
+                        <a:srgbClr val="D8DCDC"/>
+                      </a:solidFill>
+                      <a:prstDash val="solid"/>
+                    </a:lnT>
+                    <a:lnB w="9525" cap="flat" cmpd="sng" algn="ctr">
+                      <a:solidFill>
+                        <a:srgbClr val="D8DCDC"/>
+                      </a:solidFill>
+                      <a:prstDash val="solid"/>
+                    </a:lnB>
+                    <a:noFill/>
+                  </a:tcPr>
+                </a:tc>
+                <a:tc>
+                  <a:txBody>
+                    <a:bodyPr/>
+                    <a:lstStyle/>
+                    <a:p>
+                      <a:pPr algn="l" fontAlgn="b"/>
+                      <a:endParaRPr lang="de-DE" sz="900" b="0" i="0" u="none" strike="noStrike" dirty="0">
+                        <a:solidFill>
+                          <a:schemeClr val="tx1">
+                            <a:lumMod val="75000"/>
+                            <a:lumOff val="25000"/>
+                          </a:schemeClr>
+                        </a:solidFill>
+                        <a:effectLst/>
+                        <a:latin typeface="Aptos Narrow" panose="020B0004020202020204" pitchFamily="34" charset="0"/>
+                      </a:endParaRPr>
+                    </a:p>
+                  </a:txBody>
+                  <a:tcPr marL="113187" marR="4516" marT="56594" marB="56594" anchor="ctr">
+                    <a:lnL w="9525" cap="flat" cmpd="sng" algn="ctr">
+                      <a:solidFill>
+                        <a:srgbClr val="D8DEDC"/>
+                      </a:solidFill>
+                      <a:prstDash val="solid"/>
+                    </a:lnL>
+                    <a:lnR w="9525" cap="flat" cmpd="sng" algn="ctr">
+                      <a:solidFill>
+                        <a:srgbClr val="D8DEDC"/>
+                      </a:solidFill>
+                      <a:prstDash val="solid"/>
+                    </a:lnR>
+                    <a:lnT w="9525" cap="flat" cmpd="sng" algn="ctr">
+                      <a:solidFill>
+                        <a:srgbClr val="D8DCDC"/>
+                      </a:solidFill>
+                      <a:prstDash val="solid"/>
+                    </a:lnT>
+                    <a:lnB w="9525" cap="flat" cmpd="sng" algn="ctr">
+                      <a:solidFill>
+                        <a:srgbClr val="D8DCDC"/>
+                      </a:solidFill>
+                      <a:prstDash val="solid"/>
+                    </a:lnB>
+                    <a:noFill/>
+                  </a:tcPr>
+                </a:tc>
+                <a:tc>
+                  <a:txBody>
+                    <a:bodyPr/>
+                    <a:lstStyle/>
+                    <a:p>
+                      <a:pPr algn="l" fontAlgn="b"/>
+                      <a:r>
+                        <a:rPr lang="de-DE" sz="900" u="none" strike="noStrike" dirty="0">
+                          <a:solidFill>
+                            <a:schemeClr val="tx1">
+                              <a:lumMod val="75000"/>
+                              <a:lumOff val="25000"/>
+                            </a:schemeClr>
+                          </a:solidFill>
+                          <a:effectLst/>
+                        </a:rPr>
+                        <a:t>✓</a:t>
+                      </a:r>
+                      <a:endParaRPr lang="de-DE" sz="900" b="0" i="0" u="none" strike="noStrike" dirty="0">
+                        <a:solidFill>
+                          <a:schemeClr val="tx1">
+                            <a:lumMod val="75000"/>
+                            <a:lumOff val="25000"/>
+                          </a:schemeClr>
+                        </a:solidFill>
+                        <a:effectLst/>
+                        <a:latin typeface="Aptos Narrow" panose="020B0004020202020204" pitchFamily="34" charset="0"/>
+                      </a:endParaRPr>
+                    </a:p>
+                  </a:txBody>
+                  <a:tcPr marL="113187" marR="4516" marT="56594" marB="56594" anchor="ctr">
+                    <a:lnL w="9525" cap="flat" cmpd="sng" algn="ctr">
+                      <a:solidFill>
+                        <a:srgbClr val="D8DEDC"/>
+                      </a:solidFill>
+                      <a:prstDash val="solid"/>
+                    </a:lnL>
+                    <a:lnR w="9525" cap="flat" cmpd="sng" algn="ctr">
+                      <a:solidFill>
+                        <a:srgbClr val="D8DEDC"/>
+                      </a:solidFill>
+                      <a:prstDash val="solid"/>
+                    </a:lnR>
+                    <a:lnT w="9525" cap="flat" cmpd="sng" algn="ctr">
+                      <a:solidFill>
+                        <a:srgbClr val="D8DCDC"/>
+                      </a:solidFill>
+                      <a:prstDash val="solid"/>
+                    </a:lnT>
+                    <a:lnB w="9525" cap="flat" cmpd="sng" algn="ctr">
+                      <a:solidFill>
+                        <a:srgbClr val="D8DCDC"/>
+                      </a:solidFill>
+                      <a:prstDash val="solid"/>
+                    </a:lnB>
+                    <a:noFill/>
+                  </a:tcPr>
+                </a:tc>
+                <a:extLst>
+                  <a:ext uri="{0D108BD9-81ED-4DB2-BD59-A6C34878D82A}">
+                    <a16:rowId xmlns:a16="http://schemas.microsoft.com/office/drawing/2014/main" val="3601949212"/>
+                  </a:ext>
+                </a:extLst>
+              </a:tr>
+              <a:tr h="560278">
+                <a:tc rowSpan="2">
+                  <a:txBody>
+                    <a:bodyPr/>
+                    <a:lstStyle/>
+                    <a:p>
+                      <a:pPr algn="l" fontAlgn="b"/>
+                      <a:r>
+                        <a:rPr lang="de-DE" sz="900" b="1" u="none" strike="noStrike" dirty="0">
+                          <a:solidFill>
+                            <a:schemeClr val="tx1">
+                              <a:lumMod val="75000"/>
+                              <a:lumOff val="25000"/>
+                            </a:schemeClr>
+                          </a:solidFill>
+                          <a:effectLst/>
+                        </a:rPr>
+                        <a:t>Zusatz 16</a:t>
+                      </a:r>
+                      <a:r>
+                        <a:rPr lang="de-DE" sz="900" u="none" strike="noStrike" dirty="0">
+                          <a:solidFill>
+                            <a:schemeClr val="tx1">
+                              <a:lumMod val="75000"/>
+                              <a:lumOff val="25000"/>
+                            </a:schemeClr>
+                          </a:solidFill>
+                          <a:effectLst/>
+                        </a:rPr>
+                        <a:t> – </a:t>
+                      </a:r>
+                    </a:p>
+                    <a:p>
+                      <a:pPr algn="l" fontAlgn="b"/>
+                      <a:r>
+                        <a:rPr lang="de-DE" sz="900" u="none" strike="noStrike" dirty="0">
+                          <a:solidFill>
+                            <a:schemeClr val="tx1">
+                              <a:lumMod val="75000"/>
+                              <a:lumOff val="25000"/>
+                            </a:schemeClr>
+                          </a:solidFill>
+                          <a:effectLst/>
+                        </a:rPr>
+                        <a:t>Balancing im 400ms-Takt</a:t>
+                      </a:r>
+                      <a:endParaRPr lang="de-DE" sz="900" b="0" i="0" u="none" strike="noStrike" dirty="0">
+                        <a:solidFill>
+                          <a:schemeClr val="tx1">
+                            <a:lumMod val="75000"/>
+                            <a:lumOff val="25000"/>
+                          </a:schemeClr>
+                        </a:solidFill>
+                        <a:effectLst/>
+                        <a:latin typeface="Aptos Narrow" panose="020B0004020202020204" pitchFamily="34" charset="0"/>
+                      </a:endParaRPr>
+                    </a:p>
+                  </a:txBody>
+                  <a:tcPr marL="113187" marR="4516" marT="56594" marB="56594" anchor="ctr">
+                    <a:lnL w="9525" cap="flat" cmpd="sng" algn="ctr">
+                      <a:solidFill>
+                        <a:srgbClr val="D8DCDC"/>
+                      </a:solidFill>
+                      <a:prstDash val="solid"/>
+                    </a:lnL>
+                    <a:lnR w="9525" cap="flat" cmpd="sng" algn="ctr">
+                      <a:solidFill>
+                        <a:srgbClr val="D8DCDC"/>
+                      </a:solidFill>
+                      <a:prstDash val="solid"/>
+                    </a:lnR>
+                    <a:lnT w="9525" cap="flat" cmpd="sng" algn="ctr">
+                      <a:solidFill>
+                        <a:srgbClr val="D8DCDC"/>
+                      </a:solidFill>
+                      <a:prstDash val="solid"/>
+                    </a:lnT>
+                    <a:lnB w="9525" cap="flat" cmpd="sng" algn="ctr">
+                      <a:solidFill>
+                        <a:srgbClr val="D8DEDC"/>
+                      </a:solidFill>
+                      <a:prstDash val="solid"/>
+                    </a:lnB>
+                    <a:solidFill>
+                      <a:srgbClr val="D8DEDC">
+                        <a:alpha val="20000"/>
+                      </a:srgbClr>
+                    </a:solidFill>
+                  </a:tcPr>
+                </a:tc>
+                <a:tc>
+                  <a:txBody>
+                    <a:bodyPr/>
+                    <a:lstStyle/>
+                    <a:p>
+                      <a:pPr algn="l" fontAlgn="b"/>
+                      <a:r>
+                        <a:rPr lang="de-DE" sz="900" u="none" strike="noStrike" dirty="0">
+                          <a:solidFill>
+                            <a:schemeClr val="tx1">
+                              <a:lumMod val="75000"/>
+                              <a:lumOff val="25000"/>
+                            </a:schemeClr>
+                          </a:solidFill>
+                          <a:effectLst/>
+                        </a:rPr>
+                        <a:t>Zeitkritischer Test der Cellbalancing Aktivierung</a:t>
+                      </a:r>
+                      <a:endParaRPr lang="de-DE" sz="900" b="0" i="0" u="none" strike="noStrike" dirty="0">
+                        <a:solidFill>
+                          <a:schemeClr val="tx1">
+                            <a:lumMod val="75000"/>
+                            <a:lumOff val="25000"/>
+                          </a:schemeClr>
+                        </a:solidFill>
+                        <a:effectLst/>
+                        <a:latin typeface="Aptos Narrow" panose="020B0004020202020204" pitchFamily="34" charset="0"/>
+                      </a:endParaRPr>
+                    </a:p>
+                  </a:txBody>
+                  <a:tcPr marL="113187" marR="4516" marT="56594" marB="56594" anchor="ctr">
+                    <a:lnL w="9525" cap="flat" cmpd="sng" algn="ctr">
+                      <a:solidFill>
+                        <a:srgbClr val="D8DCDC"/>
+                      </a:solidFill>
+                      <a:prstDash val="solid"/>
+                    </a:lnL>
+                    <a:lnR w="9525" cap="flat" cmpd="sng" algn="ctr">
+                      <a:solidFill>
+                        <a:srgbClr val="D8DCDC"/>
+                      </a:solidFill>
+                      <a:prstDash val="solid"/>
+                    </a:lnR>
+                    <a:lnT w="9525" cap="flat" cmpd="sng" algn="ctr">
+                      <a:solidFill>
+                        <a:srgbClr val="D8DCDC"/>
+                      </a:solidFill>
+                      <a:prstDash val="solid"/>
+                    </a:lnT>
+                    <a:lnB w="9525" cap="flat" cmpd="sng" algn="ctr">
+                      <a:solidFill>
+                        <a:srgbClr val="D8DCDC"/>
+                      </a:solidFill>
+                      <a:prstDash val="solid"/>
+                    </a:lnB>
+                    <a:solidFill>
+                      <a:srgbClr val="D8DEDC">
+                        <a:alpha val="20000"/>
+                      </a:srgbClr>
+                    </a:solidFill>
+                  </a:tcPr>
+                </a:tc>
+                <a:tc>
+                  <a:txBody>
+                    <a:bodyPr/>
+                    <a:lstStyle/>
+                    <a:p>
+                      <a:pPr algn="l" fontAlgn="b"/>
+                      <a:r>
+                        <a:rPr lang="de-DE" sz="900" u="none" strike="noStrike">
+                          <a:solidFill>
+                            <a:schemeClr val="tx1">
+                              <a:lumMod val="75000"/>
+                              <a:lumOff val="25000"/>
+                            </a:schemeClr>
+                          </a:solidFill>
+                          <a:effectLst/>
+                        </a:rPr>
+                        <a:t>Status des Cellbalancing zeitlich tracken</a:t>
+                      </a:r>
                       <a:endParaRPr lang="de-DE" sz="900" b="0" i="0" u="none" strike="noStrike">
                         <a:solidFill>
                           <a:schemeClr val="tx1">
@@ -8841,7 +10489,7 @@
                       </a:endParaRPr>
                     </a:p>
                   </a:txBody>
-                  <a:tcPr marL="113187" marR="4516" marT="56594" marB="56594" anchor="b">
+                  <a:tcPr marL="113187" marR="4516" marT="56594" marB="56594" anchor="ctr">
                     <a:lnL w="9525" cap="flat" cmpd="sng" algn="ctr">
                       <a:solidFill>
                         <a:srgbClr val="D8DCDC"/>
@@ -8879,19 +10527,106 @@
                     <a:lstStyle/>
                     <a:p>
                       <a:pPr algn="l" fontAlgn="b"/>
-                      <a:endParaRPr lang="de-DE" sz="900" b="0" i="0" u="none" strike="noStrike">
-                        <a:solidFill>
-                          <a:schemeClr val="tx1">
-                            <a:lumMod val="75000"/>
-                            <a:lumOff val="25000"/>
-                          </a:schemeClr>
-                        </a:solidFill>
-                        <a:effectLst/>
-                        <a:latin typeface="Aptos Narrow" panose="020B0004020202020204" pitchFamily="34" charset="0"/>
-                      </a:endParaRPr>
-                    </a:p>
-                  </a:txBody>
-                  <a:tcPr marL="113187" marR="4516" marT="56594" marB="56594" anchor="b">
+                      <a:r>
+                        <a:rPr lang="de-DE" sz="900" b="0" i="0" u="none" strike="noStrike" dirty="0">
+                          <a:solidFill>
+                            <a:schemeClr val="tx1">
+                              <a:lumMod val="75000"/>
+                              <a:lumOff val="25000"/>
+                            </a:schemeClr>
+                          </a:solidFill>
+                          <a:effectLst/>
+                          <a:latin typeface="Aptos Narrow" panose="020B0004020202020204" pitchFamily="34" charset="0"/>
+                        </a:rPr>
+                        <a:t>abhängig von t                               </a:t>
+                      </a:r>
+                    </a:p>
+                    <a:p>
+                      <a:pPr algn="l" fontAlgn="b"/>
+                      <a:r>
+                        <a:rPr lang="de-DE" sz="900" b="0" i="0" u="none" strike="noStrike" dirty="0">
+                          <a:solidFill>
+                            <a:schemeClr val="tx1">
+                              <a:lumMod val="75000"/>
+                              <a:lumOff val="25000"/>
+                            </a:schemeClr>
+                          </a:solidFill>
+                          <a:effectLst/>
+                          <a:latin typeface="Aptos Narrow" panose="020B0004020202020204" pitchFamily="34" charset="0"/>
+                        </a:rPr>
+                        <a:t>Vcell[4.0, 4.0, 4.0, 4.0] </a:t>
+                      </a:r>
+                      <a:r>
+                        <a:rPr lang="de-DE" sz="900" b="0" i="1" u="none" strike="noStrike" dirty="0">
+                          <a:solidFill>
+                            <a:schemeClr val="tx1">
+                              <a:lumMod val="75000"/>
+                              <a:lumOff val="25000"/>
+                            </a:schemeClr>
+                          </a:solidFill>
+                          <a:effectLst/>
+                          <a:latin typeface="Aptos Narrow" panose="020B0004020202020204" pitchFamily="34" charset="0"/>
+                        </a:rPr>
+                        <a:t>oder </a:t>
+                      </a:r>
+                      <a:r>
+                        <a:rPr lang="de-DE" sz="900" b="0" i="0" u="none" strike="noStrike" dirty="0">
+                          <a:solidFill>
+                            <a:schemeClr val="tx1">
+                              <a:lumMod val="75000"/>
+                              <a:lumOff val="25000"/>
+                            </a:schemeClr>
+                          </a:solidFill>
+                          <a:effectLst/>
+                          <a:latin typeface="Aptos Narrow" panose="020B0004020202020204" pitchFamily="34" charset="0"/>
+                        </a:rPr>
+                        <a:t>      </a:t>
+                      </a:r>
+                    </a:p>
+                    <a:p>
+                      <a:pPr algn="l" fontAlgn="b"/>
+                      <a:r>
+                        <a:rPr lang="de-DE" sz="900" b="0" i="0" u="none" strike="noStrike" dirty="0">
+                          <a:solidFill>
+                            <a:schemeClr val="tx1">
+                              <a:lumMod val="75000"/>
+                              <a:lumOff val="25000"/>
+                            </a:schemeClr>
+                          </a:solidFill>
+                          <a:effectLst/>
+                          <a:latin typeface="Aptos Narrow" panose="020B0004020202020204" pitchFamily="34" charset="0"/>
+                        </a:rPr>
+                        <a:t>Vcell[</a:t>
+                      </a:r>
+                      <a:r>
+                        <a:rPr lang="de-DE" sz="900" b="1" i="0" u="none" strike="noStrike" dirty="0">
+                          <a:solidFill>
+                            <a:schemeClr val="tx1">
+                              <a:lumMod val="75000"/>
+                              <a:lumOff val="25000"/>
+                            </a:schemeClr>
+                          </a:solidFill>
+                          <a:effectLst/>
+                          <a:latin typeface="Aptos Narrow" panose="020B0004020202020204" pitchFamily="34" charset="0"/>
+                        </a:rPr>
+                        <a:t>4.5</a:t>
+                      </a:r>
+                      <a:r>
+                        <a:rPr lang="de-DE" sz="900" b="0" i="0" u="none" strike="noStrike" dirty="0">
+                          <a:solidFill>
+                            <a:schemeClr val="tx1">
+                              <a:lumMod val="75000"/>
+                              <a:lumOff val="25000"/>
+                            </a:schemeClr>
+                          </a:solidFill>
+                          <a:effectLst/>
+                          <a:latin typeface="Aptos Narrow" panose="020B0004020202020204" pitchFamily="34" charset="0"/>
+                        </a:rPr>
+                        <a:t>, 4.0, 4.0, 4.0]</a:t>
+                      </a:r>
+                    </a:p>
+                  </a:txBody>
+                  <a:tcPr marL="113187" marR="4516" marT="56594" marB="56594" anchor="ctr">
                     <a:lnL w="9525" cap="flat" cmpd="sng" algn="ctr">
                       <a:solidFill>
                         <a:srgbClr val="D8DCDC"/>
@@ -8929,65 +10664,8 @@
                     <a:lstStyle/>
                     <a:p>
                       <a:pPr algn="l" fontAlgn="b"/>
-                      <a:endParaRPr lang="de-DE" sz="900" b="0" i="0" u="none" strike="noStrike">
-                        <a:solidFill>
-                          <a:schemeClr val="tx1">
-                            <a:lumMod val="75000"/>
-                            <a:lumOff val="25000"/>
-                          </a:schemeClr>
-                        </a:solidFill>
-                        <a:effectLst/>
-                        <a:latin typeface="Aptos Narrow" panose="020B0004020202020204" pitchFamily="34" charset="0"/>
-                      </a:endParaRPr>
-                    </a:p>
-                  </a:txBody>
-                  <a:tcPr marL="113187" marR="4516" marT="56594" marB="56594" anchor="b">
-                    <a:lnL w="9525" cap="flat" cmpd="sng" algn="ctr">
-                      <a:solidFill>
-                        <a:srgbClr val="D8DCDC"/>
-                      </a:solidFill>
-                      <a:prstDash val="solid"/>
-                    </a:lnL>
-                    <a:lnR w="9525" cap="flat" cmpd="sng" algn="ctr">
-                      <a:solidFill>
-                        <a:srgbClr val="D8DCDC"/>
-                      </a:solidFill>
-                      <a:prstDash val="solid"/>
-                    </a:lnR>
-                    <a:lnT w="9525" cap="flat" cmpd="sng" algn="ctr">
-                      <a:solidFill>
-                        <a:srgbClr val="D8DCDC"/>
-                      </a:solidFill>
-                      <a:prstDash val="solid"/>
-                    </a:lnT>
-                    <a:lnB w="9525" cap="flat" cmpd="sng" algn="ctr">
-                      <a:solidFill>
-                        <a:srgbClr val="D8DCDC"/>
-                      </a:solidFill>
-                      <a:prstDash val="solid"/>
-                    </a:lnB>
-                    <a:solidFill>
-                      <a:srgbClr val="D8DEDC">
-                        <a:alpha val="20000"/>
-                      </a:srgbClr>
-                    </a:solidFill>
-                  </a:tcPr>
-                </a:tc>
-                <a:extLst>
-                  <a:ext uri="{0D108BD9-81ED-4DB2-BD59-A6C34878D82A}">
-                    <a16:rowId xmlns:a16="http://schemas.microsoft.com/office/drawing/2014/main" val="22015198"/>
-                  </a:ext>
-                </a:extLst>
-              </a:tr>
-              <a:tr h="277309">
-                <a:tc>
-                  <a:txBody>
-                    <a:bodyPr/>
-                    <a:lstStyle/>
-                    <a:p>
-                      <a:pPr algn="l" fontAlgn="b"/>
-                      <a:r>
-                        <a:rPr lang="de-DE" sz="900" u="none" strike="noStrike">
+                      <a:r>
+                        <a:rPr lang="de-DE" sz="900" b="0" i="0" u="none" strike="noStrike" dirty="0">
                           <a:solidFill>
                             <a:schemeClr val="tx1">
                               <a:lumMod val="75000"/>
@@ -8995,57 +10673,15 @@
                             </a:schemeClr>
                           </a:solidFill>
                           <a:effectLst/>
-                        </a:rPr>
-                        <a:t>Zusatz 13</a:t>
-                      </a:r>
-                      <a:endParaRPr lang="de-DE" sz="900" b="0" i="0" u="none" strike="noStrike">
-                        <a:solidFill>
-                          <a:schemeClr val="tx1">
-                            <a:lumMod val="75000"/>
-                            <a:lumOff val="25000"/>
-                          </a:schemeClr>
-                        </a:solidFill>
-                        <a:effectLst/>
-                        <a:latin typeface="Aptos Narrow" panose="020B0004020202020204" pitchFamily="34" charset="0"/>
-                      </a:endParaRPr>
-                    </a:p>
-                  </a:txBody>
-                  <a:tcPr marL="113187" marR="4516" marT="56594" marB="56594" anchor="b">
-                    <a:lnL w="9525" cap="flat" cmpd="sng" algn="ctr">
-                      <a:solidFill>
-                        <a:srgbClr val="D8DEDC"/>
-                      </a:solidFill>
-                      <a:prstDash val="solid"/>
-                    </a:lnL>
-                    <a:lnR w="9525" cap="flat" cmpd="sng" algn="ctr">
-                      <a:solidFill>
-                        <a:srgbClr val="D8DEDC"/>
-                      </a:solidFill>
-                      <a:prstDash val="solid"/>
-                    </a:lnR>
-                    <a:lnT w="9525" cap="flat" cmpd="sng" algn="ctr">
-                      <a:solidFill>
-                        <a:srgbClr val="D8DCDC"/>
-                      </a:solidFill>
-                      <a:prstDash val="solid"/>
-                    </a:lnT>
-                    <a:lnB w="9525" cap="flat" cmpd="sng" algn="ctr">
-                      <a:solidFill>
-                        <a:srgbClr val="D8DCDC"/>
-                      </a:solidFill>
-                      <a:prstDash val="solid"/>
-                    </a:lnB>
-                    <a:noFill/>
-                  </a:tcPr>
-                </a:tc>
-                <a:tc rowSpan="2">
-                  <a:txBody>
-                    <a:bodyPr/>
-                    <a:lstStyle/>
+                          <a:latin typeface="Aptos Narrow" panose="020B0004020202020204" pitchFamily="34" charset="0"/>
+                        </a:rPr>
+                        <a:t>Nach setzen des Einganswertes verstreichen 400ms bis </a:t>
+                      </a:r>
+                    </a:p>
                     <a:p>
                       <a:pPr algn="l" fontAlgn="b"/>
                       <a:r>
-                        <a:rPr lang="de-DE" sz="900" u="none" strike="noStrike">
+                        <a:rPr lang="de-DE" sz="900" b="0" i="0" u="none" strike="noStrike" dirty="0">
                           <a:solidFill>
                             <a:schemeClr val="tx1">
                               <a:lumMod val="75000"/>
@@ -9053,283 +10689,13 @@
                             </a:schemeClr>
                           </a:solidFill>
                           <a:effectLst/>
-                        </a:rPr>
-                        <a:t>Grenzwerttest (Standardabweichung)</a:t>
-                      </a:r>
-                      <a:endParaRPr lang="de-DE" sz="900" b="0" i="0" u="none" strike="noStrike">
-                        <a:solidFill>
-                          <a:schemeClr val="tx1">
-                            <a:lumMod val="75000"/>
-                            <a:lumOff val="25000"/>
-                          </a:schemeClr>
-                        </a:solidFill>
-                        <a:effectLst/>
-                        <a:latin typeface="Aptos Narrow" panose="020B0004020202020204" pitchFamily="34" charset="0"/>
-                      </a:endParaRPr>
-                    </a:p>
-                  </a:txBody>
-                  <a:tcPr marL="113187" marR="4516" marT="56594" marB="56594" anchor="b">
-                    <a:lnL w="9525" cap="flat" cmpd="sng" algn="ctr">
-                      <a:solidFill>
-                        <a:srgbClr val="D8DEDC"/>
-                      </a:solidFill>
-                      <a:prstDash val="solid"/>
-                    </a:lnL>
-                    <a:lnR w="9525" cap="flat" cmpd="sng" algn="ctr">
-                      <a:solidFill>
-                        <a:srgbClr val="D8DEDC"/>
-                      </a:solidFill>
-                      <a:prstDash val="solid"/>
-                    </a:lnR>
-                    <a:lnT w="9525" cap="flat" cmpd="sng" algn="ctr">
-                      <a:solidFill>
-                        <a:srgbClr val="D8DCDC"/>
-                      </a:solidFill>
-                      <a:prstDash val="solid"/>
-                    </a:lnT>
-                    <a:lnB w="9525" cap="flat" cmpd="sng" algn="ctr">
-                      <a:solidFill>
-                        <a:srgbClr val="D8DEDC"/>
-                      </a:solidFill>
-                      <a:prstDash val="solid"/>
-                    </a:lnB>
-                    <a:noFill/>
-                  </a:tcPr>
-                </a:tc>
-                <a:tc rowSpan="2">
-                  <a:txBody>
-                    <a:bodyPr/>
-                    <a:lstStyle/>
-                    <a:p>
-                      <a:pPr algn="l" fontAlgn="b"/>
-                      <a:r>
-                        <a:rPr lang="de-DE" sz="900" u="none" strike="noStrike">
-                          <a:solidFill>
-                            <a:schemeClr val="tx1">
-                              <a:lumMod val="75000"/>
-                              <a:lumOff val="25000"/>
-                            </a:schemeClr>
-                          </a:solidFill>
-                          <a:effectLst/>
-                        </a:rPr>
-                        <a:t>Werte so bestimmeen, dass ein Ausreißer nahe der Standardabweichung ist</a:t>
-                      </a:r>
-                      <a:endParaRPr lang="de-DE" sz="900" b="0" i="0" u="none" strike="noStrike">
-                        <a:solidFill>
-                          <a:schemeClr val="tx1">
-                            <a:lumMod val="75000"/>
-                            <a:lumOff val="25000"/>
-                          </a:schemeClr>
-                        </a:solidFill>
-                        <a:effectLst/>
-                        <a:latin typeface="Aptos Narrow" panose="020B0004020202020204" pitchFamily="34" charset="0"/>
-                      </a:endParaRPr>
-                    </a:p>
-                  </a:txBody>
-                  <a:tcPr marL="113187" marR="4516" marT="56594" marB="56594" anchor="b">
-                    <a:lnL w="9525" cap="flat" cmpd="sng" algn="ctr">
-                      <a:solidFill>
-                        <a:srgbClr val="D8DEDC"/>
-                      </a:solidFill>
-                      <a:prstDash val="solid"/>
-                    </a:lnL>
-                    <a:lnR w="9525" cap="flat" cmpd="sng" algn="ctr">
-                      <a:solidFill>
-                        <a:srgbClr val="D8DEDC"/>
-                      </a:solidFill>
-                      <a:prstDash val="solid"/>
-                    </a:lnR>
-                    <a:lnT w="9525" cap="flat" cmpd="sng" algn="ctr">
-                      <a:solidFill>
-                        <a:srgbClr val="D8DCDC"/>
-                      </a:solidFill>
-                      <a:prstDash val="solid"/>
-                    </a:lnT>
-                    <a:lnB w="9525" cap="flat" cmpd="sng" algn="ctr">
-                      <a:solidFill>
-                        <a:srgbClr val="D8DEDC"/>
-                      </a:solidFill>
-                      <a:prstDash val="solid"/>
-                    </a:lnB>
-                    <a:noFill/>
-                  </a:tcPr>
-                </a:tc>
-                <a:tc>
-                  <a:txBody>
-                    <a:bodyPr/>
-                    <a:lstStyle/>
-                    <a:p>
-                      <a:pPr algn="l" fontAlgn="b"/>
-                      <a:endParaRPr lang="de-DE" sz="900" b="0" i="0" u="none" strike="noStrike">
-                        <a:solidFill>
-                          <a:schemeClr val="tx1">
-                            <a:lumMod val="75000"/>
-                            <a:lumOff val="25000"/>
-                          </a:schemeClr>
-                        </a:solidFill>
-                        <a:effectLst/>
-                        <a:latin typeface="Aptos Narrow" panose="020B0004020202020204" pitchFamily="34" charset="0"/>
-                      </a:endParaRPr>
-                    </a:p>
-                  </a:txBody>
-                  <a:tcPr marL="113187" marR="4516" marT="56594" marB="56594" anchor="b">
-                    <a:lnL w="9525" cap="flat" cmpd="sng" algn="ctr">
-                      <a:solidFill>
-                        <a:srgbClr val="D8DEDC"/>
-                      </a:solidFill>
-                      <a:prstDash val="solid"/>
-                    </a:lnL>
-                    <a:lnR w="9525" cap="flat" cmpd="sng" algn="ctr">
-                      <a:solidFill>
-                        <a:srgbClr val="D8DEDC"/>
-                      </a:solidFill>
-                      <a:prstDash val="solid"/>
-                    </a:lnR>
-                    <a:lnT w="9525" cap="flat" cmpd="sng" algn="ctr">
-                      <a:solidFill>
-                        <a:srgbClr val="D8DCDC"/>
-                      </a:solidFill>
-                      <a:prstDash val="solid"/>
-                    </a:lnT>
-                    <a:lnB w="9525" cap="flat" cmpd="sng" algn="ctr">
-                      <a:solidFill>
-                        <a:srgbClr val="D8DCDC"/>
-                      </a:solidFill>
-                      <a:prstDash val="solid"/>
-                    </a:lnB>
-                    <a:noFill/>
-                  </a:tcPr>
-                </a:tc>
-                <a:tc>
-                  <a:txBody>
-                    <a:bodyPr/>
-                    <a:lstStyle/>
-                    <a:p>
-                      <a:pPr algn="l" fontAlgn="b"/>
-                      <a:endParaRPr lang="de-DE" sz="900" b="0" i="0" u="none" strike="noStrike">
-                        <a:solidFill>
-                          <a:schemeClr val="tx1">
-                            <a:lumMod val="75000"/>
-                            <a:lumOff val="25000"/>
-                          </a:schemeClr>
-                        </a:solidFill>
-                        <a:effectLst/>
-                        <a:latin typeface="Aptos Narrow" panose="020B0004020202020204" pitchFamily="34" charset="0"/>
-                      </a:endParaRPr>
-                    </a:p>
-                  </a:txBody>
-                  <a:tcPr marL="113187" marR="4516" marT="56594" marB="56594" anchor="b">
-                    <a:lnL w="9525" cap="flat" cmpd="sng" algn="ctr">
-                      <a:solidFill>
-                        <a:srgbClr val="D8DEDC"/>
-                      </a:solidFill>
-                      <a:prstDash val="solid"/>
-                    </a:lnL>
-                    <a:lnR w="9525" cap="flat" cmpd="sng" algn="ctr">
-                      <a:solidFill>
-                        <a:srgbClr val="D8DEDC"/>
-                      </a:solidFill>
-                      <a:prstDash val="solid"/>
-                    </a:lnR>
-                    <a:lnT w="9525" cap="flat" cmpd="sng" algn="ctr">
-                      <a:solidFill>
-                        <a:srgbClr val="D8DCDC"/>
-                      </a:solidFill>
-                      <a:prstDash val="solid"/>
-                    </a:lnT>
-                    <a:lnB w="9525" cap="flat" cmpd="sng" algn="ctr">
-                      <a:solidFill>
-                        <a:srgbClr val="D8DCDC"/>
-                      </a:solidFill>
-                      <a:prstDash val="solid"/>
-                    </a:lnB>
-                    <a:noFill/>
-                  </a:tcPr>
-                </a:tc>
-                <a:tc>
-                  <a:txBody>
-                    <a:bodyPr/>
-                    <a:lstStyle/>
-                    <a:p>
-                      <a:pPr algn="l" fontAlgn="b"/>
-                      <a:endParaRPr lang="de-DE" sz="900" b="0" i="0" u="none" strike="noStrike">
-                        <a:solidFill>
-                          <a:schemeClr val="tx1">
-                            <a:lumMod val="75000"/>
-                            <a:lumOff val="25000"/>
-                          </a:schemeClr>
-                        </a:solidFill>
-                        <a:effectLst/>
-                        <a:latin typeface="Aptos Narrow" panose="020B0004020202020204" pitchFamily="34" charset="0"/>
-                      </a:endParaRPr>
-                    </a:p>
-                  </a:txBody>
-                  <a:tcPr marL="113187" marR="4516" marT="56594" marB="56594" anchor="b">
-                    <a:lnL w="9525" cap="flat" cmpd="sng" algn="ctr">
-                      <a:solidFill>
-                        <a:srgbClr val="D8DEDC"/>
-                      </a:solidFill>
-                      <a:prstDash val="solid"/>
-                    </a:lnL>
-                    <a:lnR w="9525" cap="flat" cmpd="sng" algn="ctr">
-                      <a:solidFill>
-                        <a:srgbClr val="D8DEDC"/>
-                      </a:solidFill>
-                      <a:prstDash val="solid"/>
-                    </a:lnR>
-                    <a:lnT w="9525" cap="flat" cmpd="sng" algn="ctr">
-                      <a:solidFill>
-                        <a:srgbClr val="D8DCDC"/>
-                      </a:solidFill>
-                      <a:prstDash val="solid"/>
-                    </a:lnT>
-                    <a:lnB w="9525" cap="flat" cmpd="sng" algn="ctr">
-                      <a:solidFill>
-                        <a:srgbClr val="D8DCDC"/>
-                      </a:solidFill>
-                      <a:prstDash val="solid"/>
-                    </a:lnB>
-                    <a:noFill/>
-                  </a:tcPr>
-                </a:tc>
-                <a:extLst>
-                  <a:ext uri="{0D108BD9-81ED-4DB2-BD59-A6C34878D82A}">
-                    <a16:rowId xmlns:a16="http://schemas.microsoft.com/office/drawing/2014/main" val="2806765930"/>
-                  </a:ext>
-                </a:extLst>
-              </a:tr>
-              <a:tr h="277309">
-                <a:tc>
-                  <a:txBody>
-                    <a:bodyPr/>
-                    <a:lstStyle/>
-                    <a:p>
-                      <a:pPr algn="l" fontAlgn="b"/>
-                      <a:r>
-                        <a:rPr lang="de-DE" sz="900" u="none" strike="noStrike">
-                          <a:solidFill>
-                            <a:schemeClr val="tx1">
-                              <a:lumMod val="75000"/>
-                              <a:lumOff val="25000"/>
-                            </a:schemeClr>
-                          </a:solidFill>
-                          <a:effectLst/>
-                        </a:rPr>
-                        <a:t>Zusatz 14</a:t>
-                      </a:r>
-                      <a:endParaRPr lang="de-DE" sz="900" b="0" i="0" u="none" strike="noStrike">
-                        <a:solidFill>
-                          <a:schemeClr val="tx1">
-                            <a:lumMod val="75000"/>
-                            <a:lumOff val="25000"/>
-                          </a:schemeClr>
-                        </a:solidFill>
-                        <a:effectLst/>
-                        <a:latin typeface="Aptos Narrow" panose="020B0004020202020204" pitchFamily="34" charset="0"/>
-                      </a:endParaRPr>
-                    </a:p>
-                  </a:txBody>
-                  <a:tcPr marL="113187" marR="4516" marT="56594" marB="56594" anchor="b">
+                          <a:latin typeface="Aptos Narrow" panose="020B0004020202020204" pitchFamily="34" charset="0"/>
+                        </a:rPr>
+                        <a:t>setbalActive ≠ 0 aktiviert wird</a:t>
+                      </a:r>
+                    </a:p>
+                  </a:txBody>
+                  <a:tcPr marL="113187" marR="4516" marT="56594" marB="56594" anchor="ctr">
                     <a:lnL w="9525" cap="flat" cmpd="sng" algn="ctr">
                       <a:solidFill>
                         <a:srgbClr val="D8DCDC"/>
@@ -9359,1019 +10725,6 @@
                         <a:alpha val="20000"/>
                       </a:srgbClr>
                     </a:solidFill>
-                  </a:tcPr>
-                </a:tc>
-                <a:tc vMerge="1">
-                  <a:txBody>
-                    <a:bodyPr/>
-                    <a:lstStyle/>
-                    <a:p>
-                      <a:endParaRPr lang="en-DE"/>
-                    </a:p>
-                  </a:txBody>
-                  <a:tcPr/>
-                </a:tc>
-                <a:tc vMerge="1">
-                  <a:txBody>
-                    <a:bodyPr/>
-                    <a:lstStyle/>
-                    <a:p>
-                      <a:endParaRPr lang="en-DE"/>
-                    </a:p>
-                  </a:txBody>
-                  <a:tcPr/>
-                </a:tc>
-                <a:tc>
-                  <a:txBody>
-                    <a:bodyPr/>
-                    <a:lstStyle/>
-                    <a:p>
-                      <a:pPr algn="l" fontAlgn="b"/>
-                      <a:endParaRPr lang="de-DE" sz="900" b="0" i="0" u="none" strike="noStrike">
-                        <a:solidFill>
-                          <a:schemeClr val="tx1">
-                            <a:lumMod val="75000"/>
-                            <a:lumOff val="25000"/>
-                          </a:schemeClr>
-                        </a:solidFill>
-                        <a:effectLst/>
-                        <a:latin typeface="Aptos Narrow" panose="020B0004020202020204" pitchFamily="34" charset="0"/>
-                      </a:endParaRPr>
-                    </a:p>
-                  </a:txBody>
-                  <a:tcPr marL="113187" marR="4516" marT="56594" marB="56594" anchor="b">
-                    <a:lnL w="9525" cap="flat" cmpd="sng" algn="ctr">
-                      <a:solidFill>
-                        <a:srgbClr val="D8DCDC"/>
-                      </a:solidFill>
-                      <a:prstDash val="solid"/>
-                    </a:lnL>
-                    <a:lnR w="9525" cap="flat" cmpd="sng" algn="ctr">
-                      <a:solidFill>
-                        <a:srgbClr val="D8DCDC"/>
-                      </a:solidFill>
-                      <a:prstDash val="solid"/>
-                    </a:lnR>
-                    <a:lnT w="9525" cap="flat" cmpd="sng" algn="ctr">
-                      <a:solidFill>
-                        <a:srgbClr val="D8DCDC"/>
-                      </a:solidFill>
-                      <a:prstDash val="solid"/>
-                    </a:lnT>
-                    <a:lnB w="9525" cap="flat" cmpd="sng" algn="ctr">
-                      <a:solidFill>
-                        <a:srgbClr val="D8DCDC"/>
-                      </a:solidFill>
-                      <a:prstDash val="solid"/>
-                    </a:lnB>
-                    <a:solidFill>
-                      <a:srgbClr val="D8DEDC">
-                        <a:alpha val="20000"/>
-                      </a:srgbClr>
-                    </a:solidFill>
-                  </a:tcPr>
-                </a:tc>
-                <a:tc>
-                  <a:txBody>
-                    <a:bodyPr/>
-                    <a:lstStyle/>
-                    <a:p>
-                      <a:pPr algn="l" fontAlgn="b"/>
-                      <a:endParaRPr lang="de-DE" sz="900" b="0" i="0" u="none" strike="noStrike">
-                        <a:solidFill>
-                          <a:schemeClr val="tx1">
-                            <a:lumMod val="75000"/>
-                            <a:lumOff val="25000"/>
-                          </a:schemeClr>
-                        </a:solidFill>
-                        <a:effectLst/>
-                        <a:latin typeface="Aptos Narrow" panose="020B0004020202020204" pitchFamily="34" charset="0"/>
-                      </a:endParaRPr>
-                    </a:p>
-                  </a:txBody>
-                  <a:tcPr marL="113187" marR="4516" marT="56594" marB="56594" anchor="b">
-                    <a:lnL w="9525" cap="flat" cmpd="sng" algn="ctr">
-                      <a:solidFill>
-                        <a:srgbClr val="D8DCDC"/>
-                      </a:solidFill>
-                      <a:prstDash val="solid"/>
-                    </a:lnL>
-                    <a:lnR w="9525" cap="flat" cmpd="sng" algn="ctr">
-                      <a:solidFill>
-                        <a:srgbClr val="D8DCDC"/>
-                      </a:solidFill>
-                      <a:prstDash val="solid"/>
-                    </a:lnR>
-                    <a:lnT w="9525" cap="flat" cmpd="sng" algn="ctr">
-                      <a:solidFill>
-                        <a:srgbClr val="D8DCDC"/>
-                      </a:solidFill>
-                      <a:prstDash val="solid"/>
-                    </a:lnT>
-                    <a:lnB w="9525" cap="flat" cmpd="sng" algn="ctr">
-                      <a:solidFill>
-                        <a:srgbClr val="D8DCDC"/>
-                      </a:solidFill>
-                      <a:prstDash val="solid"/>
-                    </a:lnB>
-                    <a:solidFill>
-                      <a:srgbClr val="D8DEDC">
-                        <a:alpha val="20000"/>
-                      </a:srgbClr>
-                    </a:solidFill>
-                  </a:tcPr>
-                </a:tc>
-                <a:tc>
-                  <a:txBody>
-                    <a:bodyPr/>
-                    <a:lstStyle/>
-                    <a:p>
-                      <a:pPr algn="l" fontAlgn="b"/>
-                      <a:endParaRPr lang="de-DE" sz="900" b="0" i="0" u="none" strike="noStrike">
-                        <a:solidFill>
-                          <a:schemeClr val="tx1">
-                            <a:lumMod val="75000"/>
-                            <a:lumOff val="25000"/>
-                          </a:schemeClr>
-                        </a:solidFill>
-                        <a:effectLst/>
-                        <a:latin typeface="Aptos Narrow" panose="020B0004020202020204" pitchFamily="34" charset="0"/>
-                      </a:endParaRPr>
-                    </a:p>
-                  </a:txBody>
-                  <a:tcPr marL="113187" marR="4516" marT="56594" marB="56594" anchor="b">
-                    <a:lnL w="9525" cap="flat" cmpd="sng" algn="ctr">
-                      <a:solidFill>
-                        <a:srgbClr val="D8DCDC"/>
-                      </a:solidFill>
-                      <a:prstDash val="solid"/>
-                    </a:lnL>
-                    <a:lnR w="9525" cap="flat" cmpd="sng" algn="ctr">
-                      <a:solidFill>
-                        <a:srgbClr val="D8DCDC"/>
-                      </a:solidFill>
-                      <a:prstDash val="solid"/>
-                    </a:lnR>
-                    <a:lnT w="9525" cap="flat" cmpd="sng" algn="ctr">
-                      <a:solidFill>
-                        <a:srgbClr val="D8DCDC"/>
-                      </a:solidFill>
-                      <a:prstDash val="solid"/>
-                    </a:lnT>
-                    <a:lnB w="9525" cap="flat" cmpd="sng" algn="ctr">
-                      <a:solidFill>
-                        <a:srgbClr val="D8DCDC"/>
-                      </a:solidFill>
-                      <a:prstDash val="solid"/>
-                    </a:lnB>
-                    <a:solidFill>
-                      <a:srgbClr val="D8DEDC">
-                        <a:alpha val="20000"/>
-                      </a:srgbClr>
-                    </a:solidFill>
-                  </a:tcPr>
-                </a:tc>
-                <a:extLst>
-                  <a:ext uri="{0D108BD9-81ED-4DB2-BD59-A6C34878D82A}">
-                    <a16:rowId xmlns:a16="http://schemas.microsoft.com/office/drawing/2014/main" val="594469610"/>
-                  </a:ext>
-                </a:extLst>
-              </a:tr>
-              <a:tr h="277309">
-                <a:tc>
-                  <a:txBody>
-                    <a:bodyPr/>
-                    <a:lstStyle/>
-                    <a:p>
-                      <a:pPr algn="l" fontAlgn="b"/>
-                      <a:r>
-                        <a:rPr lang="de-DE" sz="900" u="none" strike="noStrike">
-                          <a:solidFill>
-                            <a:schemeClr val="tx1">
-                              <a:lumMod val="75000"/>
-                              <a:lumOff val="25000"/>
-                            </a:schemeClr>
-                          </a:solidFill>
-                          <a:effectLst/>
-                        </a:rPr>
-                        <a:t>Zusatz 15</a:t>
-                      </a:r>
-                      <a:endParaRPr lang="de-DE" sz="900" b="0" i="0" u="none" strike="noStrike">
-                        <a:solidFill>
-                          <a:schemeClr val="tx1">
-                            <a:lumMod val="75000"/>
-                            <a:lumOff val="25000"/>
-                          </a:schemeClr>
-                        </a:solidFill>
-                        <a:effectLst/>
-                        <a:latin typeface="Aptos Narrow" panose="020B0004020202020204" pitchFamily="34" charset="0"/>
-                      </a:endParaRPr>
-                    </a:p>
-                  </a:txBody>
-                  <a:tcPr marL="113187" marR="4516" marT="56594" marB="56594" anchor="b">
-                    <a:lnL w="9525" cap="flat" cmpd="sng" algn="ctr">
-                      <a:solidFill>
-                        <a:srgbClr val="D8DEDC"/>
-                      </a:solidFill>
-                      <a:prstDash val="solid"/>
-                    </a:lnL>
-                    <a:lnR w="9525" cap="flat" cmpd="sng" algn="ctr">
-                      <a:solidFill>
-                        <a:srgbClr val="D8DEDC"/>
-                      </a:solidFill>
-                      <a:prstDash val="solid"/>
-                    </a:lnR>
-                    <a:lnT w="9525" cap="flat" cmpd="sng" algn="ctr">
-                      <a:solidFill>
-                        <a:srgbClr val="D8DCDC"/>
-                      </a:solidFill>
-                      <a:prstDash val="solid"/>
-                    </a:lnT>
-                    <a:lnB w="9525" cap="flat" cmpd="sng" algn="ctr">
-                      <a:solidFill>
-                        <a:srgbClr val="D8DCDC"/>
-                      </a:solidFill>
-                      <a:prstDash val="solid"/>
-                    </a:lnB>
-                    <a:noFill/>
-                  </a:tcPr>
-                </a:tc>
-                <a:tc>
-                  <a:txBody>
-                    <a:bodyPr/>
-                    <a:lstStyle/>
-                    <a:p>
-                      <a:pPr algn="l" fontAlgn="b"/>
-                      <a:r>
-                        <a:rPr lang="de-DE" sz="900" u="none" strike="noStrike">
-                          <a:solidFill>
-                            <a:schemeClr val="tx1">
-                              <a:lumMod val="75000"/>
-                              <a:lumOff val="25000"/>
-                            </a:schemeClr>
-                          </a:solidFill>
-                          <a:effectLst/>
-                        </a:rPr>
-                        <a:t>Kombiniert mit Funktoinstest</a:t>
-                      </a:r>
-                      <a:endParaRPr lang="de-DE" sz="900" b="0" i="0" u="none" strike="noStrike">
-                        <a:solidFill>
-                          <a:schemeClr val="tx1">
-                            <a:lumMod val="75000"/>
-                            <a:lumOff val="25000"/>
-                          </a:schemeClr>
-                        </a:solidFill>
-                        <a:effectLst/>
-                        <a:latin typeface="Aptos Narrow" panose="020B0004020202020204" pitchFamily="34" charset="0"/>
-                      </a:endParaRPr>
-                    </a:p>
-                  </a:txBody>
-                  <a:tcPr marL="113187" marR="4516" marT="56594" marB="56594" anchor="b">
-                    <a:lnL w="9525" cap="flat" cmpd="sng" algn="ctr">
-                      <a:solidFill>
-                        <a:srgbClr val="D8DEDC"/>
-                      </a:solidFill>
-                      <a:prstDash val="solid"/>
-                    </a:lnL>
-                    <a:lnR w="9525" cap="flat" cmpd="sng" algn="ctr">
-                      <a:solidFill>
-                        <a:srgbClr val="D8DEDC"/>
-                      </a:solidFill>
-                      <a:prstDash val="solid"/>
-                    </a:lnR>
-                    <a:lnT w="9525" cap="flat" cmpd="sng" algn="ctr">
-                      <a:solidFill>
-                        <a:srgbClr val="D8DEDC"/>
-                      </a:solidFill>
-                      <a:prstDash val="solid"/>
-                    </a:lnT>
-                    <a:lnB w="9525" cap="flat" cmpd="sng" algn="ctr">
-                      <a:solidFill>
-                        <a:srgbClr val="D8DCDC"/>
-                      </a:solidFill>
-                      <a:prstDash val="solid"/>
-                    </a:lnB>
-                    <a:noFill/>
-                  </a:tcPr>
-                </a:tc>
-                <a:tc>
-                  <a:txBody>
-                    <a:bodyPr/>
-                    <a:lstStyle/>
-                    <a:p>
-                      <a:pPr algn="l" fontAlgn="b"/>
-                      <a:endParaRPr lang="de-DE" sz="900" b="0" i="0" u="none" strike="noStrike">
-                        <a:solidFill>
-                          <a:schemeClr val="tx1">
-                            <a:lumMod val="75000"/>
-                            <a:lumOff val="25000"/>
-                          </a:schemeClr>
-                        </a:solidFill>
-                        <a:effectLst/>
-                        <a:latin typeface="Aptos Narrow" panose="020B0004020202020204" pitchFamily="34" charset="0"/>
-                      </a:endParaRPr>
-                    </a:p>
-                  </a:txBody>
-                  <a:tcPr marL="113187" marR="4516" marT="56594" marB="56594" anchor="b">
-                    <a:lnL w="9525" cap="flat" cmpd="sng" algn="ctr">
-                      <a:solidFill>
-                        <a:srgbClr val="D8DEDC"/>
-                      </a:solidFill>
-                      <a:prstDash val="solid"/>
-                    </a:lnL>
-                    <a:lnR w="9525" cap="flat" cmpd="sng" algn="ctr">
-                      <a:solidFill>
-                        <a:srgbClr val="D8DEDC"/>
-                      </a:solidFill>
-                      <a:prstDash val="solid"/>
-                    </a:lnR>
-                    <a:lnT w="9525" cap="flat" cmpd="sng" algn="ctr">
-                      <a:solidFill>
-                        <a:srgbClr val="D8DEDC"/>
-                      </a:solidFill>
-                      <a:prstDash val="solid"/>
-                    </a:lnT>
-                    <a:lnB w="9525" cap="flat" cmpd="sng" algn="ctr">
-                      <a:solidFill>
-                        <a:srgbClr val="D8DCDC"/>
-                      </a:solidFill>
-                      <a:prstDash val="solid"/>
-                    </a:lnB>
-                    <a:noFill/>
-                  </a:tcPr>
-                </a:tc>
-                <a:tc>
-                  <a:txBody>
-                    <a:bodyPr/>
-                    <a:lstStyle/>
-                    <a:p>
-                      <a:pPr algn="l" fontAlgn="b"/>
-                      <a:endParaRPr lang="de-DE" sz="900" b="0" i="0" u="none" strike="noStrike">
-                        <a:solidFill>
-                          <a:schemeClr val="tx1">
-                            <a:lumMod val="75000"/>
-                            <a:lumOff val="25000"/>
-                          </a:schemeClr>
-                        </a:solidFill>
-                        <a:effectLst/>
-                        <a:latin typeface="Aptos Narrow" panose="020B0004020202020204" pitchFamily="34" charset="0"/>
-                      </a:endParaRPr>
-                    </a:p>
-                  </a:txBody>
-                  <a:tcPr marL="113187" marR="4516" marT="56594" marB="56594" anchor="b">
-                    <a:lnL w="9525" cap="flat" cmpd="sng" algn="ctr">
-                      <a:solidFill>
-                        <a:srgbClr val="D8DEDC"/>
-                      </a:solidFill>
-                      <a:prstDash val="solid"/>
-                    </a:lnL>
-                    <a:lnR w="9525" cap="flat" cmpd="sng" algn="ctr">
-                      <a:solidFill>
-                        <a:srgbClr val="D8DEDC"/>
-                      </a:solidFill>
-                      <a:prstDash val="solid"/>
-                    </a:lnR>
-                    <a:lnT w="9525" cap="flat" cmpd="sng" algn="ctr">
-                      <a:solidFill>
-                        <a:srgbClr val="D8DCDC"/>
-                      </a:solidFill>
-                      <a:prstDash val="solid"/>
-                    </a:lnT>
-                    <a:lnB w="9525" cap="flat" cmpd="sng" algn="ctr">
-                      <a:solidFill>
-                        <a:srgbClr val="D8DCDC"/>
-                      </a:solidFill>
-                      <a:prstDash val="solid"/>
-                    </a:lnB>
-                    <a:noFill/>
-                  </a:tcPr>
-                </a:tc>
-                <a:tc>
-                  <a:txBody>
-                    <a:bodyPr/>
-                    <a:lstStyle/>
-                    <a:p>
-                      <a:pPr algn="l" fontAlgn="b"/>
-                      <a:endParaRPr lang="de-DE" sz="900" b="0" i="0" u="none" strike="noStrike">
-                        <a:solidFill>
-                          <a:schemeClr val="tx1">
-                            <a:lumMod val="75000"/>
-                            <a:lumOff val="25000"/>
-                          </a:schemeClr>
-                        </a:solidFill>
-                        <a:effectLst/>
-                        <a:latin typeface="Aptos Narrow" panose="020B0004020202020204" pitchFamily="34" charset="0"/>
-                      </a:endParaRPr>
-                    </a:p>
-                  </a:txBody>
-                  <a:tcPr marL="113187" marR="4516" marT="56594" marB="56594" anchor="b">
-                    <a:lnL w="9525" cap="flat" cmpd="sng" algn="ctr">
-                      <a:solidFill>
-                        <a:srgbClr val="D8DEDC"/>
-                      </a:solidFill>
-                      <a:prstDash val="solid"/>
-                    </a:lnL>
-                    <a:lnR w="9525" cap="flat" cmpd="sng" algn="ctr">
-                      <a:solidFill>
-                        <a:srgbClr val="D8DEDC"/>
-                      </a:solidFill>
-                      <a:prstDash val="solid"/>
-                    </a:lnR>
-                    <a:lnT w="9525" cap="flat" cmpd="sng" algn="ctr">
-                      <a:solidFill>
-                        <a:srgbClr val="D8DCDC"/>
-                      </a:solidFill>
-                      <a:prstDash val="solid"/>
-                    </a:lnT>
-                    <a:lnB w="9525" cap="flat" cmpd="sng" algn="ctr">
-                      <a:solidFill>
-                        <a:srgbClr val="D8DCDC"/>
-                      </a:solidFill>
-                      <a:prstDash val="solid"/>
-                    </a:lnB>
-                    <a:noFill/>
-                  </a:tcPr>
-                </a:tc>
-                <a:tc>
-                  <a:txBody>
-                    <a:bodyPr/>
-                    <a:lstStyle/>
-                    <a:p>
-                      <a:pPr algn="l" fontAlgn="b"/>
-                      <a:endParaRPr lang="de-DE" sz="900" b="0" i="0" u="none" strike="noStrike">
-                        <a:solidFill>
-                          <a:schemeClr val="tx1">
-                            <a:lumMod val="75000"/>
-                            <a:lumOff val="25000"/>
-                          </a:schemeClr>
-                        </a:solidFill>
-                        <a:effectLst/>
-                        <a:latin typeface="Aptos Narrow" panose="020B0004020202020204" pitchFamily="34" charset="0"/>
-                      </a:endParaRPr>
-                    </a:p>
-                  </a:txBody>
-                  <a:tcPr marL="113187" marR="4516" marT="56594" marB="56594" anchor="b">
-                    <a:lnL w="9525" cap="flat" cmpd="sng" algn="ctr">
-                      <a:solidFill>
-                        <a:srgbClr val="D8DEDC"/>
-                      </a:solidFill>
-                      <a:prstDash val="solid"/>
-                    </a:lnL>
-                    <a:lnR w="9525" cap="flat" cmpd="sng" algn="ctr">
-                      <a:solidFill>
-                        <a:srgbClr val="D8DEDC"/>
-                      </a:solidFill>
-                      <a:prstDash val="solid"/>
-                    </a:lnR>
-                    <a:lnT w="9525" cap="flat" cmpd="sng" algn="ctr">
-                      <a:solidFill>
-                        <a:srgbClr val="D8DCDC"/>
-                      </a:solidFill>
-                      <a:prstDash val="solid"/>
-                    </a:lnT>
-                    <a:lnB w="9525" cap="flat" cmpd="sng" algn="ctr">
-                      <a:solidFill>
-                        <a:srgbClr val="D8DCDC"/>
-                      </a:solidFill>
-                      <a:prstDash val="solid"/>
-                    </a:lnB>
-                    <a:noFill/>
-                  </a:tcPr>
-                </a:tc>
-                <a:extLst>
-                  <a:ext uri="{0D108BD9-81ED-4DB2-BD59-A6C34878D82A}">
-                    <a16:rowId xmlns:a16="http://schemas.microsoft.com/office/drawing/2014/main" val="3601949212"/>
-                  </a:ext>
-                </a:extLst>
-              </a:tr>
-              <a:tr h="560278">
-                <a:tc>
-                  <a:txBody>
-                    <a:bodyPr/>
-                    <a:lstStyle/>
-                    <a:p>
-                      <a:pPr algn="l" fontAlgn="b"/>
-                      <a:r>
-                        <a:rPr lang="de-DE" sz="900" u="none" strike="noStrike">
-                          <a:solidFill>
-                            <a:schemeClr val="tx1">
-                              <a:lumMod val="75000"/>
-                              <a:lumOff val="25000"/>
-                            </a:schemeClr>
-                          </a:solidFill>
-                          <a:effectLst/>
-                        </a:rPr>
-                        <a:t>Zusatz 16</a:t>
-                      </a:r>
-                      <a:endParaRPr lang="de-DE" sz="900" b="0" i="0" u="none" strike="noStrike">
-                        <a:solidFill>
-                          <a:schemeClr val="tx1">
-                            <a:lumMod val="75000"/>
-                            <a:lumOff val="25000"/>
-                          </a:schemeClr>
-                        </a:solidFill>
-                        <a:effectLst/>
-                        <a:latin typeface="Aptos Narrow" panose="020B0004020202020204" pitchFamily="34" charset="0"/>
-                      </a:endParaRPr>
-                    </a:p>
-                  </a:txBody>
-                  <a:tcPr marL="113187" marR="4516" marT="56594" marB="56594" anchor="b">
-                    <a:lnL w="9525" cap="flat" cmpd="sng" algn="ctr">
-                      <a:solidFill>
-                        <a:srgbClr val="D8DCDC"/>
-                      </a:solidFill>
-                      <a:prstDash val="solid"/>
-                    </a:lnL>
-                    <a:lnR w="9525" cap="flat" cmpd="sng" algn="ctr">
-                      <a:solidFill>
-                        <a:srgbClr val="D8DCDC"/>
-                      </a:solidFill>
-                      <a:prstDash val="solid"/>
-                    </a:lnR>
-                    <a:lnT w="9525" cap="flat" cmpd="sng" algn="ctr">
-                      <a:solidFill>
-                        <a:srgbClr val="D8DCDC"/>
-                      </a:solidFill>
-                      <a:prstDash val="solid"/>
-                    </a:lnT>
-                    <a:lnB w="9525" cap="flat" cmpd="sng" algn="ctr">
-                      <a:solidFill>
-                        <a:srgbClr val="D8DCDC"/>
-                      </a:solidFill>
-                      <a:prstDash val="solid"/>
-                    </a:lnB>
-                    <a:solidFill>
-                      <a:srgbClr val="D8DEDC">
-                        <a:alpha val="20000"/>
-                      </a:srgbClr>
-                    </a:solidFill>
-                  </a:tcPr>
-                </a:tc>
-                <a:tc>
-                  <a:txBody>
-                    <a:bodyPr/>
-                    <a:lstStyle/>
-                    <a:p>
-                      <a:pPr algn="l" fontAlgn="b"/>
-                      <a:r>
-                        <a:rPr lang="de-DE" sz="900" u="none" strike="noStrike">
-                          <a:solidFill>
-                            <a:schemeClr val="tx1">
-                              <a:lumMod val="75000"/>
-                              <a:lumOff val="25000"/>
-                            </a:schemeClr>
-                          </a:solidFill>
-                          <a:effectLst/>
-                        </a:rPr>
-                        <a:t>Zeitkritischer Test der Cellbalancing Aktivierung (obere Grenze)</a:t>
-                      </a:r>
-                      <a:endParaRPr lang="de-DE" sz="900" b="0" i="0" u="none" strike="noStrike">
-                        <a:solidFill>
-                          <a:schemeClr val="tx1">
-                            <a:lumMod val="75000"/>
-                            <a:lumOff val="25000"/>
-                          </a:schemeClr>
-                        </a:solidFill>
-                        <a:effectLst/>
-                        <a:latin typeface="Aptos Narrow" panose="020B0004020202020204" pitchFamily="34" charset="0"/>
-                      </a:endParaRPr>
-                    </a:p>
-                  </a:txBody>
-                  <a:tcPr marL="113187" marR="4516" marT="56594" marB="56594" anchor="b">
-                    <a:lnL w="9525" cap="flat" cmpd="sng" algn="ctr">
-                      <a:solidFill>
-                        <a:srgbClr val="D8DCDC"/>
-                      </a:solidFill>
-                      <a:prstDash val="solid"/>
-                    </a:lnL>
-                    <a:lnR w="9525" cap="flat" cmpd="sng" algn="ctr">
-                      <a:solidFill>
-                        <a:srgbClr val="D8DCDC"/>
-                      </a:solidFill>
-                      <a:prstDash val="solid"/>
-                    </a:lnR>
-                    <a:lnT w="9525" cap="flat" cmpd="sng" algn="ctr">
-                      <a:solidFill>
-                        <a:srgbClr val="D8DCDC"/>
-                      </a:solidFill>
-                      <a:prstDash val="solid"/>
-                    </a:lnT>
-                    <a:lnB w="9525" cap="flat" cmpd="sng" algn="ctr">
-                      <a:solidFill>
-                        <a:srgbClr val="D8DCDC"/>
-                      </a:solidFill>
-                      <a:prstDash val="solid"/>
-                    </a:lnB>
-                    <a:solidFill>
-                      <a:srgbClr val="D8DEDC">
-                        <a:alpha val="20000"/>
-                      </a:srgbClr>
-                    </a:solidFill>
-                  </a:tcPr>
-                </a:tc>
-                <a:tc>
-                  <a:txBody>
-                    <a:bodyPr/>
-                    <a:lstStyle/>
-                    <a:p>
-                      <a:pPr algn="l" fontAlgn="b"/>
-                      <a:r>
-                        <a:rPr lang="de-DE" sz="900" u="none" strike="noStrike">
-                          <a:solidFill>
-                            <a:schemeClr val="tx1">
-                              <a:lumMod val="75000"/>
-                              <a:lumOff val="25000"/>
-                            </a:schemeClr>
-                          </a:solidFill>
-                          <a:effectLst/>
-                        </a:rPr>
-                        <a:t>Status des Cellbalancing zeitlich tracken</a:t>
-                      </a:r>
-                      <a:endParaRPr lang="de-DE" sz="900" b="0" i="0" u="none" strike="noStrike">
-                        <a:solidFill>
-                          <a:schemeClr val="tx1">
-                            <a:lumMod val="75000"/>
-                            <a:lumOff val="25000"/>
-                          </a:schemeClr>
-                        </a:solidFill>
-                        <a:effectLst/>
-                        <a:latin typeface="Aptos Narrow" panose="020B0004020202020204" pitchFamily="34" charset="0"/>
-                      </a:endParaRPr>
-                    </a:p>
-                  </a:txBody>
-                  <a:tcPr marL="113187" marR="4516" marT="56594" marB="56594" anchor="b">
-                    <a:lnL w="9525" cap="flat" cmpd="sng" algn="ctr">
-                      <a:solidFill>
-                        <a:srgbClr val="D8DCDC"/>
-                      </a:solidFill>
-                      <a:prstDash val="solid"/>
-                    </a:lnL>
-                    <a:lnR w="9525" cap="flat" cmpd="sng" algn="ctr">
-                      <a:solidFill>
-                        <a:srgbClr val="D8DCDC"/>
-                      </a:solidFill>
-                      <a:prstDash val="solid"/>
-                    </a:lnR>
-                    <a:lnT w="9525" cap="flat" cmpd="sng" algn="ctr">
-                      <a:solidFill>
-                        <a:srgbClr val="D8DCDC"/>
-                      </a:solidFill>
-                      <a:prstDash val="solid"/>
-                    </a:lnT>
-                    <a:lnB w="9525" cap="flat" cmpd="sng" algn="ctr">
-                      <a:solidFill>
-                        <a:srgbClr val="D8DCDC"/>
-                      </a:solidFill>
-                      <a:prstDash val="solid"/>
-                    </a:lnB>
-                    <a:solidFill>
-                      <a:srgbClr val="D8DEDC">
-                        <a:alpha val="20000"/>
-                      </a:srgbClr>
-                    </a:solidFill>
-                  </a:tcPr>
-                </a:tc>
-                <a:tc>
-                  <a:txBody>
-                    <a:bodyPr/>
-                    <a:lstStyle/>
-                    <a:p>
-                      <a:pPr algn="l" fontAlgn="b"/>
-                      <a:endParaRPr lang="de-DE" sz="900" b="0" i="0" u="none" strike="noStrike">
-                        <a:solidFill>
-                          <a:schemeClr val="tx1">
-                            <a:lumMod val="75000"/>
-                            <a:lumOff val="25000"/>
-                          </a:schemeClr>
-                        </a:solidFill>
-                        <a:effectLst/>
-                        <a:latin typeface="Aptos Narrow" panose="020B0004020202020204" pitchFamily="34" charset="0"/>
-                      </a:endParaRPr>
-                    </a:p>
-                  </a:txBody>
-                  <a:tcPr marL="113187" marR="4516" marT="56594" marB="56594" anchor="b">
-                    <a:lnL w="9525" cap="flat" cmpd="sng" algn="ctr">
-                      <a:solidFill>
-                        <a:srgbClr val="D8DCDC"/>
-                      </a:solidFill>
-                      <a:prstDash val="solid"/>
-                    </a:lnL>
-                    <a:lnR w="9525" cap="flat" cmpd="sng" algn="ctr">
-                      <a:solidFill>
-                        <a:srgbClr val="D8DCDC"/>
-                      </a:solidFill>
-                      <a:prstDash val="solid"/>
-                    </a:lnR>
-                    <a:lnT w="9525" cap="flat" cmpd="sng" algn="ctr">
-                      <a:solidFill>
-                        <a:srgbClr val="D8DCDC"/>
-                      </a:solidFill>
-                      <a:prstDash val="solid"/>
-                    </a:lnT>
-                    <a:lnB w="9525" cap="flat" cmpd="sng" algn="ctr">
-                      <a:solidFill>
-                        <a:srgbClr val="D8DCDC"/>
-                      </a:solidFill>
-                      <a:prstDash val="solid"/>
-                    </a:lnB>
-                    <a:solidFill>
-                      <a:srgbClr val="D8DEDC">
-                        <a:alpha val="20000"/>
-                      </a:srgbClr>
-                    </a:solidFill>
-                  </a:tcPr>
-                </a:tc>
-                <a:tc>
-                  <a:txBody>
-                    <a:bodyPr/>
-                    <a:lstStyle/>
-                    <a:p>
-                      <a:pPr algn="l" fontAlgn="b"/>
-                      <a:r>
-                        <a:rPr lang="de-DE" sz="900" u="none" strike="noStrike">
-                          <a:solidFill>
-                            <a:schemeClr val="tx1">
-                              <a:lumMod val="75000"/>
-                              <a:lumOff val="25000"/>
-                            </a:schemeClr>
-                          </a:solidFill>
-                          <a:effectLst/>
-                        </a:rPr>
-                        <a:t>setbalActive alle 400ms gesetzt, Rest der Zeit =0</a:t>
-                      </a:r>
-                      <a:endParaRPr lang="de-DE" sz="900" b="0" i="0" u="none" strike="noStrike">
-                        <a:solidFill>
-                          <a:schemeClr val="tx1">
-                            <a:lumMod val="75000"/>
-                            <a:lumOff val="25000"/>
-                          </a:schemeClr>
-                        </a:solidFill>
-                        <a:effectLst/>
-                        <a:latin typeface="Aptos Narrow" panose="020B0004020202020204" pitchFamily="34" charset="0"/>
-                      </a:endParaRPr>
-                    </a:p>
-                  </a:txBody>
-                  <a:tcPr marL="113187" marR="4516" marT="56594" marB="56594" anchor="b">
-                    <a:lnL w="9525" cap="flat" cmpd="sng" algn="ctr">
-                      <a:solidFill>
-                        <a:srgbClr val="D8DCDC"/>
-                      </a:solidFill>
-                      <a:prstDash val="solid"/>
-                    </a:lnL>
-                    <a:lnR w="9525" cap="flat" cmpd="sng" algn="ctr">
-                      <a:solidFill>
-                        <a:srgbClr val="D8DCDC"/>
-                      </a:solidFill>
-                      <a:prstDash val="solid"/>
-                    </a:lnR>
-                    <a:lnT w="9525" cap="flat" cmpd="sng" algn="ctr">
-                      <a:solidFill>
-                        <a:srgbClr val="D8DCDC"/>
-                      </a:solidFill>
-                      <a:prstDash val="solid"/>
-                    </a:lnT>
-                    <a:lnB w="9525" cap="flat" cmpd="sng" algn="ctr">
-                      <a:solidFill>
-                        <a:srgbClr val="D8DCDC"/>
-                      </a:solidFill>
-                      <a:prstDash val="solid"/>
-                    </a:lnB>
-                    <a:solidFill>
-                      <a:srgbClr val="D8DEDC">
-                        <a:alpha val="20000"/>
-                      </a:srgbClr>
-                    </a:solidFill>
-                  </a:tcPr>
-                </a:tc>
-                <a:tc>
-                  <a:txBody>
-                    <a:bodyPr/>
-                    <a:lstStyle/>
-                    <a:p>
-                      <a:pPr algn="l" fontAlgn="b"/>
-                      <a:r>
-                        <a:rPr lang="de-DE" sz="900" u="none" strike="noStrike">
-                          <a:solidFill>
-                            <a:schemeClr val="tx1">
-                              <a:lumMod val="75000"/>
-                              <a:lumOff val="25000"/>
-                            </a:schemeClr>
-                          </a:solidFill>
-                          <a:effectLst/>
-                        </a:rPr>
-                        <a:t>Grenzwert von 400ms wird Anforderungsbedingt nicht eingehalten </a:t>
-                      </a:r>
-                      <a:endParaRPr lang="de-DE" sz="900" b="0" i="0" u="none" strike="noStrike">
-                        <a:solidFill>
-                          <a:schemeClr val="tx1">
-                            <a:lumMod val="75000"/>
-                            <a:lumOff val="25000"/>
-                          </a:schemeClr>
-                        </a:solidFill>
-                        <a:effectLst/>
-                        <a:latin typeface="Aptos Narrow" panose="020B0004020202020204" pitchFamily="34" charset="0"/>
-                      </a:endParaRPr>
-                    </a:p>
-                  </a:txBody>
-                  <a:tcPr marL="113187" marR="4516" marT="56594" marB="56594" anchor="b">
-                    <a:lnL w="9525" cap="flat" cmpd="sng" algn="ctr">
-                      <a:solidFill>
-                        <a:srgbClr val="D8DCDC"/>
-                      </a:solidFill>
-                      <a:prstDash val="solid"/>
-                    </a:lnL>
-                    <a:lnR w="9525" cap="flat" cmpd="sng" algn="ctr">
-                      <a:solidFill>
-                        <a:srgbClr val="D8DCDC"/>
-                      </a:solidFill>
-                      <a:prstDash val="solid"/>
-                    </a:lnR>
-                    <a:lnT w="9525" cap="flat" cmpd="sng" algn="ctr">
-                      <a:solidFill>
-                        <a:srgbClr val="D8DCDC"/>
-                      </a:solidFill>
-                      <a:prstDash val="solid"/>
-                    </a:lnT>
-                    <a:lnB w="9525" cap="flat" cmpd="sng" algn="ctr">
-                      <a:solidFill>
-                        <a:srgbClr val="D8DCDC"/>
-                      </a:solidFill>
-                      <a:prstDash val="solid"/>
-                    </a:lnB>
-                    <a:solidFill>
-                      <a:srgbClr val="D8DEDC">
-                        <a:alpha val="20000"/>
-                      </a:srgbClr>
-                    </a:solidFill>
-                  </a:tcPr>
-                </a:tc>
-                <a:extLst>
-                  <a:ext uri="{0D108BD9-81ED-4DB2-BD59-A6C34878D82A}">
-                    <a16:rowId xmlns:a16="http://schemas.microsoft.com/office/drawing/2014/main" val="1302545927"/>
-                  </a:ext>
-                </a:extLst>
-              </a:tr>
-              <a:tr h="560278">
-                <a:tc>
-                  <a:txBody>
-                    <a:bodyPr/>
-                    <a:lstStyle/>
-                    <a:p>
-                      <a:pPr algn="l" fontAlgn="b"/>
-                      <a:endParaRPr lang="de-DE" sz="900" b="0" i="0" u="none" strike="noStrike">
-                        <a:solidFill>
-                          <a:schemeClr val="tx1">
-                            <a:lumMod val="75000"/>
-                            <a:lumOff val="25000"/>
-                          </a:schemeClr>
-                        </a:solidFill>
-                        <a:effectLst/>
-                        <a:latin typeface="Aptos Narrow" panose="020B0004020202020204" pitchFamily="34" charset="0"/>
-                      </a:endParaRPr>
-                    </a:p>
-                  </a:txBody>
-                  <a:tcPr marL="113187" marR="4516" marT="56594" marB="56594" anchor="b">
-                    <a:lnL w="9525" cap="flat" cmpd="sng" algn="ctr">
-                      <a:solidFill>
-                        <a:srgbClr val="D8DEDC"/>
-                      </a:solidFill>
-                      <a:prstDash val="solid"/>
-                    </a:lnL>
-                    <a:lnR w="9525" cap="flat" cmpd="sng" algn="ctr">
-                      <a:solidFill>
-                        <a:srgbClr val="D8DEDC"/>
-                      </a:solidFill>
-                      <a:prstDash val="solid"/>
-                    </a:lnR>
-                    <a:lnT w="9525" cap="flat" cmpd="sng" algn="ctr">
-                      <a:solidFill>
-                        <a:srgbClr val="D8DCDC"/>
-                      </a:solidFill>
-                      <a:prstDash val="solid"/>
-                    </a:lnT>
-                    <a:lnB w="9525" cap="flat" cmpd="sng" algn="ctr">
-                      <a:solidFill>
-                        <a:srgbClr val="D8DEDC"/>
-                      </a:solidFill>
-                      <a:prstDash val="solid"/>
-                    </a:lnB>
-                    <a:noFill/>
-                  </a:tcPr>
-                </a:tc>
-                <a:tc>
-                  <a:txBody>
-                    <a:bodyPr/>
-                    <a:lstStyle/>
-                    <a:p>
-                      <a:pPr algn="l" fontAlgn="b"/>
-                      <a:r>
-                        <a:rPr lang="de-DE" sz="900" u="none" strike="noStrike">
-                          <a:solidFill>
-                            <a:schemeClr val="tx1">
-                              <a:lumMod val="75000"/>
-                              <a:lumOff val="25000"/>
-                            </a:schemeClr>
-                          </a:solidFill>
-                          <a:effectLst/>
-                        </a:rPr>
-                        <a:t>Zeitliche Abfolge des Cellbalancings (untere Grenze)</a:t>
-                      </a:r>
-                      <a:endParaRPr lang="de-DE" sz="900" b="0" i="0" u="none" strike="noStrike">
-                        <a:solidFill>
-                          <a:schemeClr val="tx1">
-                            <a:lumMod val="75000"/>
-                            <a:lumOff val="25000"/>
-                          </a:schemeClr>
-                        </a:solidFill>
-                        <a:effectLst/>
-                        <a:latin typeface="Aptos Narrow" panose="020B0004020202020204" pitchFamily="34" charset="0"/>
-                      </a:endParaRPr>
-                    </a:p>
-                  </a:txBody>
-                  <a:tcPr marL="113187" marR="4516" marT="56594" marB="56594" anchor="b">
-                    <a:lnL w="9525" cap="flat" cmpd="sng" algn="ctr">
-                      <a:solidFill>
-                        <a:srgbClr val="D8DEDC"/>
-                      </a:solidFill>
-                      <a:prstDash val="solid"/>
-                    </a:lnL>
-                    <a:lnR w="9525" cap="flat" cmpd="sng" algn="ctr">
-                      <a:solidFill>
-                        <a:srgbClr val="D8DEDC"/>
-                      </a:solidFill>
-                      <a:prstDash val="solid"/>
-                    </a:lnR>
-                    <a:lnT w="9525" cap="flat" cmpd="sng" algn="ctr">
-                      <a:solidFill>
-                        <a:srgbClr val="D8DCDC"/>
-                      </a:solidFill>
-                      <a:prstDash val="solid"/>
-                    </a:lnT>
-                    <a:lnB w="9525" cap="flat" cmpd="sng" algn="ctr">
-                      <a:solidFill>
-                        <a:srgbClr val="D8DEDC"/>
-                      </a:solidFill>
-                      <a:prstDash val="solid"/>
-                    </a:lnB>
-                    <a:noFill/>
-                  </a:tcPr>
-                </a:tc>
-                <a:tc>
-                  <a:txBody>
-                    <a:bodyPr/>
-                    <a:lstStyle/>
-                    <a:p>
-                      <a:pPr algn="l" fontAlgn="b"/>
-                      <a:r>
-                        <a:rPr lang="de-DE" sz="900" u="none" strike="noStrike">
-                          <a:solidFill>
-                            <a:schemeClr val="tx1">
-                              <a:lumMod val="75000"/>
-                              <a:lumOff val="25000"/>
-                            </a:schemeClr>
-                          </a:solidFill>
-                          <a:effectLst/>
-                        </a:rPr>
-                        <a:t>Werte vorgeben, in denen mehrere Zellen gleichzeitig balancing benötigen</a:t>
-                      </a:r>
-                      <a:endParaRPr lang="de-DE" sz="900" b="0" i="0" u="none" strike="noStrike">
-                        <a:solidFill>
-                          <a:schemeClr val="tx1">
-                            <a:lumMod val="75000"/>
-                            <a:lumOff val="25000"/>
-                          </a:schemeClr>
-                        </a:solidFill>
-                        <a:effectLst/>
-                        <a:latin typeface="Aptos Narrow" panose="020B0004020202020204" pitchFamily="34" charset="0"/>
-                      </a:endParaRPr>
-                    </a:p>
-                  </a:txBody>
-                  <a:tcPr marL="113187" marR="4516" marT="56594" marB="56594" anchor="b">
-                    <a:lnL w="9525" cap="flat" cmpd="sng" algn="ctr">
-                      <a:solidFill>
-                        <a:srgbClr val="D8DEDC"/>
-                      </a:solidFill>
-                      <a:prstDash val="solid"/>
-                    </a:lnL>
-                    <a:lnR w="9525" cap="flat" cmpd="sng" algn="ctr">
-                      <a:solidFill>
-                        <a:srgbClr val="D8DEDC"/>
-                      </a:solidFill>
-                      <a:prstDash val="solid"/>
-                    </a:lnR>
-                    <a:lnT w="9525" cap="flat" cmpd="sng" algn="ctr">
-                      <a:solidFill>
-                        <a:srgbClr val="D8DCDC"/>
-                      </a:solidFill>
-                      <a:prstDash val="solid"/>
-                    </a:lnT>
-                    <a:lnB w="9525" cap="flat" cmpd="sng" algn="ctr">
-                      <a:solidFill>
-                        <a:srgbClr val="D8DEDC"/>
-                      </a:solidFill>
-                      <a:prstDash val="solid"/>
-                    </a:lnB>
-                    <a:noFill/>
                   </a:tcPr>
                 </a:tc>
                 <a:tc>
@@ -10390,7 +10743,7 @@
                           </a:solidFill>
                           <a:effectLst/>
                         </a:rPr>
-                        <a:t>Vcell[3.5, 4.5, 4.0, 4.0]</a:t>
+                        <a:t>Grenzwert von 400ms wird Anforderungsbedingt nicht eingehalten </a:t>
                       </a:r>
                       <a:endParaRPr lang="de-DE" sz="900" b="0" i="0" u="none" strike="noStrike" dirty="0">
                         <a:solidFill>
@@ -10404,16 +10757,16 @@
                       </a:endParaRPr>
                     </a:p>
                   </a:txBody>
-                  <a:tcPr marL="113187" marR="4516" marT="56594" marB="56594" anchor="b">
+                  <a:tcPr marL="113187" marR="4516" marT="56594" marB="56594" anchor="ctr">
                     <a:lnL w="9525" cap="flat" cmpd="sng" algn="ctr">
                       <a:solidFill>
-                        <a:srgbClr val="D8DEDC"/>
+                        <a:srgbClr val="D8DCDC"/>
                       </a:solidFill>
                       <a:prstDash val="solid"/>
                     </a:lnL>
                     <a:lnR w="9525" cap="flat" cmpd="sng" algn="ctr">
                       <a:solidFill>
-                        <a:srgbClr val="D8DEDC"/>
+                        <a:srgbClr val="D8DCDC"/>
                       </a:solidFill>
                       <a:prstDash val="solid"/>
                     </a:lnR>
@@ -10425,77 +10778,30 @@
                     </a:lnT>
                     <a:lnB w="9525" cap="flat" cmpd="sng" algn="ctr">
                       <a:solidFill>
-                        <a:srgbClr val="D8DEDC"/>
+                        <a:srgbClr val="D8DCDC"/>
                       </a:solidFill>
                       <a:prstDash val="solid"/>
                     </a:lnB>
-                    <a:noFill/>
+                    <a:solidFill>
+                      <a:srgbClr val="D8DEDC">
+                        <a:alpha val="20000"/>
+                      </a:srgbClr>
+                    </a:solidFill>
                   </a:tcPr>
                 </a:tc>
-                <a:tc>
+                <a:extLst>
+                  <a:ext uri="{0D108BD9-81ED-4DB2-BD59-A6C34878D82A}">
+                    <a16:rowId xmlns:a16="http://schemas.microsoft.com/office/drawing/2014/main" val="1302545927"/>
+                  </a:ext>
+                </a:extLst>
+              </a:tr>
+              <a:tr h="560278">
+                <a:tc vMerge="1">
                   <a:txBody>
                     <a:bodyPr/>
                     <a:lstStyle/>
                     <a:p>
                       <a:pPr algn="l" fontAlgn="b"/>
-                      <a:endParaRPr lang="de-DE" sz="900" b="0" i="0" u="none" strike="noStrike">
-                        <a:solidFill>
-                          <a:schemeClr val="tx1">
-                            <a:lumMod val="75000"/>
-                            <a:lumOff val="25000"/>
-                          </a:schemeClr>
-                        </a:solidFill>
-                        <a:effectLst/>
-                        <a:latin typeface="Aptos Narrow" panose="020B0004020202020204" pitchFamily="34" charset="0"/>
-                      </a:endParaRPr>
-                    </a:p>
-                  </a:txBody>
-                  <a:tcPr marL="113187" marR="4516" marT="56594" marB="56594" anchor="b">
-                    <a:lnL w="9525" cap="flat" cmpd="sng" algn="ctr">
-                      <a:solidFill>
-                        <a:srgbClr val="D8DEDC"/>
-                      </a:solidFill>
-                      <a:prstDash val="solid"/>
-                    </a:lnL>
-                    <a:lnR w="9525" cap="flat" cmpd="sng" algn="ctr">
-                      <a:solidFill>
-                        <a:srgbClr val="D8DEDC"/>
-                      </a:solidFill>
-                      <a:prstDash val="solid"/>
-                    </a:lnR>
-                    <a:lnT w="9525" cap="flat" cmpd="sng" algn="ctr">
-                      <a:solidFill>
-                        <a:srgbClr val="D8DCDC"/>
-                      </a:solidFill>
-                      <a:prstDash val="solid"/>
-                    </a:lnT>
-                    <a:lnB w="9525" cap="flat" cmpd="sng" algn="ctr">
-                      <a:solidFill>
-                        <a:srgbClr val="D8DEDC"/>
-                      </a:solidFill>
-                      <a:prstDash val="solid"/>
-                    </a:lnB>
-                    <a:noFill/>
-                  </a:tcPr>
-                </a:tc>
-                <a:tc>
-                  <a:txBody>
-                    <a:bodyPr/>
-                    <a:lstStyle/>
-                    <a:p>
-                      <a:pPr algn="l" fontAlgn="b"/>
-                      <a:r>
-                        <a:rPr lang="de-DE" sz="900" u="none" strike="noStrike" dirty="0">
-                          <a:solidFill>
-                            <a:schemeClr val="tx1">
-                              <a:lumMod val="75000"/>
-                              <a:lumOff val="25000"/>
-                            </a:schemeClr>
-                          </a:solidFill>
-                          <a:effectLst/>
-                        </a:rPr>
-                        <a:t>setbalActive wird öfters gesetzt aber erst nach 400ms geändert, davor wird der alte Wert mehrmals gesetzt</a:t>
-                      </a:r>
                       <a:endParaRPr lang="de-DE" sz="900" b="0" i="0" u="none" strike="noStrike" dirty="0">
                         <a:solidFill>
                           <a:schemeClr val="tx1">
@@ -10509,6 +10815,360 @@
                     </a:p>
                   </a:txBody>
                   <a:tcPr marL="113187" marR="4516" marT="56594" marB="56594" anchor="b">
+                    <a:lnL w="9525" cap="flat" cmpd="sng" algn="ctr">
+                      <a:solidFill>
+                        <a:srgbClr val="D8DEDC"/>
+                      </a:solidFill>
+                      <a:prstDash val="solid"/>
+                    </a:lnL>
+                    <a:lnR w="9525" cap="flat" cmpd="sng" algn="ctr">
+                      <a:solidFill>
+                        <a:srgbClr val="D8DEDC"/>
+                      </a:solidFill>
+                      <a:prstDash val="solid"/>
+                    </a:lnR>
+                    <a:lnT w="9525" cap="flat" cmpd="sng" algn="ctr">
+                      <a:solidFill>
+                        <a:srgbClr val="D8DCDC"/>
+                      </a:solidFill>
+                      <a:prstDash val="solid"/>
+                    </a:lnT>
+                    <a:lnB w="9525" cap="flat" cmpd="sng" algn="ctr">
+                      <a:solidFill>
+                        <a:srgbClr val="D8DEDC"/>
+                      </a:solidFill>
+                      <a:prstDash val="solid"/>
+                    </a:lnB>
+                    <a:noFill/>
+                  </a:tcPr>
+                </a:tc>
+                <a:tc>
+                  <a:txBody>
+                    <a:bodyPr/>
+                    <a:lstStyle/>
+                    <a:p>
+                      <a:pPr algn="l" fontAlgn="b"/>
+                      <a:r>
+                        <a:rPr lang="de-DE" sz="900" u="none" strike="noStrike" dirty="0">
+                          <a:solidFill>
+                            <a:schemeClr val="tx1">
+                              <a:lumMod val="75000"/>
+                              <a:lumOff val="25000"/>
+                            </a:schemeClr>
+                          </a:solidFill>
+                          <a:effectLst/>
+                        </a:rPr>
+                        <a:t>Zeitliche Abfolge des Cellbalancings</a:t>
+                      </a:r>
+                      <a:endParaRPr lang="de-DE" sz="900" b="0" i="0" u="none" strike="noStrike" dirty="0">
+                        <a:solidFill>
+                          <a:schemeClr val="tx1">
+                            <a:lumMod val="75000"/>
+                            <a:lumOff val="25000"/>
+                          </a:schemeClr>
+                        </a:solidFill>
+                        <a:effectLst/>
+                        <a:latin typeface="Aptos Narrow" panose="020B0004020202020204" pitchFamily="34" charset="0"/>
+                      </a:endParaRPr>
+                    </a:p>
+                  </a:txBody>
+                  <a:tcPr marL="113187" marR="4516" marT="56594" marB="56594" anchor="ctr">
+                    <a:lnL w="9525" cap="flat" cmpd="sng" algn="ctr">
+                      <a:solidFill>
+                        <a:srgbClr val="D8DEDC"/>
+                      </a:solidFill>
+                      <a:prstDash val="solid"/>
+                    </a:lnL>
+                    <a:lnR w="9525" cap="flat" cmpd="sng" algn="ctr">
+                      <a:solidFill>
+                        <a:srgbClr val="D8DEDC"/>
+                      </a:solidFill>
+                      <a:prstDash val="solid"/>
+                    </a:lnR>
+                    <a:lnT w="9525" cap="flat" cmpd="sng" algn="ctr">
+                      <a:solidFill>
+                        <a:srgbClr val="D8DCDC"/>
+                      </a:solidFill>
+                      <a:prstDash val="solid"/>
+                    </a:lnT>
+                    <a:lnB w="9525" cap="flat" cmpd="sng" algn="ctr">
+                      <a:solidFill>
+                        <a:srgbClr val="D8DEDC"/>
+                      </a:solidFill>
+                      <a:prstDash val="solid"/>
+                    </a:lnB>
+                    <a:noFill/>
+                  </a:tcPr>
+                </a:tc>
+                <a:tc>
+                  <a:txBody>
+                    <a:bodyPr/>
+                    <a:lstStyle/>
+                    <a:p>
+                      <a:pPr algn="l" fontAlgn="b"/>
+                      <a:r>
+                        <a:rPr lang="de-DE" sz="900" u="none" strike="noStrike" dirty="0">
+                          <a:solidFill>
+                            <a:schemeClr val="tx1">
+                              <a:lumMod val="75000"/>
+                              <a:lumOff val="25000"/>
+                            </a:schemeClr>
+                          </a:solidFill>
+                          <a:effectLst/>
+                        </a:rPr>
+                        <a:t>Werte vorgeben, in denen mehrere Zellen gleichzeitig balancing benötigen</a:t>
+                      </a:r>
+                      <a:endParaRPr lang="de-DE" sz="900" b="0" i="0" u="none" strike="noStrike" dirty="0">
+                        <a:solidFill>
+                          <a:schemeClr val="tx1">
+                            <a:lumMod val="75000"/>
+                            <a:lumOff val="25000"/>
+                          </a:schemeClr>
+                        </a:solidFill>
+                        <a:effectLst/>
+                        <a:latin typeface="Aptos Narrow" panose="020B0004020202020204" pitchFamily="34" charset="0"/>
+                      </a:endParaRPr>
+                    </a:p>
+                  </a:txBody>
+                  <a:tcPr marL="113187" marR="4516" marT="56594" marB="56594" anchor="ctr">
+                    <a:lnL w="9525" cap="flat" cmpd="sng" algn="ctr">
+                      <a:solidFill>
+                        <a:srgbClr val="D8DEDC"/>
+                      </a:solidFill>
+                      <a:prstDash val="solid"/>
+                    </a:lnL>
+                    <a:lnR w="9525" cap="flat" cmpd="sng" algn="ctr">
+                      <a:solidFill>
+                        <a:srgbClr val="D8DEDC"/>
+                      </a:solidFill>
+                      <a:prstDash val="solid"/>
+                    </a:lnR>
+                    <a:lnT w="9525" cap="flat" cmpd="sng" algn="ctr">
+                      <a:solidFill>
+                        <a:srgbClr val="D8DCDC"/>
+                      </a:solidFill>
+                      <a:prstDash val="solid"/>
+                    </a:lnT>
+                    <a:lnB w="9525" cap="flat" cmpd="sng" algn="ctr">
+                      <a:solidFill>
+                        <a:srgbClr val="D8DEDC"/>
+                      </a:solidFill>
+                      <a:prstDash val="solid"/>
+                    </a:lnB>
+                    <a:noFill/>
+                  </a:tcPr>
+                </a:tc>
+                <a:tc>
+                  <a:txBody>
+                    <a:bodyPr/>
+                    <a:lstStyle/>
+                    <a:p>
+                      <a:pPr algn="l" fontAlgn="b"/>
+                      <a:r>
+                        <a:rPr lang="de-DE" sz="900" u="none" strike="noStrike" dirty="0">
+                          <a:solidFill>
+                            <a:schemeClr val="tx1">
+                              <a:lumMod val="75000"/>
+                              <a:lumOff val="25000"/>
+                            </a:schemeClr>
+                          </a:solidFill>
+                          <a:effectLst/>
+                        </a:rPr>
+                        <a:t>Vcell[</a:t>
+                      </a:r>
+                      <a:r>
+                        <a:rPr lang="de-DE" sz="900" b="1" u="none" strike="noStrike" dirty="0">
+                          <a:solidFill>
+                            <a:schemeClr val="tx1">
+                              <a:lumMod val="75000"/>
+                              <a:lumOff val="25000"/>
+                            </a:schemeClr>
+                          </a:solidFill>
+                          <a:effectLst/>
+                        </a:rPr>
+                        <a:t>3.5</a:t>
+                      </a:r>
+                      <a:r>
+                        <a:rPr lang="de-DE" sz="900" u="none" strike="noStrike" dirty="0">
+                          <a:solidFill>
+                            <a:schemeClr val="tx1">
+                              <a:lumMod val="75000"/>
+                              <a:lumOff val="25000"/>
+                            </a:schemeClr>
+                          </a:solidFill>
+                          <a:effectLst/>
+                        </a:rPr>
+                        <a:t>, </a:t>
+                      </a:r>
+                      <a:r>
+                        <a:rPr lang="de-DE" sz="900" b="1" u="none" strike="noStrike" dirty="0">
+                          <a:solidFill>
+                            <a:schemeClr val="tx1">
+                              <a:lumMod val="75000"/>
+                              <a:lumOff val="25000"/>
+                            </a:schemeClr>
+                          </a:solidFill>
+                          <a:effectLst/>
+                        </a:rPr>
+                        <a:t>4.5</a:t>
+                      </a:r>
+                      <a:r>
+                        <a:rPr lang="de-DE" sz="900" u="none" strike="noStrike" dirty="0">
+                          <a:solidFill>
+                            <a:schemeClr val="tx1">
+                              <a:lumMod val="75000"/>
+                              <a:lumOff val="25000"/>
+                            </a:schemeClr>
+                          </a:solidFill>
+                          <a:effectLst/>
+                        </a:rPr>
+                        <a:t>, 4.0, 4.0]</a:t>
+                      </a:r>
+                      <a:endParaRPr lang="de-DE" sz="900" b="0" i="0" u="none" strike="noStrike" dirty="0">
+                        <a:solidFill>
+                          <a:schemeClr val="tx1">
+                            <a:lumMod val="75000"/>
+                            <a:lumOff val="25000"/>
+                          </a:schemeClr>
+                        </a:solidFill>
+                        <a:effectLst/>
+                        <a:latin typeface="Aptos Narrow" panose="020B0004020202020204" pitchFamily="34" charset="0"/>
+                      </a:endParaRPr>
+                    </a:p>
+                  </a:txBody>
+                  <a:tcPr marL="113187" marR="4516" marT="56594" marB="56594" anchor="ctr">
+                    <a:lnL w="9525" cap="flat" cmpd="sng" algn="ctr">
+                      <a:solidFill>
+                        <a:srgbClr val="D8DEDC"/>
+                      </a:solidFill>
+                      <a:prstDash val="solid"/>
+                    </a:lnL>
+                    <a:lnR w="9525" cap="flat" cmpd="sng" algn="ctr">
+                      <a:solidFill>
+                        <a:srgbClr val="D8DEDC"/>
+                      </a:solidFill>
+                      <a:prstDash val="solid"/>
+                    </a:lnR>
+                    <a:lnT w="9525" cap="flat" cmpd="sng" algn="ctr">
+                      <a:solidFill>
+                        <a:srgbClr val="D8DCDC"/>
+                      </a:solidFill>
+                      <a:prstDash val="solid"/>
+                    </a:lnT>
+                    <a:lnB w="9525" cap="flat" cmpd="sng" algn="ctr">
+                      <a:solidFill>
+                        <a:srgbClr val="D8DEDC"/>
+                      </a:solidFill>
+                      <a:prstDash val="solid"/>
+                    </a:lnB>
+                    <a:noFill/>
+                  </a:tcPr>
+                </a:tc>
+                <a:tc>
+                  <a:txBody>
+                    <a:bodyPr/>
+                    <a:lstStyle/>
+                    <a:p>
+                      <a:pPr marL="0" marR="0" lvl="0" indent="0" algn="l" defTabSz="914400" rtl="0" eaLnBrk="1" fontAlgn="b" latinLnBrk="0" hangingPunct="1">
+                        <a:lnSpc>
+                          <a:spcPct val="100000"/>
+                        </a:lnSpc>
+                        <a:spcBef>
+                          <a:spcPts val="0"/>
+                        </a:spcBef>
+                        <a:spcAft>
+                          <a:spcPts val="0"/>
+                        </a:spcAft>
+                        <a:buClrTx/>
+                        <a:buSzTx/>
+                        <a:buFontTx/>
+                        <a:buNone/>
+                        <a:tabLst/>
+                        <a:defRPr/>
+                      </a:pPr>
+                      <a:r>
+                        <a:rPr lang="de-DE" sz="900" u="none" strike="noStrike" dirty="0">
+                          <a:solidFill>
+                            <a:schemeClr val="tx1">
+                              <a:lumMod val="75000"/>
+                              <a:lumOff val="25000"/>
+                            </a:schemeClr>
+                          </a:solidFill>
+                          <a:effectLst/>
+                        </a:rPr>
+                        <a:t>setbalActive alle 400ms gesetzt, Rest der Zeit =0</a:t>
+                      </a:r>
+                      <a:endParaRPr lang="de-DE" sz="900" b="0" i="0" u="none" strike="noStrike" dirty="0">
+                        <a:solidFill>
+                          <a:schemeClr val="tx1">
+                            <a:lumMod val="75000"/>
+                            <a:lumOff val="25000"/>
+                          </a:schemeClr>
+                        </a:solidFill>
+                        <a:effectLst/>
+                        <a:latin typeface="Aptos Narrow" panose="020B0004020202020204" pitchFamily="34" charset="0"/>
+                      </a:endParaRPr>
+                    </a:p>
+                  </a:txBody>
+                  <a:tcPr marL="113187" marR="4516" marT="56594" marB="56594" anchor="ctr">
+                    <a:lnL w="9525" cap="flat" cmpd="sng" algn="ctr">
+                      <a:solidFill>
+                        <a:srgbClr val="D8DEDC"/>
+                      </a:solidFill>
+                      <a:prstDash val="solid"/>
+                    </a:lnL>
+                    <a:lnR w="9525" cap="flat" cmpd="sng" algn="ctr">
+                      <a:solidFill>
+                        <a:srgbClr val="D8DEDC"/>
+                      </a:solidFill>
+                      <a:prstDash val="solid"/>
+                    </a:lnR>
+                    <a:lnT w="9525" cap="flat" cmpd="sng" algn="ctr">
+                      <a:solidFill>
+                        <a:srgbClr val="D8DCDC"/>
+                      </a:solidFill>
+                      <a:prstDash val="solid"/>
+                    </a:lnT>
+                    <a:lnB w="9525" cap="flat" cmpd="sng" algn="ctr">
+                      <a:solidFill>
+                        <a:srgbClr val="D8DEDC"/>
+                      </a:solidFill>
+                      <a:prstDash val="solid"/>
+                    </a:lnB>
+                    <a:noFill/>
+                  </a:tcPr>
+                </a:tc>
+                <a:tc>
+                  <a:txBody>
+                    <a:bodyPr/>
+                    <a:lstStyle/>
+                    <a:p>
+                      <a:pPr algn="l" fontAlgn="b"/>
+                      <a:r>
+                        <a:rPr lang="de-DE" sz="900" u="none" strike="noStrike" dirty="0">
+                          <a:solidFill>
+                            <a:schemeClr val="tx1">
+                              <a:lumMod val="75000"/>
+                              <a:lumOff val="25000"/>
+                            </a:schemeClr>
+                          </a:solidFill>
+                          <a:effectLst/>
+                        </a:rPr>
+                        <a:t>setbalActive wird öfters gesetzt aber erst nach 400ms geändert, davor wird der alte Wert mehrmals gesetzt</a:t>
+                      </a:r>
+                      <a:endParaRPr lang="de-DE" sz="900" b="0" i="0" u="none" strike="noStrike" dirty="0">
+                        <a:solidFill>
+                          <a:schemeClr val="tx1">
+                            <a:lumMod val="75000"/>
+                            <a:lumOff val="25000"/>
+                          </a:schemeClr>
+                        </a:solidFill>
+                        <a:effectLst/>
+                        <a:latin typeface="Aptos Narrow" panose="020B0004020202020204" pitchFamily="34" charset="0"/>
+                      </a:endParaRPr>
+                    </a:p>
+                  </a:txBody>
+                  <a:tcPr marL="113187" marR="4516" marT="56594" marB="56594" anchor="ctr">
                     <a:lnL w="9525" cap="flat" cmpd="sng" algn="ctr">
                       <a:solidFill>
                         <a:srgbClr val="D8DEDC"/>
@@ -10708,6 +11368,238 @@
               <a:rPr lang="de-DE" dirty="0"/>
               <a:t>BMS-LAB SS2024 _ function testing</a:t>
             </a:r>
+          </a:p>
+        </p:txBody>
+      </p:sp>
+      <p:sp>
+        <p:nvSpPr>
+          <p:cNvPr id="3" name="Rechteck 2">
+            <a:extLst>
+              <a:ext uri="{FF2B5EF4-FFF2-40B4-BE49-F238E27FC236}">
+                <a16:creationId xmlns:a16="http://schemas.microsoft.com/office/drawing/2014/main" id="{CE5F2EC1-6232-E8F9-AAF7-D5DFEE78A490}"/>
+              </a:ext>
+            </a:extLst>
+          </p:cNvPr>
+          <p:cNvSpPr/>
+          <p:nvPr/>
+        </p:nvSpPr>
+        <p:spPr>
+          <a:xfrm>
+            <a:off x="9372598" y="499691"/>
+            <a:ext cx="1263651" cy="575891"/>
+          </a:xfrm>
+          <a:prstGeom prst="rect">
+            <a:avLst/>
+          </a:prstGeom>
+          <a:ln>
+            <a:solidFill>
+              <a:schemeClr val="bg1"/>
+            </a:solidFill>
+          </a:ln>
+        </p:spPr>
+        <p:style>
+          <a:lnRef idx="2">
+            <a:schemeClr val="dk1"/>
+          </a:lnRef>
+          <a:fillRef idx="1">
+            <a:schemeClr val="lt1"/>
+          </a:fillRef>
+          <a:effectRef idx="0">
+            <a:schemeClr val="dk1"/>
+          </a:effectRef>
+          <a:fontRef idx="minor">
+            <a:schemeClr val="dk1"/>
+          </a:fontRef>
+        </p:style>
+        <p:txBody>
+          <a:bodyPr rtlCol="0" anchor="ctr"/>
+          <a:lstStyle/>
+          <a:p>
+            <a:pPr algn="ctr"/>
+            <a:r>
+              <a:rPr lang="de-DE" sz="900" dirty="0"/>
+              <a:t>checkcellbalancing()</a:t>
+            </a:r>
+            <a:endParaRPr lang="en-DE" sz="900" dirty="0"/>
+          </a:p>
+        </p:txBody>
+      </p:sp>
+      <p:cxnSp>
+        <p:nvCxnSpPr>
+          <p:cNvPr id="6" name="Gerade Verbindung mit Pfeil 5">
+            <a:extLst>
+              <a:ext uri="{FF2B5EF4-FFF2-40B4-BE49-F238E27FC236}">
+                <a16:creationId xmlns:a16="http://schemas.microsoft.com/office/drawing/2014/main" id="{132A2123-9209-6109-B8D7-47F7E054421D}"/>
+              </a:ext>
+            </a:extLst>
+          </p:cNvPr>
+          <p:cNvCxnSpPr>
+            <a:cxnSpLocks/>
+            <a:endCxn id="3" idx="1"/>
+          </p:cNvCxnSpPr>
+          <p:nvPr/>
+        </p:nvCxnSpPr>
+        <p:spPr>
+          <a:xfrm>
+            <a:off x="8572926" y="787637"/>
+            <a:ext cx="799672" cy="0"/>
+          </a:xfrm>
+          <a:prstGeom prst="straightConnector1">
+            <a:avLst/>
+          </a:prstGeom>
+          <a:ln>
+            <a:solidFill>
+              <a:schemeClr val="bg1"/>
+            </a:solidFill>
+            <a:tailEnd type="triangle"/>
+          </a:ln>
+        </p:spPr>
+        <p:style>
+          <a:lnRef idx="2">
+            <a:schemeClr val="accent1"/>
+          </a:lnRef>
+          <a:fillRef idx="0">
+            <a:schemeClr val="accent1"/>
+          </a:fillRef>
+          <a:effectRef idx="1">
+            <a:schemeClr val="accent1"/>
+          </a:effectRef>
+          <a:fontRef idx="minor">
+            <a:schemeClr val="tx1"/>
+          </a:fontRef>
+        </p:style>
+      </p:cxnSp>
+      <p:cxnSp>
+        <p:nvCxnSpPr>
+          <p:cNvPr id="9" name="Gerade Verbindung mit Pfeil 8">
+            <a:extLst>
+              <a:ext uri="{FF2B5EF4-FFF2-40B4-BE49-F238E27FC236}">
+                <a16:creationId xmlns:a16="http://schemas.microsoft.com/office/drawing/2014/main" id="{D2FDF985-26B4-FEDE-BA9E-A9361B0AAD24}"/>
+              </a:ext>
+            </a:extLst>
+          </p:cNvPr>
+          <p:cNvCxnSpPr>
+            <a:cxnSpLocks/>
+            <a:stCxn id="3" idx="3"/>
+          </p:cNvCxnSpPr>
+          <p:nvPr/>
+        </p:nvCxnSpPr>
+        <p:spPr>
+          <a:xfrm flipV="1">
+            <a:off x="10636249" y="776544"/>
+            <a:ext cx="1123528" cy="11093"/>
+          </a:xfrm>
+          <a:prstGeom prst="straightConnector1">
+            <a:avLst/>
+          </a:prstGeom>
+          <a:ln>
+            <a:solidFill>
+              <a:schemeClr val="bg1"/>
+            </a:solidFill>
+            <a:tailEnd type="triangle"/>
+          </a:ln>
+        </p:spPr>
+        <p:style>
+          <a:lnRef idx="2">
+            <a:schemeClr val="accent1"/>
+          </a:lnRef>
+          <a:fillRef idx="0">
+            <a:schemeClr val="accent1"/>
+          </a:fillRef>
+          <a:effectRef idx="1">
+            <a:schemeClr val="accent1"/>
+          </a:effectRef>
+          <a:fontRef idx="minor">
+            <a:schemeClr val="tx1"/>
+          </a:fontRef>
+        </p:style>
+      </p:cxnSp>
+      <p:sp>
+        <p:nvSpPr>
+          <p:cNvPr id="17" name="Textfeld 16">
+            <a:extLst>
+              <a:ext uri="{FF2B5EF4-FFF2-40B4-BE49-F238E27FC236}">
+                <a16:creationId xmlns:a16="http://schemas.microsoft.com/office/drawing/2014/main" id="{8A06D53C-40DC-ACF9-3653-49168ECAEF79}"/>
+              </a:ext>
+            </a:extLst>
+          </p:cNvPr>
+          <p:cNvSpPr txBox="1"/>
+          <p:nvPr/>
+        </p:nvSpPr>
+        <p:spPr>
+          <a:xfrm>
+            <a:off x="8539588" y="468767"/>
+            <a:ext cx="1035050" cy="307777"/>
+          </a:xfrm>
+          <a:prstGeom prst="rect">
+            <a:avLst/>
+          </a:prstGeom>
+          <a:noFill/>
+        </p:spPr>
+        <p:txBody>
+          <a:bodyPr wrap="square" rtlCol="0">
+            <a:spAutoFit/>
+          </a:bodyPr>
+          <a:lstStyle/>
+          <a:p>
+            <a:r>
+              <a:rPr lang="de-DE" sz="1400" dirty="0">
+                <a:solidFill>
+                  <a:schemeClr val="bg1"/>
+                </a:solidFill>
+              </a:rPr>
+              <a:t>Vcell[4]</a:t>
+            </a:r>
+            <a:endParaRPr lang="en-DE" sz="1400" dirty="0">
+              <a:solidFill>
+                <a:schemeClr val="bg1"/>
+              </a:solidFill>
+            </a:endParaRPr>
+          </a:p>
+        </p:txBody>
+      </p:sp>
+      <p:sp>
+        <p:nvSpPr>
+          <p:cNvPr id="19" name="Textfeld 18">
+            <a:extLst>
+              <a:ext uri="{FF2B5EF4-FFF2-40B4-BE49-F238E27FC236}">
+                <a16:creationId xmlns:a16="http://schemas.microsoft.com/office/drawing/2014/main" id="{C50FA72A-47B6-1904-1FD6-CFB001167CB9}"/>
+              </a:ext>
+            </a:extLst>
+          </p:cNvPr>
+          <p:cNvSpPr txBox="1"/>
+          <p:nvPr/>
+        </p:nvSpPr>
+        <p:spPr>
+          <a:xfrm>
+            <a:off x="10631168" y="474313"/>
+            <a:ext cx="1133691" cy="307777"/>
+          </a:xfrm>
+          <a:prstGeom prst="rect">
+            <a:avLst/>
+          </a:prstGeom>
+          <a:noFill/>
+        </p:spPr>
+        <p:txBody>
+          <a:bodyPr wrap="square" rtlCol="0">
+            <a:spAutoFit/>
+          </a:bodyPr>
+          <a:lstStyle/>
+          <a:p>
+            <a:pPr algn="ctr"/>
+            <a:r>
+              <a:rPr lang="de-DE" sz="1400" dirty="0">
+                <a:solidFill>
+                  <a:schemeClr val="bg1"/>
+                </a:solidFill>
+              </a:rPr>
+              <a:t>setbalActive</a:t>
+            </a:r>
+            <a:endParaRPr lang="en-DE" dirty="0">
+              <a:solidFill>
+                <a:schemeClr val="bg1"/>
+              </a:solidFill>
+            </a:endParaRPr>
           </a:p>
         </p:txBody>
       </p:sp>
@@ -11089,7 +11981,7 @@
                 <a:ea typeface="+mj-ea"/>
                 <a:cs typeface="+mj-cs"/>
               </a:rPr>
-              <a:t>1 Cell-Voltage</a:t>
+              <a:t>1 Cell-Balancing</a:t>
             </a:r>
           </a:p>
         </p:txBody>
@@ -11142,6 +12034,1047 @@
                 </a:spcAft>
               </a:pPr>
               <a:t>5</a:t>
+            </a:fld>
+            <a:endParaRPr lang="en-US" sz="1100" dirty="0">
+              <a:solidFill>
+                <a:schemeClr val="tx1">
+                  <a:lumMod val="50000"/>
+                  <a:lumOff val="50000"/>
+                </a:schemeClr>
+              </a:solidFill>
+            </a:endParaRPr>
+          </a:p>
+        </p:txBody>
+      </p:sp>
+      <p:sp>
+        <p:nvSpPr>
+          <p:cNvPr id="13" name="Datumsplatzhalter 3">
+            <a:extLst>
+              <a:ext uri="{FF2B5EF4-FFF2-40B4-BE49-F238E27FC236}">
+                <a16:creationId xmlns:a16="http://schemas.microsoft.com/office/drawing/2014/main" id="{E3546098-CE2C-D8FA-45D8-AEE75A9148B3}"/>
+              </a:ext>
+            </a:extLst>
+          </p:cNvPr>
+          <p:cNvSpPr txBox="1">
+            <a:spLocks/>
+          </p:cNvSpPr>
+          <p:nvPr/>
+        </p:nvSpPr>
+        <p:spPr>
+          <a:xfrm>
+            <a:off x="838200" y="6356350"/>
+            <a:ext cx="2743200" cy="365125"/>
+          </a:xfrm>
+          <a:prstGeom prst="rect">
+            <a:avLst/>
+          </a:prstGeom>
+        </p:spPr>
+        <p:txBody>
+          <a:bodyPr vert="horz" lIns="91440" tIns="45720" rIns="91440" bIns="45720" rtlCol="0" anchor="ctr"/>
+          <a:lstStyle>
+            <a:defPPr>
+              <a:defRPr lang="de-DE"/>
+            </a:defPPr>
+            <a:lvl1pPr marL="0" algn="l" defTabSz="914400" rtl="0" eaLnBrk="1" latinLnBrk="0" hangingPunct="1">
+              <a:defRPr sz="1200" kern="1200">
+                <a:solidFill>
+                  <a:schemeClr val="tx1">
+                    <a:tint val="82000"/>
+                  </a:schemeClr>
+                </a:solidFill>
+                <a:latin typeface="+mn-lt"/>
+                <a:ea typeface="+mn-ea"/>
+                <a:cs typeface="+mn-cs"/>
+              </a:defRPr>
+            </a:lvl1pPr>
+            <a:lvl2pPr marL="457200" algn="l" defTabSz="914400" rtl="0" eaLnBrk="1" latinLnBrk="0" hangingPunct="1">
+              <a:defRPr sz="1800" kern="1200">
+                <a:solidFill>
+                  <a:schemeClr val="tx1"/>
+                </a:solidFill>
+                <a:latin typeface="+mn-lt"/>
+                <a:ea typeface="+mn-ea"/>
+                <a:cs typeface="+mn-cs"/>
+              </a:defRPr>
+            </a:lvl2pPr>
+            <a:lvl3pPr marL="914400" algn="l" defTabSz="914400" rtl="0" eaLnBrk="1" latinLnBrk="0" hangingPunct="1">
+              <a:defRPr sz="1800" kern="1200">
+                <a:solidFill>
+                  <a:schemeClr val="tx1"/>
+                </a:solidFill>
+                <a:latin typeface="+mn-lt"/>
+                <a:ea typeface="+mn-ea"/>
+                <a:cs typeface="+mn-cs"/>
+              </a:defRPr>
+            </a:lvl3pPr>
+            <a:lvl4pPr marL="1371600" algn="l" defTabSz="914400" rtl="0" eaLnBrk="1" latinLnBrk="0" hangingPunct="1">
+              <a:defRPr sz="1800" kern="1200">
+                <a:solidFill>
+                  <a:schemeClr val="tx1"/>
+                </a:solidFill>
+                <a:latin typeface="+mn-lt"/>
+                <a:ea typeface="+mn-ea"/>
+                <a:cs typeface="+mn-cs"/>
+              </a:defRPr>
+            </a:lvl4pPr>
+            <a:lvl5pPr marL="1828800" algn="l" defTabSz="914400" rtl="0" eaLnBrk="1" latinLnBrk="0" hangingPunct="1">
+              <a:defRPr sz="1800" kern="1200">
+                <a:solidFill>
+                  <a:schemeClr val="tx1"/>
+                </a:solidFill>
+                <a:latin typeface="+mn-lt"/>
+                <a:ea typeface="+mn-ea"/>
+                <a:cs typeface="+mn-cs"/>
+              </a:defRPr>
+            </a:lvl5pPr>
+            <a:lvl6pPr marL="2286000" algn="l" defTabSz="914400" rtl="0" eaLnBrk="1" latinLnBrk="0" hangingPunct="1">
+              <a:defRPr sz="1800" kern="1200">
+                <a:solidFill>
+                  <a:schemeClr val="tx1"/>
+                </a:solidFill>
+                <a:latin typeface="+mn-lt"/>
+                <a:ea typeface="+mn-ea"/>
+                <a:cs typeface="+mn-cs"/>
+              </a:defRPr>
+            </a:lvl6pPr>
+            <a:lvl7pPr marL="2743200" algn="l" defTabSz="914400" rtl="0" eaLnBrk="1" latinLnBrk="0" hangingPunct="1">
+              <a:defRPr sz="1800" kern="1200">
+                <a:solidFill>
+                  <a:schemeClr val="tx1"/>
+                </a:solidFill>
+                <a:latin typeface="+mn-lt"/>
+                <a:ea typeface="+mn-ea"/>
+                <a:cs typeface="+mn-cs"/>
+              </a:defRPr>
+            </a:lvl7pPr>
+            <a:lvl8pPr marL="3200400" algn="l" defTabSz="914400" rtl="0" eaLnBrk="1" latinLnBrk="0" hangingPunct="1">
+              <a:defRPr sz="1800" kern="1200">
+                <a:solidFill>
+                  <a:schemeClr val="tx1"/>
+                </a:solidFill>
+                <a:latin typeface="+mn-lt"/>
+                <a:ea typeface="+mn-ea"/>
+                <a:cs typeface="+mn-cs"/>
+              </a:defRPr>
+            </a:lvl8pPr>
+            <a:lvl9pPr marL="3657600" algn="l" defTabSz="914400" rtl="0" eaLnBrk="1" latinLnBrk="0" hangingPunct="1">
+              <a:defRPr sz="1800" kern="1200">
+                <a:solidFill>
+                  <a:schemeClr val="tx1"/>
+                </a:solidFill>
+                <a:latin typeface="+mn-lt"/>
+                <a:ea typeface="+mn-ea"/>
+                <a:cs typeface="+mn-cs"/>
+              </a:defRPr>
+            </a:lvl9pPr>
+          </a:lstStyle>
+          <a:p>
+            <a:fld id="{2E39E019-435B-4EB6-829F-0E795361EE93}" type="datetime1">
+              <a:rPr lang="de-DE" smtClean="0"/>
+              <a:pPr/>
+              <a:t>02.06.2024</a:t>
+            </a:fld>
+            <a:endParaRPr lang="de-DE" dirty="0"/>
+          </a:p>
+        </p:txBody>
+      </p:sp>
+      <p:sp>
+        <p:nvSpPr>
+          <p:cNvPr id="15" name="Fußzeilenplatzhalter 4">
+            <a:extLst>
+              <a:ext uri="{FF2B5EF4-FFF2-40B4-BE49-F238E27FC236}">
+                <a16:creationId xmlns:a16="http://schemas.microsoft.com/office/drawing/2014/main" id="{EBFC8D4D-0DDD-959D-779E-4A9874C58454}"/>
+              </a:ext>
+            </a:extLst>
+          </p:cNvPr>
+          <p:cNvSpPr>
+            <a:spLocks noGrp="1"/>
+          </p:cNvSpPr>
+          <p:nvPr>
+            <p:ph type="ftr" sz="quarter" idx="11"/>
+          </p:nvPr>
+        </p:nvSpPr>
+        <p:spPr>
+          <a:xfrm>
+            <a:off x="4038600" y="6356350"/>
+            <a:ext cx="4114800" cy="365125"/>
+          </a:xfrm>
+        </p:spPr>
+        <p:txBody>
+          <a:bodyPr/>
+          <a:lstStyle/>
+          <a:p>
+            <a:r>
+              <a:rPr lang="de-DE" dirty="0"/>
+              <a:t>BMS-LAB SS2024 _ function testing</a:t>
+            </a:r>
+          </a:p>
+        </p:txBody>
+      </p:sp>
+      <p:sp>
+        <p:nvSpPr>
+          <p:cNvPr id="3" name="Rechteck 2">
+            <a:extLst>
+              <a:ext uri="{FF2B5EF4-FFF2-40B4-BE49-F238E27FC236}">
+                <a16:creationId xmlns:a16="http://schemas.microsoft.com/office/drawing/2014/main" id="{CE5F2EC1-6232-E8F9-AAF7-D5DFEE78A490}"/>
+              </a:ext>
+            </a:extLst>
+          </p:cNvPr>
+          <p:cNvSpPr/>
+          <p:nvPr/>
+        </p:nvSpPr>
+        <p:spPr>
+          <a:xfrm>
+            <a:off x="9372598" y="499691"/>
+            <a:ext cx="1263651" cy="575891"/>
+          </a:xfrm>
+          <a:prstGeom prst="rect">
+            <a:avLst/>
+          </a:prstGeom>
+          <a:ln>
+            <a:solidFill>
+              <a:schemeClr val="bg1"/>
+            </a:solidFill>
+          </a:ln>
+        </p:spPr>
+        <p:style>
+          <a:lnRef idx="2">
+            <a:schemeClr val="dk1"/>
+          </a:lnRef>
+          <a:fillRef idx="1">
+            <a:schemeClr val="lt1"/>
+          </a:fillRef>
+          <a:effectRef idx="0">
+            <a:schemeClr val="dk1"/>
+          </a:effectRef>
+          <a:fontRef idx="minor">
+            <a:schemeClr val="dk1"/>
+          </a:fontRef>
+        </p:style>
+        <p:txBody>
+          <a:bodyPr rtlCol="0" anchor="ctr"/>
+          <a:lstStyle/>
+          <a:p>
+            <a:pPr algn="ctr"/>
+            <a:r>
+              <a:rPr lang="de-DE" sz="900" dirty="0"/>
+              <a:t>checkcellbalancing()</a:t>
+            </a:r>
+            <a:endParaRPr lang="en-DE" sz="900" dirty="0"/>
+          </a:p>
+        </p:txBody>
+      </p:sp>
+      <p:cxnSp>
+        <p:nvCxnSpPr>
+          <p:cNvPr id="6" name="Gerade Verbindung mit Pfeil 5">
+            <a:extLst>
+              <a:ext uri="{FF2B5EF4-FFF2-40B4-BE49-F238E27FC236}">
+                <a16:creationId xmlns:a16="http://schemas.microsoft.com/office/drawing/2014/main" id="{132A2123-9209-6109-B8D7-47F7E054421D}"/>
+              </a:ext>
+            </a:extLst>
+          </p:cNvPr>
+          <p:cNvCxnSpPr>
+            <a:cxnSpLocks/>
+            <a:endCxn id="3" idx="1"/>
+          </p:cNvCxnSpPr>
+          <p:nvPr/>
+        </p:nvCxnSpPr>
+        <p:spPr>
+          <a:xfrm>
+            <a:off x="8572926" y="787637"/>
+            <a:ext cx="799672" cy="0"/>
+          </a:xfrm>
+          <a:prstGeom prst="straightConnector1">
+            <a:avLst/>
+          </a:prstGeom>
+          <a:ln>
+            <a:solidFill>
+              <a:schemeClr val="bg1"/>
+            </a:solidFill>
+            <a:tailEnd type="triangle"/>
+          </a:ln>
+        </p:spPr>
+        <p:style>
+          <a:lnRef idx="2">
+            <a:schemeClr val="accent1"/>
+          </a:lnRef>
+          <a:fillRef idx="0">
+            <a:schemeClr val="accent1"/>
+          </a:fillRef>
+          <a:effectRef idx="1">
+            <a:schemeClr val="accent1"/>
+          </a:effectRef>
+          <a:fontRef idx="minor">
+            <a:schemeClr val="tx1"/>
+          </a:fontRef>
+        </p:style>
+      </p:cxnSp>
+      <p:cxnSp>
+        <p:nvCxnSpPr>
+          <p:cNvPr id="9" name="Gerade Verbindung mit Pfeil 8">
+            <a:extLst>
+              <a:ext uri="{FF2B5EF4-FFF2-40B4-BE49-F238E27FC236}">
+                <a16:creationId xmlns:a16="http://schemas.microsoft.com/office/drawing/2014/main" id="{D2FDF985-26B4-FEDE-BA9E-A9361B0AAD24}"/>
+              </a:ext>
+            </a:extLst>
+          </p:cNvPr>
+          <p:cNvCxnSpPr>
+            <a:cxnSpLocks/>
+            <a:stCxn id="3" idx="3"/>
+          </p:cNvCxnSpPr>
+          <p:nvPr/>
+        </p:nvCxnSpPr>
+        <p:spPr>
+          <a:xfrm flipV="1">
+            <a:off x="10636249" y="776544"/>
+            <a:ext cx="1123528" cy="11093"/>
+          </a:xfrm>
+          <a:prstGeom prst="straightConnector1">
+            <a:avLst/>
+          </a:prstGeom>
+          <a:ln>
+            <a:solidFill>
+              <a:schemeClr val="bg1"/>
+            </a:solidFill>
+            <a:tailEnd type="triangle"/>
+          </a:ln>
+        </p:spPr>
+        <p:style>
+          <a:lnRef idx="2">
+            <a:schemeClr val="accent1"/>
+          </a:lnRef>
+          <a:fillRef idx="0">
+            <a:schemeClr val="accent1"/>
+          </a:fillRef>
+          <a:effectRef idx="1">
+            <a:schemeClr val="accent1"/>
+          </a:effectRef>
+          <a:fontRef idx="minor">
+            <a:schemeClr val="tx1"/>
+          </a:fontRef>
+        </p:style>
+      </p:cxnSp>
+      <p:sp>
+        <p:nvSpPr>
+          <p:cNvPr id="17" name="Textfeld 16">
+            <a:extLst>
+              <a:ext uri="{FF2B5EF4-FFF2-40B4-BE49-F238E27FC236}">
+                <a16:creationId xmlns:a16="http://schemas.microsoft.com/office/drawing/2014/main" id="{8A06D53C-40DC-ACF9-3653-49168ECAEF79}"/>
+              </a:ext>
+            </a:extLst>
+          </p:cNvPr>
+          <p:cNvSpPr txBox="1"/>
+          <p:nvPr/>
+        </p:nvSpPr>
+        <p:spPr>
+          <a:xfrm>
+            <a:off x="8539588" y="468767"/>
+            <a:ext cx="1035050" cy="307777"/>
+          </a:xfrm>
+          <a:prstGeom prst="rect">
+            <a:avLst/>
+          </a:prstGeom>
+          <a:noFill/>
+        </p:spPr>
+        <p:txBody>
+          <a:bodyPr wrap="square" rtlCol="0">
+            <a:spAutoFit/>
+          </a:bodyPr>
+          <a:lstStyle/>
+          <a:p>
+            <a:r>
+              <a:rPr lang="de-DE" sz="1400" dirty="0">
+                <a:solidFill>
+                  <a:schemeClr val="bg1"/>
+                </a:solidFill>
+              </a:rPr>
+              <a:t>Vcell[4]</a:t>
+            </a:r>
+            <a:endParaRPr lang="en-DE" sz="1400" dirty="0">
+              <a:solidFill>
+                <a:schemeClr val="bg1"/>
+              </a:solidFill>
+            </a:endParaRPr>
+          </a:p>
+        </p:txBody>
+      </p:sp>
+      <p:sp>
+        <p:nvSpPr>
+          <p:cNvPr id="19" name="Textfeld 18">
+            <a:extLst>
+              <a:ext uri="{FF2B5EF4-FFF2-40B4-BE49-F238E27FC236}">
+                <a16:creationId xmlns:a16="http://schemas.microsoft.com/office/drawing/2014/main" id="{C50FA72A-47B6-1904-1FD6-CFB001167CB9}"/>
+              </a:ext>
+            </a:extLst>
+          </p:cNvPr>
+          <p:cNvSpPr txBox="1"/>
+          <p:nvPr/>
+        </p:nvSpPr>
+        <p:spPr>
+          <a:xfrm>
+            <a:off x="10631167" y="473471"/>
+            <a:ext cx="1133691" cy="307777"/>
+          </a:xfrm>
+          <a:prstGeom prst="rect">
+            <a:avLst/>
+          </a:prstGeom>
+          <a:noFill/>
+        </p:spPr>
+        <p:txBody>
+          <a:bodyPr wrap="square" rtlCol="0">
+            <a:spAutoFit/>
+          </a:bodyPr>
+          <a:lstStyle/>
+          <a:p>
+            <a:pPr algn="ctr"/>
+            <a:r>
+              <a:rPr lang="de-DE" sz="1400" dirty="0">
+                <a:solidFill>
+                  <a:schemeClr val="bg1"/>
+                </a:solidFill>
+              </a:rPr>
+              <a:t>setbalActive</a:t>
+            </a:r>
+            <a:endParaRPr lang="en-DE" dirty="0">
+              <a:solidFill>
+                <a:schemeClr val="bg1"/>
+              </a:solidFill>
+            </a:endParaRPr>
+          </a:p>
+        </p:txBody>
+      </p:sp>
+      <p:pic>
+        <p:nvPicPr>
+          <p:cNvPr id="11" name="Grafik 10">
+            <a:extLst>
+              <a:ext uri="{FF2B5EF4-FFF2-40B4-BE49-F238E27FC236}">
+                <a16:creationId xmlns:a16="http://schemas.microsoft.com/office/drawing/2014/main" id="{4FB7DEDD-F149-BC5C-CBEC-694361452A25}"/>
+              </a:ext>
+            </a:extLst>
+          </p:cNvPr>
+          <p:cNvPicPr>
+            <a:picLocks noChangeAspect="1"/>
+          </p:cNvPicPr>
+          <p:nvPr/>
+        </p:nvPicPr>
+        <p:blipFill rotWithShape="1">
+          <a:blip r:embed="rId2"/>
+          <a:srcRect r="48194" b="6763"/>
+          <a:stretch/>
+        </p:blipFill>
+        <p:spPr>
+          <a:xfrm>
+            <a:off x="1481563" y="1659591"/>
+            <a:ext cx="2743200" cy="2350508"/>
+          </a:xfrm>
+          <a:prstGeom prst="rect">
+            <a:avLst/>
+          </a:prstGeom>
+        </p:spPr>
+      </p:pic>
+      <p:pic>
+        <p:nvPicPr>
+          <p:cNvPr id="21" name="Grafik 20">
+            <a:extLst>
+              <a:ext uri="{FF2B5EF4-FFF2-40B4-BE49-F238E27FC236}">
+                <a16:creationId xmlns:a16="http://schemas.microsoft.com/office/drawing/2014/main" id="{6FA14C92-05E1-B463-0F02-B66A96105356}"/>
+              </a:ext>
+            </a:extLst>
+          </p:cNvPr>
+          <p:cNvPicPr>
+            <a:picLocks noChangeAspect="1"/>
+          </p:cNvPicPr>
+          <p:nvPr/>
+        </p:nvPicPr>
+        <p:blipFill>
+          <a:blip r:embed="rId3"/>
+          <a:stretch>
+            <a:fillRect/>
+          </a:stretch>
+        </p:blipFill>
+        <p:spPr>
+          <a:xfrm>
+            <a:off x="6720920" y="1822348"/>
+            <a:ext cx="5303355" cy="1845377"/>
+          </a:xfrm>
+          <a:prstGeom prst="rect">
+            <a:avLst/>
+          </a:prstGeom>
+        </p:spPr>
+      </p:pic>
+      <p:sp>
+        <p:nvSpPr>
+          <p:cNvPr id="22" name="Textfeld 21">
+            <a:extLst>
+              <a:ext uri="{FF2B5EF4-FFF2-40B4-BE49-F238E27FC236}">
+                <a16:creationId xmlns:a16="http://schemas.microsoft.com/office/drawing/2014/main" id="{4F712814-2919-A042-A027-94CACF1AF968}"/>
+              </a:ext>
+            </a:extLst>
+          </p:cNvPr>
+          <p:cNvSpPr txBox="1"/>
+          <p:nvPr/>
+        </p:nvSpPr>
+        <p:spPr>
+          <a:xfrm>
+            <a:off x="88900" y="4010099"/>
+            <a:ext cx="5870789" cy="2308324"/>
+          </a:xfrm>
+          <a:prstGeom prst="rect">
+            <a:avLst/>
+          </a:prstGeom>
+          <a:noFill/>
+        </p:spPr>
+        <p:txBody>
+          <a:bodyPr wrap="square" rtlCol="0">
+            <a:spAutoFit/>
+          </a:bodyPr>
+          <a:lstStyle/>
+          <a:p>
+            <a:r>
+              <a:rPr lang="de-DE" dirty="0"/>
+              <a:t>Zusatz 12: Entscheidungskriterium alle 200ms berechnen</a:t>
+            </a:r>
+          </a:p>
+          <a:p>
+            <a:r>
+              <a:rPr lang="de-DE" dirty="0"/>
+              <a:t>Zusatz 15: 4 aufeinanderfolgende Messwerte werden benötigt, um Cellbalancing zu aktivieren </a:t>
+            </a:r>
+          </a:p>
+          <a:p>
+            <a:r>
+              <a:rPr lang="de-DE" b="1" dirty="0"/>
+              <a:t>	→ 4 × 200ms = 800ms</a:t>
+            </a:r>
+          </a:p>
+          <a:p>
+            <a:endParaRPr lang="de-DE" b="1" dirty="0"/>
+          </a:p>
+          <a:p>
+            <a:br>
+              <a:rPr lang="de-DE" dirty="0"/>
+            </a:br>
+            <a:r>
+              <a:rPr lang="de-DE" dirty="0"/>
+              <a:t>Zusatz 16: Cellbalancing im </a:t>
+            </a:r>
+            <a:r>
+              <a:rPr lang="de-DE" b="1" dirty="0"/>
+              <a:t>400ms</a:t>
+            </a:r>
+            <a:r>
+              <a:rPr lang="de-DE" dirty="0"/>
+              <a:t>-Takt</a:t>
+            </a:r>
+          </a:p>
+          <a:p>
+            <a:r>
+              <a:rPr lang="de-DE" dirty="0">
+                <a:sym typeface="Wingdings" panose="05000000000000000000" pitchFamily="2" charset="2"/>
+              </a:rPr>
+              <a:t> Zusatz 16 wurde nach Absprache auf 800ms erhöht</a:t>
+            </a:r>
+            <a:endParaRPr lang="en-DE" dirty="0"/>
+          </a:p>
+        </p:txBody>
+      </p:sp>
+      <p:pic>
+        <p:nvPicPr>
+          <p:cNvPr id="24" name="Grafik 23">
+            <a:extLst>
+              <a:ext uri="{FF2B5EF4-FFF2-40B4-BE49-F238E27FC236}">
+                <a16:creationId xmlns:a16="http://schemas.microsoft.com/office/drawing/2014/main" id="{445CBB10-2954-223C-FF7C-69136999B15C}"/>
+              </a:ext>
+            </a:extLst>
+          </p:cNvPr>
+          <p:cNvPicPr>
+            <a:picLocks noChangeAspect="1"/>
+          </p:cNvPicPr>
+          <p:nvPr/>
+        </p:nvPicPr>
+        <p:blipFill>
+          <a:blip r:embed="rId4"/>
+          <a:stretch>
+            <a:fillRect/>
+          </a:stretch>
+        </p:blipFill>
+        <p:spPr>
+          <a:xfrm rot="20771541">
+            <a:off x="2967771" y="5111576"/>
+            <a:ext cx="175458" cy="512991"/>
+          </a:xfrm>
+          <a:prstGeom prst="rect">
+            <a:avLst/>
+          </a:prstGeom>
+        </p:spPr>
+      </p:pic>
+      <p:sp>
+        <p:nvSpPr>
+          <p:cNvPr id="25" name="Textfeld 24">
+            <a:extLst>
+              <a:ext uri="{FF2B5EF4-FFF2-40B4-BE49-F238E27FC236}">
+                <a16:creationId xmlns:a16="http://schemas.microsoft.com/office/drawing/2014/main" id="{618FA0C5-59EC-E2DA-9C78-C2C61913A665}"/>
+              </a:ext>
+            </a:extLst>
+          </p:cNvPr>
+          <p:cNvSpPr txBox="1"/>
+          <p:nvPr/>
+        </p:nvSpPr>
+        <p:spPr>
+          <a:xfrm>
+            <a:off x="7241224" y="3914117"/>
+            <a:ext cx="4666827" cy="923330"/>
+          </a:xfrm>
+          <a:prstGeom prst="rect">
+            <a:avLst/>
+          </a:prstGeom>
+          <a:noFill/>
+        </p:spPr>
+        <p:txBody>
+          <a:bodyPr wrap="square" rtlCol="0">
+            <a:spAutoFit/>
+          </a:bodyPr>
+          <a:lstStyle/>
+          <a:p>
+            <a:r>
+              <a:rPr lang="de-DE" dirty="0"/>
+              <a:t>Ausgangsparameter wird nur einmal pro Intervall auf aktiv gesetzt, damit die restliche Zeit für das Balancing genutzt werden kann</a:t>
+            </a:r>
+            <a:endParaRPr lang="en-DE" dirty="0"/>
+          </a:p>
+        </p:txBody>
+      </p:sp>
+    </p:spTree>
+    <p:extLst>
+      <p:ext uri="{BB962C8B-B14F-4D97-AF65-F5344CB8AC3E}">
+        <p14:creationId xmlns:p14="http://schemas.microsoft.com/office/powerpoint/2010/main" val="4024064236"/>
+      </p:ext>
+    </p:extLst>
+  </p:cSld>
+  <p:clrMapOvr>
+    <a:masterClrMapping/>
+  </p:clrMapOvr>
+</p:sld>
+</file>
+
+<file path=ppt/slides/slide6.xml><?xml version="1.0" encoding="utf-8"?>
+<p:sld xmlns:a="http://schemas.openxmlformats.org/drawingml/2006/main" xmlns:r="http://schemas.openxmlformats.org/officeDocument/2006/relationships" xmlns:p="http://schemas.openxmlformats.org/presentationml/2006/main">
+  <p:cSld>
+    <p:bg>
+      <p:bgPr>
+        <a:solidFill>
+          <a:schemeClr val="bg1"/>
+        </a:solidFill>
+        <a:effectLst/>
+      </p:bgPr>
+    </p:bg>
+    <p:spTree>
+      <p:nvGrpSpPr>
+        <p:cNvPr id="1" name=""/>
+        <p:cNvGrpSpPr/>
+        <p:nvPr/>
+      </p:nvGrpSpPr>
+      <p:grpSpPr>
+        <a:xfrm>
+          <a:off x="0" y="0"/>
+          <a:ext cx="0" cy="0"/>
+          <a:chOff x="0" y="0"/>
+          <a:chExt cx="0" cy="0"/>
+        </a:xfrm>
+      </p:grpSpPr>
+      <p:sp useBgFill="1">
+        <p:nvSpPr>
+          <p:cNvPr id="12" name="Rectangle 11">
+            <a:extLst>
+              <a:ext uri="{FF2B5EF4-FFF2-40B4-BE49-F238E27FC236}">
+                <a16:creationId xmlns:a16="http://schemas.microsoft.com/office/drawing/2014/main" id="{A8384FB5-9ADC-4DDC-881B-597D56F5B15D}"/>
+              </a:ext>
+              <a:ext uri="{C183D7F6-B498-43B3-948B-1728B52AA6E4}">
+                <adec:decorative xmlns:adec="http://schemas.microsoft.com/office/drawing/2017/decorative" val="1"/>
+              </a:ext>
+            </a:extLst>
+          </p:cNvPr>
+          <p:cNvSpPr>
+            <a:spLocks noGrp="1" noRot="1" noChangeAspect="1" noMove="1" noResize="1" noEditPoints="1" noAdjustHandles="1" noChangeArrowheads="1" noChangeShapeType="1" noTextEdit="1"/>
+          </p:cNvSpPr>
+          <p:nvPr>
+            <p:extLst>
+              <p:ext uri="{386F3935-93C4-4BCD-93E2-E3B085C9AB24}">
+                <p16:designElem xmlns:p16="http://schemas.microsoft.com/office/powerpoint/2015/main" val="1"/>
+              </p:ext>
+            </p:extLst>
+          </p:nvPr>
+        </p:nvSpPr>
+        <p:spPr>
+          <a:xfrm>
+            <a:off x="0" y="0"/>
+            <a:ext cx="12192000" cy="6858000"/>
+          </a:xfrm>
+          <a:prstGeom prst="rect">
+            <a:avLst/>
+          </a:prstGeom>
+          <a:ln w="12700" cap="flat" cmpd="sng" algn="ctr">
+            <a:noFill/>
+            <a:prstDash val="solid"/>
+            <a:miter lim="800000"/>
+          </a:ln>
+          <a:effectLst/>
+          <a:extLst>
+            <a:ext uri="{91240B29-F687-4F45-9708-019B960494DF}">
+              <a14:hiddenLine xmlns:a14="http://schemas.microsoft.com/office/drawing/2010/main" w="12700" cap="flat" cmpd="sng" algn="ctr">
+                <a:solidFill>
+                  <a:schemeClr val="accent1">
+                    <a:shade val="50000"/>
+                  </a:schemeClr>
+                </a:solidFill>
+                <a:prstDash val="solid"/>
+                <a:miter lim="800000"/>
+              </a14:hiddenLine>
+            </a:ext>
+          </a:extLst>
+        </p:spPr>
+        <p:style>
+          <a:lnRef idx="2">
+            <a:schemeClr val="accent1">
+              <a:shade val="50000"/>
+            </a:schemeClr>
+          </a:lnRef>
+          <a:fillRef idx="1">
+            <a:schemeClr val="accent1"/>
+          </a:fillRef>
+          <a:effectRef idx="0">
+            <a:schemeClr val="accent1"/>
+          </a:effectRef>
+          <a:fontRef idx="minor">
+            <a:schemeClr val="lt1"/>
+          </a:fontRef>
+        </p:style>
+        <p:txBody>
+          <a:bodyPr rtlCol="0" anchor="ctr"/>
+          <a:lstStyle/>
+          <a:p>
+            <a:pPr algn="ctr"/>
+            <a:endParaRPr lang="en-US"/>
+          </a:p>
+        </p:txBody>
+      </p:sp>
+      <p:sp>
+        <p:nvSpPr>
+          <p:cNvPr id="14" name="Rectangle 13">
+            <a:extLst>
+              <a:ext uri="{FF2B5EF4-FFF2-40B4-BE49-F238E27FC236}">
+                <a16:creationId xmlns:a16="http://schemas.microsoft.com/office/drawing/2014/main" id="{1199E1B1-A8C0-4FE8-A5A8-1CB41D69F857}"/>
+              </a:ext>
+              <a:ext uri="{C183D7F6-B498-43B3-948B-1728B52AA6E4}">
+                <adec:decorative xmlns:adec="http://schemas.microsoft.com/office/drawing/2017/decorative" val="1"/>
+              </a:ext>
+            </a:extLst>
+          </p:cNvPr>
+          <p:cNvSpPr>
+            <a:spLocks noGrp="1" noRot="1" noChangeAspect="1" noMove="1" noResize="1" noEditPoints="1" noAdjustHandles="1" noChangeArrowheads="1" noChangeShapeType="1" noTextEdit="1"/>
+          </p:cNvSpPr>
+          <p:nvPr>
+            <p:extLst>
+              <p:ext uri="{386F3935-93C4-4BCD-93E2-E3B085C9AB24}">
+                <p16:designElem xmlns:p16="http://schemas.microsoft.com/office/powerpoint/2015/main" val="1"/>
+              </p:ext>
+            </p:extLst>
+          </p:nvPr>
+        </p:nvSpPr>
+        <p:spPr>
+          <a:xfrm rot="10800000" flipH="1">
+            <a:off x="2" y="0"/>
+            <a:ext cx="12191998" cy="1575955"/>
+          </a:xfrm>
+          <a:prstGeom prst="rect">
+            <a:avLst/>
+          </a:prstGeom>
+          <a:gradFill>
+            <a:gsLst>
+              <a:gs pos="0">
+                <a:srgbClr val="000000">
+                  <a:alpha val="96000"/>
+                </a:srgbClr>
+              </a:gs>
+              <a:gs pos="100000">
+                <a:schemeClr val="accent1">
+                  <a:lumMod val="75000"/>
+                </a:schemeClr>
+              </a:gs>
+            </a:gsLst>
+            <a:lin ang="6000000" scaled="0"/>
+          </a:gradFill>
+          <a:ln>
+            <a:noFill/>
+          </a:ln>
+        </p:spPr>
+        <p:style>
+          <a:lnRef idx="2">
+            <a:schemeClr val="accent1">
+              <a:shade val="50000"/>
+            </a:schemeClr>
+          </a:lnRef>
+          <a:fillRef idx="1">
+            <a:schemeClr val="accent1"/>
+          </a:fillRef>
+          <a:effectRef idx="0">
+            <a:schemeClr val="accent1"/>
+          </a:effectRef>
+          <a:fontRef idx="minor">
+            <a:schemeClr val="lt1"/>
+          </a:fontRef>
+        </p:style>
+        <p:txBody>
+          <a:bodyPr rtlCol="0" anchor="ctr"/>
+          <a:lstStyle/>
+          <a:p>
+            <a:pPr algn="ctr"/>
+            <a:endParaRPr lang="en-US"/>
+          </a:p>
+        </p:txBody>
+      </p:sp>
+      <p:sp>
+        <p:nvSpPr>
+          <p:cNvPr id="16" name="Rectangle 15">
+            <a:extLst>
+              <a:ext uri="{FF2B5EF4-FFF2-40B4-BE49-F238E27FC236}">
+                <a16:creationId xmlns:a16="http://schemas.microsoft.com/office/drawing/2014/main" id="{84A8DE83-DE75-4B41-9DB4-A7EC0B0DEC0B}"/>
+              </a:ext>
+              <a:ext uri="{C183D7F6-B498-43B3-948B-1728B52AA6E4}">
+                <adec:decorative xmlns:adec="http://schemas.microsoft.com/office/drawing/2017/decorative" val="1"/>
+              </a:ext>
+            </a:extLst>
+          </p:cNvPr>
+          <p:cNvSpPr>
+            <a:spLocks noGrp="1" noRot="1" noChangeAspect="1" noMove="1" noResize="1" noEditPoints="1" noAdjustHandles="1" noChangeArrowheads="1" noChangeShapeType="1" noTextEdit="1"/>
+          </p:cNvSpPr>
+          <p:nvPr>
+            <p:extLst>
+              <p:ext uri="{386F3935-93C4-4BCD-93E2-E3B085C9AB24}">
+                <p16:designElem xmlns:p16="http://schemas.microsoft.com/office/powerpoint/2015/main" val="1"/>
+              </p:ext>
+            </p:extLst>
+          </p:nvPr>
+        </p:nvSpPr>
+        <p:spPr>
+          <a:xfrm>
+            <a:off x="0" y="0"/>
+            <a:ext cx="8128856" cy="1575461"/>
+          </a:xfrm>
+          <a:prstGeom prst="rect">
+            <a:avLst/>
+          </a:prstGeom>
+          <a:gradFill>
+            <a:gsLst>
+              <a:gs pos="0">
+                <a:schemeClr val="accent1">
+                  <a:alpha val="41000"/>
+                </a:schemeClr>
+              </a:gs>
+              <a:gs pos="74000">
+                <a:schemeClr val="accent1">
+                  <a:lumMod val="60000"/>
+                  <a:lumOff val="40000"/>
+                  <a:alpha val="0"/>
+                </a:schemeClr>
+              </a:gs>
+            </a:gsLst>
+            <a:lin ang="8400000" scaled="0"/>
+          </a:gradFill>
+          <a:ln>
+            <a:noFill/>
+          </a:ln>
+        </p:spPr>
+        <p:style>
+          <a:lnRef idx="2">
+            <a:schemeClr val="accent1">
+              <a:shade val="50000"/>
+            </a:schemeClr>
+          </a:lnRef>
+          <a:fillRef idx="1">
+            <a:schemeClr val="accent1"/>
+          </a:fillRef>
+          <a:effectRef idx="0">
+            <a:schemeClr val="accent1"/>
+          </a:effectRef>
+          <a:fontRef idx="minor">
+            <a:schemeClr val="lt1"/>
+          </a:fontRef>
+        </p:style>
+        <p:txBody>
+          <a:bodyPr rtlCol="0" anchor="ctr"/>
+          <a:lstStyle/>
+          <a:p>
+            <a:pPr algn="ctr"/>
+            <a:endParaRPr lang="en-US"/>
+          </a:p>
+        </p:txBody>
+      </p:sp>
+      <p:sp>
+        <p:nvSpPr>
+          <p:cNvPr id="18" name="Rectangle 17">
+            <a:extLst>
+              <a:ext uri="{FF2B5EF4-FFF2-40B4-BE49-F238E27FC236}">
+                <a16:creationId xmlns:a16="http://schemas.microsoft.com/office/drawing/2014/main" id="{A7009A0A-BEF5-4EAC-AF15-E4F9F002E239}"/>
+              </a:ext>
+              <a:ext uri="{C183D7F6-B498-43B3-948B-1728B52AA6E4}">
+                <adec:decorative xmlns:adec="http://schemas.microsoft.com/office/drawing/2017/decorative" val="1"/>
+              </a:ext>
+            </a:extLst>
+          </p:cNvPr>
+          <p:cNvSpPr>
+            <a:spLocks noGrp="1" noRot="1" noChangeAspect="1" noMove="1" noResize="1" noEditPoints="1" noAdjustHandles="1" noChangeArrowheads="1" noChangeShapeType="1" noTextEdit="1"/>
+          </p:cNvSpPr>
+          <p:nvPr>
+            <p:extLst>
+              <p:ext uri="{386F3935-93C4-4BCD-93E2-E3B085C9AB24}">
+                <p16:designElem xmlns:p16="http://schemas.microsoft.com/office/powerpoint/2015/main" val="1"/>
+              </p:ext>
+            </p:extLst>
+          </p:nvPr>
+        </p:nvSpPr>
+        <p:spPr>
+          <a:xfrm flipH="1">
+            <a:off x="-3" y="-1"/>
+            <a:ext cx="12192002" cy="1574311"/>
+          </a:xfrm>
+          <a:prstGeom prst="rect">
+            <a:avLst/>
+          </a:prstGeom>
+          <a:gradFill>
+            <a:gsLst>
+              <a:gs pos="0">
+                <a:srgbClr val="000000">
+                  <a:alpha val="63000"/>
+                </a:srgbClr>
+              </a:gs>
+              <a:gs pos="78000">
+                <a:schemeClr val="accent1">
+                  <a:alpha val="15000"/>
+                </a:schemeClr>
+              </a:gs>
+            </a:gsLst>
+            <a:lin ang="15600000" scaled="0"/>
+          </a:gradFill>
+          <a:ln>
+            <a:noFill/>
+          </a:ln>
+        </p:spPr>
+        <p:style>
+          <a:lnRef idx="2">
+            <a:schemeClr val="accent1">
+              <a:shade val="50000"/>
+            </a:schemeClr>
+          </a:lnRef>
+          <a:fillRef idx="1">
+            <a:schemeClr val="accent1"/>
+          </a:fillRef>
+          <a:effectRef idx="0">
+            <a:schemeClr val="accent1"/>
+          </a:effectRef>
+          <a:fontRef idx="minor">
+            <a:schemeClr val="lt1"/>
+          </a:fontRef>
+        </p:style>
+        <p:txBody>
+          <a:bodyPr rtlCol="0" anchor="ctr"/>
+          <a:lstStyle/>
+          <a:p>
+            <a:pPr algn="ctr"/>
+            <a:endParaRPr lang="en-US"/>
+          </a:p>
+        </p:txBody>
+      </p:sp>
+      <p:sp>
+        <p:nvSpPr>
+          <p:cNvPr id="2" name="Titel 1">
+            <a:extLst>
+              <a:ext uri="{FF2B5EF4-FFF2-40B4-BE49-F238E27FC236}">
+                <a16:creationId xmlns:a16="http://schemas.microsoft.com/office/drawing/2014/main" id="{39A35EAB-2551-003C-CF6D-B10227644E2B}"/>
+              </a:ext>
+            </a:extLst>
+          </p:cNvPr>
+          <p:cNvSpPr>
+            <a:spLocks noGrp="1"/>
+          </p:cNvSpPr>
+          <p:nvPr>
+            <p:ph type="title"/>
+          </p:nvPr>
+        </p:nvSpPr>
+        <p:spPr>
+          <a:xfrm>
+            <a:off x="699713" y="248038"/>
+            <a:ext cx="7063721" cy="1159200"/>
+          </a:xfrm>
+        </p:spPr>
+        <p:txBody>
+          <a:bodyPr vert="horz" lIns="91440" tIns="45720" rIns="91440" bIns="45720" rtlCol="0" anchor="ctr">
+            <a:normAutofit/>
+          </a:bodyPr>
+          <a:lstStyle/>
+          <a:p>
+            <a:r>
+              <a:rPr lang="en-US" sz="4000" kern="1200" dirty="0">
+                <a:solidFill>
+                  <a:srgbClr val="FFFFFF"/>
+                </a:solidFill>
+                <a:latin typeface="+mj-lt"/>
+                <a:ea typeface="+mj-ea"/>
+                <a:cs typeface="+mj-cs"/>
+              </a:rPr>
+              <a:t>2 Cell-Voltage</a:t>
+            </a:r>
+          </a:p>
+        </p:txBody>
+      </p:sp>
+      <p:sp>
+        <p:nvSpPr>
+          <p:cNvPr id="5" name="Foliennummernplatzhalter 4">
+            <a:extLst>
+              <a:ext uri="{FF2B5EF4-FFF2-40B4-BE49-F238E27FC236}">
+                <a16:creationId xmlns:a16="http://schemas.microsoft.com/office/drawing/2014/main" id="{2E737297-4DA6-0F00-BB74-9A43738201C2}"/>
+              </a:ext>
+            </a:extLst>
+          </p:cNvPr>
+          <p:cNvSpPr>
+            <a:spLocks noGrp="1"/>
+          </p:cNvSpPr>
+          <p:nvPr>
+            <p:ph type="sldNum" sz="quarter" idx="12"/>
+          </p:nvPr>
+        </p:nvSpPr>
+        <p:spPr>
+          <a:xfrm>
+            <a:off x="11311721" y="6352822"/>
+            <a:ext cx="448056" cy="365125"/>
+          </a:xfrm>
+        </p:spPr>
+        <p:txBody>
+          <a:bodyPr vert="horz" lIns="91440" tIns="45720" rIns="91440" bIns="45720" rtlCol="0" anchor="ctr">
+            <a:normAutofit/>
+          </a:bodyPr>
+          <a:lstStyle/>
+          <a:p>
+            <a:pPr>
+              <a:spcAft>
+                <a:spcPts val="600"/>
+              </a:spcAft>
+            </a:pPr>
+            <a:fld id="{642D9C5F-7B2C-4B01-8C4C-943ECDFF7E6C}" type="slidenum">
+              <a:rPr lang="en-US" sz="1100">
+                <a:solidFill>
+                  <a:schemeClr val="tx1">
+                    <a:lumMod val="50000"/>
+                    <a:lumOff val="50000"/>
+                  </a:schemeClr>
+                </a:solidFill>
+              </a:rPr>
+              <a:pPr>
+                <a:spcAft>
+                  <a:spcPts val="600"/>
+                </a:spcAft>
+              </a:pPr>
+              <a:t>6</a:t>
             </a:fld>
             <a:endParaRPr lang="en-US" sz="1100" dirty="0">
               <a:solidFill>
@@ -11674,7 +13607,7 @@
                     <a:p>
                       <a:pPr algn="l" fontAlgn="b"/>
                       <a:r>
-                        <a:rPr lang="de-DE" sz="900" u="none" strike="noStrike">
+                        <a:rPr lang="de-DE" sz="900" u="none" strike="noStrike" dirty="0">
                           <a:solidFill>
                             <a:schemeClr val="tx1">
                               <a:lumMod val="75000"/>
@@ -11685,7 +13618,7 @@
                         </a:rPr>
                         <a:t>Cellbalancing wird für jede Zelle aktiviert wenn nötig</a:t>
                       </a:r>
-                      <a:endParaRPr lang="de-DE" sz="900" b="0" i="0" u="none" strike="noStrike">
+                      <a:endParaRPr lang="de-DE" sz="900" b="0" i="0" u="none" strike="noStrike" dirty="0">
                         <a:solidFill>
                           <a:schemeClr val="tx1">
                             <a:lumMod val="75000"/>
@@ -14924,7 +16857,7 @@
 </p:sld>
 </file>
 
-<file path=ppt/slides/slide6.xml><?xml version="1.0" encoding="utf-8"?>
+<file path=ppt/slides/slide7.xml><?xml version="1.0" encoding="utf-8"?>
 <p:sld xmlns:a="http://schemas.openxmlformats.org/drawingml/2006/main" xmlns:r="http://schemas.openxmlformats.org/officeDocument/2006/relationships" xmlns:p="http://schemas.openxmlformats.org/presentationml/2006/main">
   <p:cSld>
     <p:spTree>
@@ -15035,7 +16968,7 @@
           <a:p>
             <a:fld id="{642D9C5F-7B2C-4B01-8C4C-943ECDFF7E6C}" type="slidenum">
               <a:rPr lang="de-DE" smtClean="0"/>
-              <a:t>6</a:t>
+              <a:t>7</a:t>
             </a:fld>
             <a:endParaRPr lang="de-DE"/>
           </a:p>
@@ -15084,7 +17017,7 @@
 </p:sld>
 </file>
 
-<file path=ppt/slides/slide7.xml><?xml version="1.0" encoding="utf-8"?>
+<file path=ppt/slides/slide8.xml><?xml version="1.0" encoding="utf-8"?>
 <p:sld xmlns:a="http://schemas.openxmlformats.org/drawingml/2006/main" xmlns:r="http://schemas.openxmlformats.org/officeDocument/2006/relationships" xmlns:p="http://schemas.openxmlformats.org/presentationml/2006/main">
   <p:cSld>
     <p:spTree>
@@ -15125,7 +17058,7 @@
           <a:lstStyle/>
           <a:p>
             <a:r>
-              <a:rPr lang="de-DE" sz="3600" dirty="0">
+              <a:rPr lang="de-DE" sz="3600">
                 <a:solidFill>
                   <a:srgbClr val="0070C0"/>
                 </a:solidFill>
@@ -15133,42 +17066,1522 @@
               <a:t>3</a:t>
             </a:r>
             <a:r>
-              <a:rPr lang="de-DE" sz="3600" dirty="0"/>
-              <a:t> Over </a:t>
-            </a:r>
-            <a:r>
-              <a:rPr lang="de-DE" sz="3600" dirty="0" err="1"/>
-              <a:t>Temp</a:t>
+              <a:rPr lang="de-DE" sz="3600"/>
+              <a:t> Over Temp</a:t>
             </a:r>
             <a:endParaRPr lang="de-DE" sz="3600" dirty="0"/>
           </a:p>
         </p:txBody>
       </p:sp>
-      <p:sp>
-        <p:nvSpPr>
-          <p:cNvPr id="3" name="Inhaltsplatzhalter 2">
+      <p:graphicFrame>
+        <p:nvGraphicFramePr>
+          <p:cNvPr id="4" name="Inhaltsplatzhalter 3">
             <a:extLst>
               <a:ext uri="{FF2B5EF4-FFF2-40B4-BE49-F238E27FC236}">
-                <a16:creationId xmlns:a16="http://schemas.microsoft.com/office/drawing/2014/main" id="{21F67520-B43E-7A65-7B10-58EEA0FF1AEB}"/>
+                <a16:creationId xmlns:a16="http://schemas.microsoft.com/office/drawing/2014/main" id="{87F016ED-DF76-2267-1DF0-D1591836E203}"/>
               </a:ext>
             </a:extLst>
           </p:cNvPr>
-          <p:cNvSpPr>
-            <a:spLocks noGrp="1"/>
-          </p:cNvSpPr>
+          <p:cNvGraphicFramePr>
+            <a:graphicFrameLocks noGrp="1"/>
+          </p:cNvGraphicFramePr>
           <p:nvPr>
             <p:ph idx="1"/>
+            <p:extLst>
+              <p:ext uri="{D42A27DB-BD31-4B8C-83A1-F6EECF244321}">
+                <p14:modId xmlns:p14="http://schemas.microsoft.com/office/powerpoint/2010/main" val="2793581745"/>
+              </p:ext>
+            </p:extLst>
           </p:nvPr>
-        </p:nvSpPr>
-        <p:spPr/>
-        <p:txBody>
-          <a:bodyPr/>
-          <a:lstStyle/>
-          <a:p>
-            <a:endParaRPr lang="de-DE"/>
-          </a:p>
-        </p:txBody>
-      </p:sp>
+        </p:nvGraphicFramePr>
+        <p:xfrm>
+          <a:off x="838200" y="2684490"/>
+          <a:ext cx="10515599" cy="2730265"/>
+        </p:xfrm>
+        <a:graphic>
+          <a:graphicData uri="http://schemas.openxmlformats.org/drawingml/2006/table">
+            <a:tbl>
+              <a:tblPr>
+                <a:tableStyleId>{5C22544A-7EE6-4342-B048-85BDC9FD1C3A}</a:tableStyleId>
+              </a:tblPr>
+              <a:tblGrid>
+                <a:gridCol w="1709471">
+                  <a:extLst>
+                    <a:ext uri="{9D8B030D-6E8A-4147-A177-3AD203B41FA5}">
+                      <a16:colId xmlns:a16="http://schemas.microsoft.com/office/drawing/2014/main" val="2460899179"/>
+                    </a:ext>
+                  </a:extLst>
+                </a:gridCol>
+                <a:gridCol w="2321117">
+                  <a:extLst>
+                    <a:ext uri="{9D8B030D-6E8A-4147-A177-3AD203B41FA5}">
+                      <a16:colId xmlns:a16="http://schemas.microsoft.com/office/drawing/2014/main" val="1112285292"/>
+                    </a:ext>
+                  </a:extLst>
+                </a:gridCol>
+                <a:gridCol w="2321117">
+                  <a:extLst>
+                    <a:ext uri="{9D8B030D-6E8A-4147-A177-3AD203B41FA5}">
+                      <a16:colId xmlns:a16="http://schemas.microsoft.com/office/drawing/2014/main" val="3842363797"/>
+                    </a:ext>
+                  </a:extLst>
+                </a:gridCol>
+                <a:gridCol w="1403648">
+                  <a:extLst>
+                    <a:ext uri="{9D8B030D-6E8A-4147-A177-3AD203B41FA5}">
+                      <a16:colId xmlns:a16="http://schemas.microsoft.com/office/drawing/2014/main" val="2883550256"/>
+                    </a:ext>
+                  </a:extLst>
+                </a:gridCol>
+                <a:gridCol w="1380123">
+                  <a:extLst>
+                    <a:ext uri="{9D8B030D-6E8A-4147-A177-3AD203B41FA5}">
+                      <a16:colId xmlns:a16="http://schemas.microsoft.com/office/drawing/2014/main" val="2151495734"/>
+                    </a:ext>
+                  </a:extLst>
+                </a:gridCol>
+                <a:gridCol w="1380123">
+                  <a:extLst>
+                    <a:ext uri="{9D8B030D-6E8A-4147-A177-3AD203B41FA5}">
+                      <a16:colId xmlns:a16="http://schemas.microsoft.com/office/drawing/2014/main" val="2449951447"/>
+                    </a:ext>
+                  </a:extLst>
+                </a:gridCol>
+              </a:tblGrid>
+              <a:tr h="165687">
+                <a:tc>
+                  <a:txBody>
+                    <a:bodyPr/>
+                    <a:lstStyle/>
+                    <a:p>
+                      <a:pPr algn="l" fontAlgn="b"/>
+                      <a:r>
+                        <a:rPr lang="de-DE" sz="1000" u="none" strike="noStrike">
+                          <a:effectLst/>
+                        </a:rPr>
+                        <a:t>Anforderung</a:t>
+                      </a:r>
+                      <a:endParaRPr lang="de-DE" sz="1000" b="1" i="0" u="none" strike="noStrike">
+                        <a:solidFill>
+                          <a:srgbClr val="000000"/>
+                        </a:solidFill>
+                        <a:effectLst/>
+                        <a:latin typeface="Aptos Narrow" panose="020B0004020202020204" pitchFamily="34" charset="0"/>
+                      </a:endParaRPr>
+                    </a:p>
+                  </a:txBody>
+                  <a:tcPr marL="6627" marR="6627" marT="6627" marB="0" anchor="b"/>
+                </a:tc>
+                <a:tc>
+                  <a:txBody>
+                    <a:bodyPr/>
+                    <a:lstStyle/>
+                    <a:p>
+                      <a:pPr algn="l" fontAlgn="b"/>
+                      <a:r>
+                        <a:rPr lang="de-DE" sz="1000" u="none" strike="noStrike">
+                          <a:effectLst/>
+                        </a:rPr>
+                        <a:t>Testart</a:t>
+                      </a:r>
+                      <a:endParaRPr lang="de-DE" sz="1000" b="1" i="0" u="none" strike="noStrike">
+                        <a:solidFill>
+                          <a:srgbClr val="000000"/>
+                        </a:solidFill>
+                        <a:effectLst/>
+                        <a:latin typeface="Aptos Narrow" panose="020B0004020202020204" pitchFamily="34" charset="0"/>
+                      </a:endParaRPr>
+                    </a:p>
+                  </a:txBody>
+                  <a:tcPr marL="6627" marR="6627" marT="6627" marB="0" anchor="b"/>
+                </a:tc>
+                <a:tc>
+                  <a:txBody>
+                    <a:bodyPr/>
+                    <a:lstStyle/>
+                    <a:p>
+                      <a:pPr algn="l" fontAlgn="b"/>
+                      <a:r>
+                        <a:rPr lang="de-DE" sz="1000" u="none" strike="noStrike">
+                          <a:effectLst/>
+                        </a:rPr>
+                        <a:t>Ausführung</a:t>
+                      </a:r>
+                      <a:endParaRPr lang="de-DE" sz="1000" b="1" i="0" u="none" strike="noStrike">
+                        <a:solidFill>
+                          <a:srgbClr val="000000"/>
+                        </a:solidFill>
+                        <a:effectLst/>
+                        <a:latin typeface="Aptos Narrow" panose="020B0004020202020204" pitchFamily="34" charset="0"/>
+                      </a:endParaRPr>
+                    </a:p>
+                  </a:txBody>
+                  <a:tcPr marL="6627" marR="6627" marT="6627" marB="0" anchor="b"/>
+                </a:tc>
+                <a:tc>
+                  <a:txBody>
+                    <a:bodyPr/>
+                    <a:lstStyle/>
+                    <a:p>
+                      <a:pPr algn="l" fontAlgn="b"/>
+                      <a:r>
+                        <a:rPr lang="de-DE" sz="1000" u="none" strike="noStrike">
+                          <a:effectLst/>
+                        </a:rPr>
+                        <a:t>Vorgabe Vcell</a:t>
+                      </a:r>
+                      <a:endParaRPr lang="de-DE" sz="1000" b="1" i="0" u="none" strike="noStrike">
+                        <a:solidFill>
+                          <a:srgbClr val="000000"/>
+                        </a:solidFill>
+                        <a:effectLst/>
+                        <a:latin typeface="Aptos Narrow" panose="020B0004020202020204" pitchFamily="34" charset="0"/>
+                      </a:endParaRPr>
+                    </a:p>
+                  </a:txBody>
+                  <a:tcPr marL="6627" marR="6627" marT="6627" marB="0" anchor="b"/>
+                </a:tc>
+                <a:tc>
+                  <a:txBody>
+                    <a:bodyPr/>
+                    <a:lstStyle/>
+                    <a:p>
+                      <a:pPr algn="l" fontAlgn="ctr"/>
+                      <a:r>
+                        <a:rPr lang="de-DE" sz="1000" u="none" strike="noStrike">
+                          <a:effectLst/>
+                        </a:rPr>
+                        <a:t>Erwartetes Ergebnis</a:t>
+                      </a:r>
+                      <a:endParaRPr lang="de-DE" sz="1000" b="1" i="0" u="none" strike="noStrike">
+                        <a:solidFill>
+                          <a:srgbClr val="000000"/>
+                        </a:solidFill>
+                        <a:effectLst/>
+                        <a:latin typeface="Aptos Narrow" panose="020B0004020202020204" pitchFamily="34" charset="0"/>
+                      </a:endParaRPr>
+                    </a:p>
+                  </a:txBody>
+                  <a:tcPr marL="6627" marR="6627" marT="6627" marB="0" anchor="ctr"/>
+                </a:tc>
+                <a:tc>
+                  <a:txBody>
+                    <a:bodyPr/>
+                    <a:lstStyle/>
+                    <a:p>
+                      <a:pPr algn="l" fontAlgn="b"/>
+                      <a:r>
+                        <a:rPr lang="de-DE" sz="1000" u="none" strike="noStrike">
+                          <a:effectLst/>
+                        </a:rPr>
+                        <a:t>Ergebnis</a:t>
+                      </a:r>
+                      <a:endParaRPr lang="de-DE" sz="1000" b="1" i="0" u="none" strike="noStrike">
+                        <a:solidFill>
+                          <a:srgbClr val="000000"/>
+                        </a:solidFill>
+                        <a:effectLst/>
+                        <a:latin typeface="Aptos Narrow" panose="020B0004020202020204" pitchFamily="34" charset="0"/>
+                      </a:endParaRPr>
+                    </a:p>
+                  </a:txBody>
+                  <a:tcPr marL="6627" marR="6627" marT="6627" marB="0" anchor="b"/>
+                </a:tc>
+                <a:extLst>
+                  <a:ext uri="{0D108BD9-81ED-4DB2-BD59-A6C34878D82A}">
+                    <a16:rowId xmlns:a16="http://schemas.microsoft.com/office/drawing/2014/main" val="204056681"/>
+                  </a:ext>
+                </a:extLst>
+              </a:tr>
+              <a:tr h="265099">
+                <a:tc rowSpan="4">
+                  <a:txBody>
+                    <a:bodyPr/>
+                    <a:lstStyle/>
+                    <a:p>
+                      <a:pPr algn="l" fontAlgn="ctr"/>
+                      <a:r>
+                        <a:rPr lang="de-DE" sz="800" u="none" strike="noStrike">
+                          <a:effectLst/>
+                        </a:rPr>
+                        <a:t>BMS-21 - Auseinanderdriften der einzelnen Zellspannungen entgegenwirken</a:t>
+                      </a:r>
+                      <a:endParaRPr lang="de-DE" sz="800" b="0" i="0" u="none" strike="noStrike">
+                        <a:solidFill>
+                          <a:srgbClr val="000000"/>
+                        </a:solidFill>
+                        <a:effectLst/>
+                        <a:latin typeface="Aptos Narrow" panose="020B0004020202020204" pitchFamily="34" charset="0"/>
+                      </a:endParaRPr>
+                    </a:p>
+                  </a:txBody>
+                  <a:tcPr marL="6627" marR="6627" marT="6627" marB="0" anchor="ctr"/>
+                </a:tc>
+                <a:tc>
+                  <a:txBody>
+                    <a:bodyPr/>
+                    <a:lstStyle/>
+                    <a:p>
+                      <a:pPr algn="l" fontAlgn="ctr"/>
+                      <a:r>
+                        <a:rPr lang="de-DE" sz="800" u="none" strike="noStrike">
+                          <a:effectLst/>
+                        </a:rPr>
+                        <a:t>allgemeiner Funktionstest 1</a:t>
+                      </a:r>
+                      <a:endParaRPr lang="de-DE" sz="800" b="0" i="0" u="none" strike="noStrike">
+                        <a:solidFill>
+                          <a:srgbClr val="000000"/>
+                        </a:solidFill>
+                        <a:effectLst/>
+                        <a:latin typeface="Aptos Narrow" panose="020B0004020202020204" pitchFamily="34" charset="0"/>
+                      </a:endParaRPr>
+                    </a:p>
+                  </a:txBody>
+                  <a:tcPr marL="6627" marR="6627" marT="6627" marB="0" anchor="ctr"/>
+                </a:tc>
+                <a:tc>
+                  <a:txBody>
+                    <a:bodyPr/>
+                    <a:lstStyle/>
+                    <a:p>
+                      <a:pPr algn="l" fontAlgn="ctr"/>
+                      <a:r>
+                        <a:rPr lang="de-DE" sz="800" u="none" strike="noStrike">
+                          <a:effectLst/>
+                        </a:rPr>
+                        <a:t>Cellbalancing wird für jede Zelle aktiviert wenn nötig</a:t>
+                      </a:r>
+                      <a:endParaRPr lang="de-DE" sz="800" b="0" i="0" u="none" strike="noStrike">
+                        <a:solidFill>
+                          <a:srgbClr val="000000"/>
+                        </a:solidFill>
+                        <a:effectLst/>
+                        <a:latin typeface="Aptos Narrow" panose="020B0004020202020204" pitchFamily="34" charset="0"/>
+                      </a:endParaRPr>
+                    </a:p>
+                  </a:txBody>
+                  <a:tcPr marL="6627" marR="6627" marT="6627" marB="0" anchor="ctr"/>
+                </a:tc>
+                <a:tc>
+                  <a:txBody>
+                    <a:bodyPr/>
+                    <a:lstStyle/>
+                    <a:p>
+                      <a:pPr algn="l" fontAlgn="ctr"/>
+                      <a:r>
+                        <a:rPr lang="de-DE" sz="800" u="none" strike="noStrike">
+                          <a:effectLst/>
+                        </a:rPr>
+                        <a:t>Vcell[4.0, 4.0, 4.0, 4.5]</a:t>
+                      </a:r>
+                      <a:endParaRPr lang="de-DE" sz="800" b="0" i="0" u="none" strike="noStrike">
+                        <a:solidFill>
+                          <a:srgbClr val="000000"/>
+                        </a:solidFill>
+                        <a:effectLst/>
+                        <a:latin typeface="Aptos Narrow" panose="020B0004020202020204" pitchFamily="34" charset="0"/>
+                      </a:endParaRPr>
+                    </a:p>
+                  </a:txBody>
+                  <a:tcPr marL="6627" marR="6627" marT="6627" marB="0" anchor="ctr"/>
+                </a:tc>
+                <a:tc>
+                  <a:txBody>
+                    <a:bodyPr/>
+                    <a:lstStyle/>
+                    <a:p>
+                      <a:pPr algn="l" fontAlgn="ctr"/>
+                      <a:r>
+                        <a:rPr lang="de-DE" sz="800" u="none" strike="noStrike">
+                          <a:effectLst/>
+                        </a:rPr>
+                        <a:t>setbalActive: 0 bzw 4 bei jedem vierten Schritt</a:t>
+                      </a:r>
+                      <a:endParaRPr lang="de-DE" sz="800" b="0" i="0" u="none" strike="noStrike">
+                        <a:solidFill>
+                          <a:srgbClr val="000000"/>
+                        </a:solidFill>
+                        <a:effectLst/>
+                        <a:latin typeface="Aptos Narrow" panose="020B0004020202020204" pitchFamily="34" charset="0"/>
+                      </a:endParaRPr>
+                    </a:p>
+                  </a:txBody>
+                  <a:tcPr marL="6627" marR="6627" marT="6627" marB="0" anchor="ctr"/>
+                </a:tc>
+                <a:tc>
+                  <a:txBody>
+                    <a:bodyPr/>
+                    <a:lstStyle/>
+                    <a:p>
+                      <a:pPr algn="l" fontAlgn="ctr"/>
+                      <a:r>
+                        <a:rPr lang="de-DE" sz="800" u="none" strike="noStrike">
+                          <a:effectLst/>
+                        </a:rPr>
+                        <a:t>✓</a:t>
+                      </a:r>
+                      <a:endParaRPr lang="de-DE" sz="800" b="0" i="0" u="none" strike="noStrike">
+                        <a:solidFill>
+                          <a:srgbClr val="000000"/>
+                        </a:solidFill>
+                        <a:effectLst/>
+                        <a:latin typeface="Aptos Narrow" panose="020B0004020202020204" pitchFamily="34" charset="0"/>
+                      </a:endParaRPr>
+                    </a:p>
+                  </a:txBody>
+                  <a:tcPr marL="6627" marR="6627" marT="6627" marB="0" anchor="ctr"/>
+                </a:tc>
+                <a:extLst>
+                  <a:ext uri="{0D108BD9-81ED-4DB2-BD59-A6C34878D82A}">
+                    <a16:rowId xmlns:a16="http://schemas.microsoft.com/office/drawing/2014/main" val="3176260646"/>
+                  </a:ext>
+                </a:extLst>
+              </a:tr>
+              <a:tr h="239915">
+                <a:tc vMerge="1">
+                  <a:txBody>
+                    <a:bodyPr/>
+                    <a:lstStyle/>
+                    <a:p>
+                      <a:endParaRPr lang="en-DE"/>
+                    </a:p>
+                  </a:txBody>
+                  <a:tcPr/>
+                </a:tc>
+                <a:tc>
+                  <a:txBody>
+                    <a:bodyPr/>
+                    <a:lstStyle/>
+                    <a:p>
+                      <a:pPr algn="l" fontAlgn="ctr"/>
+                      <a:r>
+                        <a:rPr lang="de-DE" sz="800" u="none" strike="noStrike">
+                          <a:effectLst/>
+                        </a:rPr>
+                        <a:t>allgemeiner Funktionstest 2</a:t>
+                      </a:r>
+                      <a:endParaRPr lang="de-DE" sz="800" b="0" i="0" u="none" strike="noStrike">
+                        <a:solidFill>
+                          <a:srgbClr val="000000"/>
+                        </a:solidFill>
+                        <a:effectLst/>
+                        <a:latin typeface="Aptos Narrow" panose="020B0004020202020204" pitchFamily="34" charset="0"/>
+                      </a:endParaRPr>
+                    </a:p>
+                  </a:txBody>
+                  <a:tcPr marL="6627" marR="6627" marT="6627" marB="0" anchor="ctr"/>
+                </a:tc>
+                <a:tc>
+                  <a:txBody>
+                    <a:bodyPr/>
+                    <a:lstStyle/>
+                    <a:p>
+                      <a:pPr algn="l" fontAlgn="ctr"/>
+                      <a:r>
+                        <a:rPr lang="de-DE" sz="800" u="none" strike="noStrike">
+                          <a:effectLst/>
+                        </a:rPr>
+                        <a:t>2 Zellen gleichzeitig außerhalb des Wertebereiches</a:t>
+                      </a:r>
+                      <a:endParaRPr lang="de-DE" sz="800" b="0" i="0" u="none" strike="noStrike">
+                        <a:solidFill>
+                          <a:srgbClr val="000000"/>
+                        </a:solidFill>
+                        <a:effectLst/>
+                        <a:latin typeface="Aptos Narrow" panose="020B0004020202020204" pitchFamily="34" charset="0"/>
+                      </a:endParaRPr>
+                    </a:p>
+                  </a:txBody>
+                  <a:tcPr marL="6627" marR="6627" marT="6627" marB="0" anchor="ctr"/>
+                </a:tc>
+                <a:tc>
+                  <a:txBody>
+                    <a:bodyPr/>
+                    <a:lstStyle/>
+                    <a:p>
+                      <a:pPr algn="l" fontAlgn="ctr"/>
+                      <a:r>
+                        <a:rPr lang="de-DE" sz="800" u="none" strike="noStrike">
+                          <a:effectLst/>
+                        </a:rPr>
+                        <a:t>Vcell[4.0, 4.0, 3.5, 4.5]</a:t>
+                      </a:r>
+                      <a:endParaRPr lang="de-DE" sz="800" b="0" i="0" u="none" strike="noStrike">
+                        <a:solidFill>
+                          <a:srgbClr val="000000"/>
+                        </a:solidFill>
+                        <a:effectLst/>
+                        <a:latin typeface="Aptos Narrow" panose="020B0004020202020204" pitchFamily="34" charset="0"/>
+                      </a:endParaRPr>
+                    </a:p>
+                  </a:txBody>
+                  <a:tcPr marL="6627" marR="6627" marT="6627" marB="0" anchor="ctr"/>
+                </a:tc>
+                <a:tc>
+                  <a:txBody>
+                    <a:bodyPr/>
+                    <a:lstStyle/>
+                    <a:p>
+                      <a:pPr algn="l" fontAlgn="ctr"/>
+                      <a:r>
+                        <a:rPr lang="de-DE" sz="800" u="none" strike="noStrike">
+                          <a:effectLst/>
+                        </a:rPr>
+                        <a:t>setbalActive: 3 &amp; 4 </a:t>
+                      </a:r>
+                      <a:endParaRPr lang="de-DE" sz="800" b="0" i="0" u="none" strike="noStrike">
+                        <a:solidFill>
+                          <a:srgbClr val="000000"/>
+                        </a:solidFill>
+                        <a:effectLst/>
+                        <a:latin typeface="Aptos Narrow" panose="020B0004020202020204" pitchFamily="34" charset="0"/>
+                      </a:endParaRPr>
+                    </a:p>
+                  </a:txBody>
+                  <a:tcPr marL="6627" marR="6627" marT="6627" marB="0" anchor="ctr"/>
+                </a:tc>
+                <a:tc>
+                  <a:txBody>
+                    <a:bodyPr/>
+                    <a:lstStyle/>
+                    <a:p>
+                      <a:pPr algn="l" fontAlgn="ctr"/>
+                      <a:r>
+                        <a:rPr lang="de-DE" sz="800" u="none" strike="noStrike">
+                          <a:effectLst/>
+                        </a:rPr>
+                        <a:t>werden nacheinander gebalanced ✓</a:t>
+                      </a:r>
+                      <a:endParaRPr lang="de-DE" sz="800" b="0" i="0" u="none" strike="noStrike">
+                        <a:solidFill>
+                          <a:srgbClr val="000000"/>
+                        </a:solidFill>
+                        <a:effectLst/>
+                        <a:latin typeface="Aptos Narrow" panose="020B0004020202020204" pitchFamily="34" charset="0"/>
+                      </a:endParaRPr>
+                    </a:p>
+                  </a:txBody>
+                  <a:tcPr marL="6627" marR="6627" marT="6627" marB="0" anchor="ctr"/>
+                </a:tc>
+                <a:extLst>
+                  <a:ext uri="{0D108BD9-81ED-4DB2-BD59-A6C34878D82A}">
+                    <a16:rowId xmlns:a16="http://schemas.microsoft.com/office/drawing/2014/main" val="2908789308"/>
+                  </a:ext>
+                </a:extLst>
+              </a:tr>
+              <a:tr h="132550">
+                <a:tc vMerge="1">
+                  <a:txBody>
+                    <a:bodyPr/>
+                    <a:lstStyle/>
+                    <a:p>
+                      <a:endParaRPr lang="en-DE"/>
+                    </a:p>
+                  </a:txBody>
+                  <a:tcPr/>
+                </a:tc>
+                <a:tc>
+                  <a:txBody>
+                    <a:bodyPr/>
+                    <a:lstStyle/>
+                    <a:p>
+                      <a:pPr algn="l" fontAlgn="ctr"/>
+                      <a:r>
+                        <a:rPr lang="de-DE" sz="800" u="none" strike="noStrike">
+                          <a:effectLst/>
+                        </a:rPr>
+                        <a:t>allgemeiner Funktionstest 3</a:t>
+                      </a:r>
+                      <a:endParaRPr lang="de-DE" sz="800" b="0" i="0" u="none" strike="noStrike">
+                        <a:solidFill>
+                          <a:srgbClr val="000000"/>
+                        </a:solidFill>
+                        <a:effectLst/>
+                        <a:latin typeface="Aptos Narrow" panose="020B0004020202020204" pitchFamily="34" charset="0"/>
+                      </a:endParaRPr>
+                    </a:p>
+                  </a:txBody>
+                  <a:tcPr marL="6627" marR="6627" marT="6627" marB="0" anchor="ctr"/>
+                </a:tc>
+                <a:tc>
+                  <a:txBody>
+                    <a:bodyPr/>
+                    <a:lstStyle/>
+                    <a:p>
+                      <a:pPr algn="l" fontAlgn="ctr"/>
+                      <a:r>
+                        <a:rPr lang="de-DE" sz="800" u="none" strike="noStrike">
+                          <a:effectLst/>
+                        </a:rPr>
+                        <a:t>keine Zelle muss gebalanced werden</a:t>
+                      </a:r>
+                      <a:endParaRPr lang="de-DE" sz="800" b="0" i="0" u="none" strike="noStrike">
+                        <a:solidFill>
+                          <a:srgbClr val="000000"/>
+                        </a:solidFill>
+                        <a:effectLst/>
+                        <a:latin typeface="Aptos Narrow" panose="020B0004020202020204" pitchFamily="34" charset="0"/>
+                      </a:endParaRPr>
+                    </a:p>
+                  </a:txBody>
+                  <a:tcPr marL="6627" marR="6627" marT="6627" marB="0" anchor="ctr"/>
+                </a:tc>
+                <a:tc>
+                  <a:txBody>
+                    <a:bodyPr/>
+                    <a:lstStyle/>
+                    <a:p>
+                      <a:pPr algn="l" fontAlgn="ctr"/>
+                      <a:r>
+                        <a:rPr lang="de-DE" sz="800" u="none" strike="noStrike">
+                          <a:effectLst/>
+                        </a:rPr>
+                        <a:t>Vcell[4.0, 4.0, 4.0, 4.0]</a:t>
+                      </a:r>
+                      <a:endParaRPr lang="de-DE" sz="800" b="0" i="0" u="none" strike="noStrike">
+                        <a:solidFill>
+                          <a:srgbClr val="000000"/>
+                        </a:solidFill>
+                        <a:effectLst/>
+                        <a:latin typeface="Aptos Narrow" panose="020B0004020202020204" pitchFamily="34" charset="0"/>
+                      </a:endParaRPr>
+                    </a:p>
+                  </a:txBody>
+                  <a:tcPr marL="6627" marR="6627" marT="6627" marB="0" anchor="ctr"/>
+                </a:tc>
+                <a:tc>
+                  <a:txBody>
+                    <a:bodyPr/>
+                    <a:lstStyle/>
+                    <a:p>
+                      <a:pPr algn="l" fontAlgn="ctr"/>
+                      <a:r>
+                        <a:rPr lang="de-DE" sz="800" u="none" strike="noStrike">
+                          <a:effectLst/>
+                        </a:rPr>
+                        <a:t>setbalActive: 0</a:t>
+                      </a:r>
+                      <a:endParaRPr lang="de-DE" sz="800" b="0" i="0" u="none" strike="noStrike">
+                        <a:solidFill>
+                          <a:srgbClr val="000000"/>
+                        </a:solidFill>
+                        <a:effectLst/>
+                        <a:latin typeface="Aptos Narrow" panose="020B0004020202020204" pitchFamily="34" charset="0"/>
+                      </a:endParaRPr>
+                    </a:p>
+                  </a:txBody>
+                  <a:tcPr marL="6627" marR="6627" marT="6627" marB="0" anchor="ctr"/>
+                </a:tc>
+                <a:tc>
+                  <a:txBody>
+                    <a:bodyPr/>
+                    <a:lstStyle/>
+                    <a:p>
+                      <a:pPr algn="l" fontAlgn="ctr"/>
+                      <a:r>
+                        <a:rPr lang="de-DE" sz="800" u="none" strike="noStrike">
+                          <a:effectLst/>
+                        </a:rPr>
+                        <a:t>✓</a:t>
+                      </a:r>
+                      <a:endParaRPr lang="de-DE" sz="800" b="0" i="0" u="none" strike="noStrike">
+                        <a:solidFill>
+                          <a:srgbClr val="000000"/>
+                        </a:solidFill>
+                        <a:effectLst/>
+                        <a:latin typeface="Aptos Narrow" panose="020B0004020202020204" pitchFamily="34" charset="0"/>
+                      </a:endParaRPr>
+                    </a:p>
+                  </a:txBody>
+                  <a:tcPr marL="6627" marR="6627" marT="6627" marB="0" anchor="ctr"/>
+                </a:tc>
+                <a:extLst>
+                  <a:ext uri="{0D108BD9-81ED-4DB2-BD59-A6C34878D82A}">
+                    <a16:rowId xmlns:a16="http://schemas.microsoft.com/office/drawing/2014/main" val="2915256941"/>
+                  </a:ext>
+                </a:extLst>
+              </a:tr>
+              <a:tr h="265099">
+                <a:tc vMerge="1">
+                  <a:txBody>
+                    <a:bodyPr/>
+                    <a:lstStyle/>
+                    <a:p>
+                      <a:endParaRPr lang="en-DE"/>
+                    </a:p>
+                  </a:txBody>
+                  <a:tcPr/>
+                </a:tc>
+                <a:tc>
+                  <a:txBody>
+                    <a:bodyPr/>
+                    <a:lstStyle/>
+                    <a:p>
+                      <a:pPr algn="l" fontAlgn="ctr"/>
+                      <a:r>
+                        <a:rPr lang="de-DE" sz="800" u="none" strike="noStrike">
+                          <a:effectLst/>
+                        </a:rPr>
+                        <a:t>allgemeiner Funktionstest 4</a:t>
+                      </a:r>
+                      <a:endParaRPr lang="de-DE" sz="800" b="0" i="0" u="none" strike="noStrike">
+                        <a:solidFill>
+                          <a:srgbClr val="000000"/>
+                        </a:solidFill>
+                        <a:effectLst/>
+                        <a:latin typeface="Aptos Narrow" panose="020B0004020202020204" pitchFamily="34" charset="0"/>
+                      </a:endParaRPr>
+                    </a:p>
+                  </a:txBody>
+                  <a:tcPr marL="6627" marR="6627" marT="6627" marB="0" anchor="ctr"/>
+                </a:tc>
+                <a:tc>
+                  <a:txBody>
+                    <a:bodyPr/>
+                    <a:lstStyle/>
+                    <a:p>
+                      <a:pPr algn="l" fontAlgn="ctr"/>
+                      <a:r>
+                        <a:rPr lang="de-DE" sz="800" u="none" strike="noStrike">
+                          <a:effectLst/>
+                        </a:rPr>
+                        <a:t>Grenzwert weniger als 4 Mal unterschritten</a:t>
+                      </a:r>
+                      <a:endParaRPr lang="de-DE" sz="800" b="0" i="0" u="none" strike="noStrike">
+                        <a:solidFill>
+                          <a:srgbClr val="000000"/>
+                        </a:solidFill>
+                        <a:effectLst/>
+                        <a:latin typeface="Aptos Narrow" panose="020B0004020202020204" pitchFamily="34" charset="0"/>
+                      </a:endParaRPr>
+                    </a:p>
+                  </a:txBody>
+                  <a:tcPr marL="6627" marR="6627" marT="6627" marB="0" anchor="ctr"/>
+                </a:tc>
+                <a:tc>
+                  <a:txBody>
+                    <a:bodyPr/>
+                    <a:lstStyle/>
+                    <a:p>
+                      <a:pPr algn="l" fontAlgn="ctr"/>
+                      <a:r>
+                        <a:rPr lang="de-DE" sz="800" u="none" strike="noStrike">
+                          <a:effectLst/>
+                        </a:rPr>
+                        <a:t>3x Vcell[4.0, 4.0, 4.0, 4.5]        1xVcell[4.0, 4.0, 4.0, 4.0]</a:t>
+                      </a:r>
+                      <a:endParaRPr lang="de-DE" sz="800" b="0" i="0" u="none" strike="noStrike">
+                        <a:solidFill>
+                          <a:srgbClr val="000000"/>
+                        </a:solidFill>
+                        <a:effectLst/>
+                        <a:latin typeface="Aptos Narrow" panose="020B0004020202020204" pitchFamily="34" charset="0"/>
+                      </a:endParaRPr>
+                    </a:p>
+                  </a:txBody>
+                  <a:tcPr marL="6627" marR="6627" marT="6627" marB="0" anchor="ctr"/>
+                </a:tc>
+                <a:tc>
+                  <a:txBody>
+                    <a:bodyPr/>
+                    <a:lstStyle/>
+                    <a:p>
+                      <a:pPr algn="l" fontAlgn="ctr"/>
+                      <a:r>
+                        <a:rPr lang="de-DE" sz="800" u="none" strike="noStrike">
+                          <a:effectLst/>
+                        </a:rPr>
+                        <a:t>setbalActive: 0</a:t>
+                      </a:r>
+                      <a:endParaRPr lang="de-DE" sz="800" b="0" i="0" u="none" strike="noStrike">
+                        <a:solidFill>
+                          <a:srgbClr val="000000"/>
+                        </a:solidFill>
+                        <a:effectLst/>
+                        <a:latin typeface="Aptos Narrow" panose="020B0004020202020204" pitchFamily="34" charset="0"/>
+                      </a:endParaRPr>
+                    </a:p>
+                  </a:txBody>
+                  <a:tcPr marL="6627" marR="6627" marT="6627" marB="0" anchor="ctr"/>
+                </a:tc>
+                <a:tc>
+                  <a:txBody>
+                    <a:bodyPr/>
+                    <a:lstStyle/>
+                    <a:p>
+                      <a:pPr algn="l" fontAlgn="ctr"/>
+                      <a:r>
+                        <a:rPr lang="de-DE" sz="800" u="none" strike="noStrike">
+                          <a:effectLst/>
+                        </a:rPr>
+                        <a:t>✓</a:t>
+                      </a:r>
+                      <a:endParaRPr lang="de-DE" sz="800" b="0" i="0" u="none" strike="noStrike">
+                        <a:solidFill>
+                          <a:srgbClr val="000000"/>
+                        </a:solidFill>
+                        <a:effectLst/>
+                        <a:latin typeface="Aptos Narrow" panose="020B0004020202020204" pitchFamily="34" charset="0"/>
+                      </a:endParaRPr>
+                    </a:p>
+                  </a:txBody>
+                  <a:tcPr marL="6627" marR="6627" marT="6627" marB="0" anchor="ctr"/>
+                </a:tc>
+                <a:extLst>
+                  <a:ext uri="{0D108BD9-81ED-4DB2-BD59-A6C34878D82A}">
+                    <a16:rowId xmlns:a16="http://schemas.microsoft.com/office/drawing/2014/main" val="3812656616"/>
+                  </a:ext>
+                </a:extLst>
+              </a:tr>
+              <a:tr h="265099">
+                <a:tc>
+                  <a:txBody>
+                    <a:bodyPr/>
+                    <a:lstStyle/>
+                    <a:p>
+                      <a:pPr algn="l" fontAlgn="ctr"/>
+                      <a:r>
+                        <a:rPr lang="de-DE" sz="800" u="none" strike="noStrike">
+                          <a:effectLst/>
+                        </a:rPr>
+                        <a:t>Zusatz 12 - Berechnung alle 200ms</a:t>
+                      </a:r>
+                      <a:endParaRPr lang="de-DE" sz="800" b="0" i="0" u="none" strike="noStrike">
+                        <a:solidFill>
+                          <a:srgbClr val="000000"/>
+                        </a:solidFill>
+                        <a:effectLst/>
+                        <a:latin typeface="Aptos Narrow" panose="020B0004020202020204" pitchFamily="34" charset="0"/>
+                      </a:endParaRPr>
+                    </a:p>
+                  </a:txBody>
+                  <a:tcPr marL="6627" marR="6627" marT="6627" marB="0" anchor="ctr"/>
+                </a:tc>
+                <a:tc>
+                  <a:txBody>
+                    <a:bodyPr/>
+                    <a:lstStyle/>
+                    <a:p>
+                      <a:pPr algn="l" fontAlgn="ctr"/>
+                      <a:r>
+                        <a:rPr lang="de-DE" sz="800" u="none" strike="noStrike">
+                          <a:effectLst/>
+                        </a:rPr>
+                        <a:t>nicht testbar</a:t>
+                      </a:r>
+                      <a:endParaRPr lang="de-DE" sz="800" b="0" i="0" u="none" strike="noStrike">
+                        <a:solidFill>
+                          <a:srgbClr val="000000"/>
+                        </a:solidFill>
+                        <a:effectLst/>
+                        <a:latin typeface="Aptos Narrow" panose="020B0004020202020204" pitchFamily="34" charset="0"/>
+                      </a:endParaRPr>
+                    </a:p>
+                  </a:txBody>
+                  <a:tcPr marL="6627" marR="6627" marT="6627" marB="0" anchor="ctr"/>
+                </a:tc>
+                <a:tc>
+                  <a:txBody>
+                    <a:bodyPr/>
+                    <a:lstStyle/>
+                    <a:p>
+                      <a:pPr algn="l" fontAlgn="ctr"/>
+                      <a:endParaRPr lang="de-DE" sz="800" b="0" i="0" u="none" strike="noStrike">
+                        <a:solidFill>
+                          <a:srgbClr val="000000"/>
+                        </a:solidFill>
+                        <a:effectLst/>
+                        <a:latin typeface="Aptos Narrow" panose="020B0004020202020204" pitchFamily="34" charset="0"/>
+                      </a:endParaRPr>
+                    </a:p>
+                  </a:txBody>
+                  <a:tcPr marL="6627" marR="6627" marT="6627" marB="0" anchor="ctr"/>
+                </a:tc>
+                <a:tc>
+                  <a:txBody>
+                    <a:bodyPr/>
+                    <a:lstStyle/>
+                    <a:p>
+                      <a:pPr algn="l" fontAlgn="ctr"/>
+                      <a:endParaRPr lang="de-DE" sz="800" b="0" i="0" u="none" strike="noStrike">
+                        <a:solidFill>
+                          <a:srgbClr val="000000"/>
+                        </a:solidFill>
+                        <a:effectLst/>
+                        <a:latin typeface="Aptos Narrow" panose="020B0004020202020204" pitchFamily="34" charset="0"/>
+                      </a:endParaRPr>
+                    </a:p>
+                  </a:txBody>
+                  <a:tcPr marL="6627" marR="6627" marT="6627" marB="0" anchor="ctr"/>
+                </a:tc>
+                <a:tc>
+                  <a:txBody>
+                    <a:bodyPr/>
+                    <a:lstStyle/>
+                    <a:p>
+                      <a:pPr algn="l" fontAlgn="ctr"/>
+                      <a:endParaRPr lang="de-DE" sz="800" b="0" i="0" u="none" strike="noStrike">
+                        <a:solidFill>
+                          <a:srgbClr val="000000"/>
+                        </a:solidFill>
+                        <a:effectLst/>
+                        <a:latin typeface="Aptos Narrow" panose="020B0004020202020204" pitchFamily="34" charset="0"/>
+                      </a:endParaRPr>
+                    </a:p>
+                  </a:txBody>
+                  <a:tcPr marL="6627" marR="6627" marT="6627" marB="0" anchor="ctr"/>
+                </a:tc>
+                <a:tc>
+                  <a:txBody>
+                    <a:bodyPr/>
+                    <a:lstStyle/>
+                    <a:p>
+                      <a:pPr algn="l" fontAlgn="ctr"/>
+                      <a:endParaRPr lang="de-DE" sz="800" b="0" i="0" u="none" strike="noStrike">
+                        <a:solidFill>
+                          <a:srgbClr val="000000"/>
+                        </a:solidFill>
+                        <a:effectLst/>
+                        <a:latin typeface="Aptos Narrow" panose="020B0004020202020204" pitchFamily="34" charset="0"/>
+                      </a:endParaRPr>
+                    </a:p>
+                  </a:txBody>
+                  <a:tcPr marL="6627" marR="6627" marT="6627" marB="0" anchor="ctr"/>
+                </a:tc>
+                <a:extLst>
+                  <a:ext uri="{0D108BD9-81ED-4DB2-BD59-A6C34878D82A}">
+                    <a16:rowId xmlns:a16="http://schemas.microsoft.com/office/drawing/2014/main" val="2566304901"/>
+                  </a:ext>
+                </a:extLst>
+              </a:tr>
+              <a:tr h="132550">
+                <a:tc>
+                  <a:txBody>
+                    <a:bodyPr/>
+                    <a:lstStyle/>
+                    <a:p>
+                      <a:pPr algn="l" fontAlgn="ctr"/>
+                      <a:r>
+                        <a:rPr lang="de-DE" sz="800" u="none" strike="noStrike">
+                          <a:effectLst/>
+                        </a:rPr>
+                        <a:t>Zusatz 13 - Mittelwert</a:t>
+                      </a:r>
+                      <a:endParaRPr lang="de-DE" sz="800" b="0" i="0" u="none" strike="noStrike">
+                        <a:solidFill>
+                          <a:srgbClr val="000000"/>
+                        </a:solidFill>
+                        <a:effectLst/>
+                        <a:latin typeface="Aptos Narrow" panose="020B0004020202020204" pitchFamily="34" charset="0"/>
+                      </a:endParaRPr>
+                    </a:p>
+                  </a:txBody>
+                  <a:tcPr marL="6627" marR="6627" marT="6627" marB="0" anchor="ctr"/>
+                </a:tc>
+                <a:tc rowSpan="2">
+                  <a:txBody>
+                    <a:bodyPr/>
+                    <a:lstStyle/>
+                    <a:p>
+                      <a:pPr algn="l" fontAlgn="ctr"/>
+                      <a:r>
+                        <a:rPr lang="de-DE" sz="800" u="none" strike="noStrike">
+                          <a:effectLst/>
+                        </a:rPr>
+                        <a:t>Grenzwerttest (Standardabweichung)</a:t>
+                      </a:r>
+                      <a:endParaRPr lang="de-DE" sz="800" b="0" i="0" u="none" strike="noStrike">
+                        <a:solidFill>
+                          <a:srgbClr val="000000"/>
+                        </a:solidFill>
+                        <a:effectLst/>
+                        <a:latin typeface="Aptos Narrow" panose="020B0004020202020204" pitchFamily="34" charset="0"/>
+                      </a:endParaRPr>
+                    </a:p>
+                  </a:txBody>
+                  <a:tcPr marL="6627" marR="6627" marT="6627" marB="0" anchor="ctr"/>
+                </a:tc>
+                <a:tc rowSpan="2">
+                  <a:txBody>
+                    <a:bodyPr/>
+                    <a:lstStyle/>
+                    <a:p>
+                      <a:pPr algn="l" fontAlgn="ctr"/>
+                      <a:r>
+                        <a:rPr lang="de-DE" sz="800" u="none" strike="noStrike">
+                          <a:effectLst/>
+                        </a:rPr>
+                        <a:t>Werte so bestimmeen, dass ein Werte nahe Mittelwert + Standardabweichung ist</a:t>
+                      </a:r>
+                      <a:endParaRPr lang="de-DE" sz="800" b="0" i="0" u="none" strike="noStrike">
+                        <a:solidFill>
+                          <a:srgbClr val="000000"/>
+                        </a:solidFill>
+                        <a:effectLst/>
+                        <a:latin typeface="Aptos Narrow" panose="020B0004020202020204" pitchFamily="34" charset="0"/>
+                      </a:endParaRPr>
+                    </a:p>
+                  </a:txBody>
+                  <a:tcPr marL="6627" marR="6627" marT="6627" marB="0" anchor="ctr"/>
+                </a:tc>
+                <a:tc rowSpan="2">
+                  <a:txBody>
+                    <a:bodyPr/>
+                    <a:lstStyle/>
+                    <a:p>
+                      <a:pPr algn="l" fontAlgn="ctr"/>
+                      <a:r>
+                        <a:rPr lang="de-DE" sz="800" u="none" strike="noStrike">
+                          <a:effectLst/>
+                        </a:rPr>
+                        <a:t>Vcell[4.0, 3.5, 4.4, 4.64]                          mit m+s=4.634 &amp; m-s=3.636</a:t>
+                      </a:r>
+                      <a:endParaRPr lang="de-DE" sz="800" b="0" i="0" u="none" strike="noStrike">
+                        <a:solidFill>
+                          <a:srgbClr val="000000"/>
+                        </a:solidFill>
+                        <a:effectLst/>
+                        <a:latin typeface="Aptos Narrow" panose="020B0004020202020204" pitchFamily="34" charset="0"/>
+                      </a:endParaRPr>
+                    </a:p>
+                  </a:txBody>
+                  <a:tcPr marL="6627" marR="6627" marT="6627" marB="0" anchor="ctr"/>
+                </a:tc>
+                <a:tc rowSpan="2">
+                  <a:txBody>
+                    <a:bodyPr/>
+                    <a:lstStyle/>
+                    <a:p>
+                      <a:pPr algn="l" fontAlgn="ctr"/>
+                      <a:r>
+                        <a:rPr lang="de-DE" sz="800" u="none" strike="noStrike">
+                          <a:effectLst/>
+                        </a:rPr>
+                        <a:t>setbalActive: 2 &amp; 4</a:t>
+                      </a:r>
+                      <a:endParaRPr lang="de-DE" sz="800" b="0" i="0" u="none" strike="noStrike">
+                        <a:solidFill>
+                          <a:srgbClr val="000000"/>
+                        </a:solidFill>
+                        <a:effectLst/>
+                        <a:latin typeface="Aptos Narrow" panose="020B0004020202020204" pitchFamily="34" charset="0"/>
+                      </a:endParaRPr>
+                    </a:p>
+                  </a:txBody>
+                  <a:tcPr marL="6627" marR="6627" marT="6627" marB="0" anchor="ctr"/>
+                </a:tc>
+                <a:tc rowSpan="2">
+                  <a:txBody>
+                    <a:bodyPr/>
+                    <a:lstStyle/>
+                    <a:p>
+                      <a:pPr algn="l" fontAlgn="ctr"/>
+                      <a:r>
+                        <a:rPr lang="de-DE" sz="800" u="none" strike="noStrike">
+                          <a:effectLst/>
+                        </a:rPr>
+                        <a:t>✓</a:t>
+                      </a:r>
+                      <a:endParaRPr lang="de-DE" sz="800" b="0" i="0" u="none" strike="noStrike">
+                        <a:solidFill>
+                          <a:srgbClr val="000000"/>
+                        </a:solidFill>
+                        <a:effectLst/>
+                        <a:latin typeface="Aptos Narrow" panose="020B0004020202020204" pitchFamily="34" charset="0"/>
+                      </a:endParaRPr>
+                    </a:p>
+                  </a:txBody>
+                  <a:tcPr marL="6627" marR="6627" marT="6627" marB="0" anchor="ctr"/>
+                </a:tc>
+                <a:extLst>
+                  <a:ext uri="{0D108BD9-81ED-4DB2-BD59-A6C34878D82A}">
+                    <a16:rowId xmlns:a16="http://schemas.microsoft.com/office/drawing/2014/main" val="3094627030"/>
+                  </a:ext>
+                </a:extLst>
+              </a:tr>
+              <a:tr h="132550">
+                <a:tc>
+                  <a:txBody>
+                    <a:bodyPr/>
+                    <a:lstStyle/>
+                    <a:p>
+                      <a:pPr algn="l" fontAlgn="ctr"/>
+                      <a:r>
+                        <a:rPr lang="de-DE" sz="800" u="none" strike="noStrike">
+                          <a:effectLst/>
+                        </a:rPr>
+                        <a:t>Zusatz 14 - Standardabweichung</a:t>
+                      </a:r>
+                      <a:endParaRPr lang="de-DE" sz="800" b="1" i="0" u="none" strike="noStrike">
+                        <a:solidFill>
+                          <a:srgbClr val="000000"/>
+                        </a:solidFill>
+                        <a:effectLst/>
+                        <a:latin typeface="Aptos Narrow" panose="020B0004020202020204" pitchFamily="34" charset="0"/>
+                      </a:endParaRPr>
+                    </a:p>
+                  </a:txBody>
+                  <a:tcPr marL="6627" marR="6627" marT="6627" marB="0" anchor="ctr"/>
+                </a:tc>
+                <a:tc vMerge="1">
+                  <a:txBody>
+                    <a:bodyPr/>
+                    <a:lstStyle/>
+                    <a:p>
+                      <a:endParaRPr lang="en-DE"/>
+                    </a:p>
+                  </a:txBody>
+                  <a:tcPr/>
+                </a:tc>
+                <a:tc vMerge="1">
+                  <a:txBody>
+                    <a:bodyPr/>
+                    <a:lstStyle/>
+                    <a:p>
+                      <a:endParaRPr lang="en-DE"/>
+                    </a:p>
+                  </a:txBody>
+                  <a:tcPr/>
+                </a:tc>
+                <a:tc vMerge="1">
+                  <a:txBody>
+                    <a:bodyPr/>
+                    <a:lstStyle/>
+                    <a:p>
+                      <a:endParaRPr lang="en-DE"/>
+                    </a:p>
+                  </a:txBody>
+                  <a:tcPr/>
+                </a:tc>
+                <a:tc vMerge="1">
+                  <a:txBody>
+                    <a:bodyPr/>
+                    <a:lstStyle/>
+                    <a:p>
+                      <a:endParaRPr lang="en-DE"/>
+                    </a:p>
+                  </a:txBody>
+                  <a:tcPr/>
+                </a:tc>
+                <a:tc vMerge="1">
+                  <a:txBody>
+                    <a:bodyPr/>
+                    <a:lstStyle/>
+                    <a:p>
+                      <a:endParaRPr lang="en-DE"/>
+                    </a:p>
+                  </a:txBody>
+                  <a:tcPr/>
+                </a:tc>
+                <a:extLst>
+                  <a:ext uri="{0D108BD9-81ED-4DB2-BD59-A6C34878D82A}">
+                    <a16:rowId xmlns:a16="http://schemas.microsoft.com/office/drawing/2014/main" val="2645377878"/>
+                  </a:ext>
+                </a:extLst>
+              </a:tr>
+              <a:tr h="132550">
+                <a:tc>
+                  <a:txBody>
+                    <a:bodyPr/>
+                    <a:lstStyle/>
+                    <a:p>
+                      <a:pPr algn="l" fontAlgn="ctr"/>
+                      <a:r>
+                        <a:rPr lang="de-DE" sz="800" u="none" strike="noStrike">
+                          <a:effectLst/>
+                        </a:rPr>
+                        <a:t>Zusatz 15 - alle 4 Messungen</a:t>
+                      </a:r>
+                      <a:endParaRPr lang="de-DE" sz="800" b="0" i="0" u="none" strike="noStrike">
+                        <a:solidFill>
+                          <a:srgbClr val="000000"/>
+                        </a:solidFill>
+                        <a:effectLst/>
+                        <a:latin typeface="Aptos Narrow" panose="020B0004020202020204" pitchFamily="34" charset="0"/>
+                      </a:endParaRPr>
+                    </a:p>
+                  </a:txBody>
+                  <a:tcPr marL="6627" marR="6627" marT="6627" marB="0" anchor="ctr"/>
+                </a:tc>
+                <a:tc>
+                  <a:txBody>
+                    <a:bodyPr/>
+                    <a:lstStyle/>
+                    <a:p>
+                      <a:pPr algn="l" fontAlgn="ctr"/>
+                      <a:r>
+                        <a:rPr lang="de-DE" sz="800" u="none" strike="noStrike">
+                          <a:effectLst/>
+                        </a:rPr>
+                        <a:t>Kombiniert mit Funktoinstest</a:t>
+                      </a:r>
+                      <a:endParaRPr lang="de-DE" sz="800" b="0" i="0" u="none" strike="noStrike">
+                        <a:solidFill>
+                          <a:srgbClr val="000000"/>
+                        </a:solidFill>
+                        <a:effectLst/>
+                        <a:latin typeface="Aptos Narrow" panose="020B0004020202020204" pitchFamily="34" charset="0"/>
+                      </a:endParaRPr>
+                    </a:p>
+                  </a:txBody>
+                  <a:tcPr marL="6627" marR="6627" marT="6627" marB="0" anchor="ctr"/>
+                </a:tc>
+                <a:tc>
+                  <a:txBody>
+                    <a:bodyPr/>
+                    <a:lstStyle/>
+                    <a:p>
+                      <a:pPr algn="l" fontAlgn="ctr"/>
+                      <a:endParaRPr lang="de-DE" sz="800" b="0" i="0" u="none" strike="noStrike">
+                        <a:solidFill>
+                          <a:srgbClr val="000000"/>
+                        </a:solidFill>
+                        <a:effectLst/>
+                        <a:latin typeface="Aptos Narrow" panose="020B0004020202020204" pitchFamily="34" charset="0"/>
+                      </a:endParaRPr>
+                    </a:p>
+                  </a:txBody>
+                  <a:tcPr marL="6627" marR="6627" marT="6627" marB="0" anchor="ctr"/>
+                </a:tc>
+                <a:tc>
+                  <a:txBody>
+                    <a:bodyPr/>
+                    <a:lstStyle/>
+                    <a:p>
+                      <a:pPr algn="l" fontAlgn="ctr"/>
+                      <a:endParaRPr lang="de-DE" sz="800" b="0" i="0" u="none" strike="noStrike">
+                        <a:solidFill>
+                          <a:srgbClr val="000000"/>
+                        </a:solidFill>
+                        <a:effectLst/>
+                        <a:latin typeface="Aptos Narrow" panose="020B0004020202020204" pitchFamily="34" charset="0"/>
+                      </a:endParaRPr>
+                    </a:p>
+                  </a:txBody>
+                  <a:tcPr marL="6627" marR="6627" marT="6627" marB="0" anchor="ctr"/>
+                </a:tc>
+                <a:tc>
+                  <a:txBody>
+                    <a:bodyPr/>
+                    <a:lstStyle/>
+                    <a:p>
+                      <a:pPr algn="l" fontAlgn="ctr"/>
+                      <a:endParaRPr lang="de-DE" sz="800" b="0" i="0" u="none" strike="noStrike">
+                        <a:solidFill>
+                          <a:srgbClr val="000000"/>
+                        </a:solidFill>
+                        <a:effectLst/>
+                        <a:latin typeface="Aptos Narrow" panose="020B0004020202020204" pitchFamily="34" charset="0"/>
+                      </a:endParaRPr>
+                    </a:p>
+                  </a:txBody>
+                  <a:tcPr marL="6627" marR="6627" marT="6627" marB="0" anchor="ctr"/>
+                </a:tc>
+                <a:tc>
+                  <a:txBody>
+                    <a:bodyPr/>
+                    <a:lstStyle/>
+                    <a:p>
+                      <a:pPr algn="l" fontAlgn="ctr"/>
+                      <a:endParaRPr lang="de-DE" sz="800" b="0" i="0" u="none" strike="noStrike">
+                        <a:solidFill>
+                          <a:srgbClr val="000000"/>
+                        </a:solidFill>
+                        <a:effectLst/>
+                        <a:latin typeface="Aptos Narrow" panose="020B0004020202020204" pitchFamily="34" charset="0"/>
+                      </a:endParaRPr>
+                    </a:p>
+                  </a:txBody>
+                  <a:tcPr marL="6627" marR="6627" marT="6627" marB="0" anchor="ctr"/>
+                </a:tc>
+                <a:extLst>
+                  <a:ext uri="{0D108BD9-81ED-4DB2-BD59-A6C34878D82A}">
+                    <a16:rowId xmlns:a16="http://schemas.microsoft.com/office/drawing/2014/main" val="1220333933"/>
+                  </a:ext>
+                </a:extLst>
+              </a:tr>
+              <a:tr h="397649">
+                <a:tc rowSpan="2">
+                  <a:txBody>
+                    <a:bodyPr/>
+                    <a:lstStyle/>
+                    <a:p>
+                      <a:pPr algn="l" fontAlgn="ctr"/>
+                      <a:r>
+                        <a:rPr lang="de-DE" sz="800" u="none" strike="noStrike">
+                          <a:effectLst/>
+                        </a:rPr>
+                        <a:t>Zusatz 16 - Entladevorgang im 400ms Takt</a:t>
+                      </a:r>
+                      <a:endParaRPr lang="de-DE" sz="800" b="0" i="0" u="none" strike="noStrike">
+                        <a:solidFill>
+                          <a:srgbClr val="000000"/>
+                        </a:solidFill>
+                        <a:effectLst/>
+                        <a:latin typeface="Aptos Narrow" panose="020B0004020202020204" pitchFamily="34" charset="0"/>
+                      </a:endParaRPr>
+                    </a:p>
+                  </a:txBody>
+                  <a:tcPr marL="6627" marR="6627" marT="6627" marB="0" anchor="ctr"/>
+                </a:tc>
+                <a:tc>
+                  <a:txBody>
+                    <a:bodyPr/>
+                    <a:lstStyle/>
+                    <a:p>
+                      <a:pPr algn="l" fontAlgn="ctr"/>
+                      <a:r>
+                        <a:rPr lang="de-DE" sz="800" u="none" strike="noStrike">
+                          <a:effectLst/>
+                        </a:rPr>
+                        <a:t>Zeitkritischer Test der Cellbalancing Aktivierung (obere Grenze)</a:t>
+                      </a:r>
+                      <a:endParaRPr lang="de-DE" sz="800" b="0" i="0" u="none" strike="noStrike">
+                        <a:solidFill>
+                          <a:srgbClr val="000000"/>
+                        </a:solidFill>
+                        <a:effectLst/>
+                        <a:latin typeface="Aptos Narrow" panose="020B0004020202020204" pitchFamily="34" charset="0"/>
+                      </a:endParaRPr>
+                    </a:p>
+                  </a:txBody>
+                  <a:tcPr marL="6627" marR="6627" marT="6627" marB="0" anchor="ctr"/>
+                </a:tc>
+                <a:tc>
+                  <a:txBody>
+                    <a:bodyPr/>
+                    <a:lstStyle/>
+                    <a:p>
+                      <a:pPr algn="l" fontAlgn="ctr"/>
+                      <a:r>
+                        <a:rPr lang="de-DE" sz="800" u="none" strike="noStrike">
+                          <a:effectLst/>
+                        </a:rPr>
+                        <a:t>Status des Cellbalancing zeitlich tracken</a:t>
+                      </a:r>
+                      <a:endParaRPr lang="de-DE" sz="800" b="0" i="0" u="none" strike="noStrike">
+                        <a:solidFill>
+                          <a:srgbClr val="000000"/>
+                        </a:solidFill>
+                        <a:effectLst/>
+                        <a:latin typeface="Aptos Narrow" panose="020B0004020202020204" pitchFamily="34" charset="0"/>
+                      </a:endParaRPr>
+                    </a:p>
+                  </a:txBody>
+                  <a:tcPr marL="6627" marR="6627" marT="6627" marB="0" anchor="ctr"/>
+                </a:tc>
+                <a:tc>
+                  <a:txBody>
+                    <a:bodyPr/>
+                    <a:lstStyle/>
+                    <a:p>
+                      <a:pPr algn="l" fontAlgn="ctr"/>
+                      <a:r>
+                        <a:rPr lang="de-DE" sz="800" u="none" strike="noStrike">
+                          <a:effectLst/>
+                        </a:rPr>
+                        <a:t>abhängig von t                               Vcell[4.0, 4.0, 4.0, 4.0] oder       Vcell[4.5, 4.0, 4.0, 4.0]</a:t>
+                      </a:r>
+                      <a:endParaRPr lang="de-DE" sz="800" b="0" i="0" u="none" strike="noStrike">
+                        <a:solidFill>
+                          <a:srgbClr val="000000"/>
+                        </a:solidFill>
+                        <a:effectLst/>
+                        <a:latin typeface="Aptos Narrow" panose="020B0004020202020204" pitchFamily="34" charset="0"/>
+                      </a:endParaRPr>
+                    </a:p>
+                  </a:txBody>
+                  <a:tcPr marL="6627" marR="6627" marT="6627" marB="0" anchor="ctr"/>
+                </a:tc>
+                <a:tc>
+                  <a:txBody>
+                    <a:bodyPr/>
+                    <a:lstStyle/>
+                    <a:p>
+                      <a:pPr algn="l" fontAlgn="ctr"/>
+                      <a:r>
+                        <a:rPr lang="de-DE" sz="800" u="none" strike="noStrike">
+                          <a:effectLst/>
+                        </a:rPr>
+                        <a:t>Nach setzen des Einganswertes verstreichen 400ms bis setbalActive ≠ 0 aktiviert wird</a:t>
+                      </a:r>
+                      <a:endParaRPr lang="de-DE" sz="800" b="0" i="0" u="none" strike="noStrike">
+                        <a:solidFill>
+                          <a:srgbClr val="000000"/>
+                        </a:solidFill>
+                        <a:effectLst/>
+                        <a:latin typeface="Aptos Narrow" panose="020B0004020202020204" pitchFamily="34" charset="0"/>
+                      </a:endParaRPr>
+                    </a:p>
+                  </a:txBody>
+                  <a:tcPr marL="6627" marR="6627" marT="6627" marB="0" anchor="ctr"/>
+                </a:tc>
+                <a:tc>
+                  <a:txBody>
+                    <a:bodyPr/>
+                    <a:lstStyle/>
+                    <a:p>
+                      <a:pPr algn="l" fontAlgn="ctr"/>
+                      <a:r>
+                        <a:rPr lang="de-DE" sz="800" u="none" strike="noStrike">
+                          <a:effectLst/>
+                        </a:rPr>
+                        <a:t>Grenzwert von 400ms wird Anforderungsbedingt nicht eingehalten </a:t>
+                      </a:r>
+                      <a:endParaRPr lang="de-DE" sz="800" b="0" i="0" u="none" strike="noStrike">
+                        <a:solidFill>
+                          <a:srgbClr val="000000"/>
+                        </a:solidFill>
+                        <a:effectLst/>
+                        <a:latin typeface="Aptos Narrow" panose="020B0004020202020204" pitchFamily="34" charset="0"/>
+                      </a:endParaRPr>
+                    </a:p>
+                  </a:txBody>
+                  <a:tcPr marL="6627" marR="6627" marT="6627" marB="0" anchor="ctr"/>
+                </a:tc>
+                <a:extLst>
+                  <a:ext uri="{0D108BD9-81ED-4DB2-BD59-A6C34878D82A}">
+                    <a16:rowId xmlns:a16="http://schemas.microsoft.com/office/drawing/2014/main" val="1111064281"/>
+                  </a:ext>
+                </a:extLst>
+              </a:tr>
+              <a:tr h="473202">
+                <a:tc vMerge="1">
+                  <a:txBody>
+                    <a:bodyPr/>
+                    <a:lstStyle/>
+                    <a:p>
+                      <a:endParaRPr lang="en-DE"/>
+                    </a:p>
+                  </a:txBody>
+                  <a:tcPr/>
+                </a:tc>
+                <a:tc>
+                  <a:txBody>
+                    <a:bodyPr/>
+                    <a:lstStyle/>
+                    <a:p>
+                      <a:pPr algn="l" fontAlgn="ctr"/>
+                      <a:r>
+                        <a:rPr lang="de-DE" sz="800" u="none" strike="noStrike">
+                          <a:effectLst/>
+                        </a:rPr>
+                        <a:t>Zeitliche Abfolge des Cellbalancings (untere Grenze)</a:t>
+                      </a:r>
+                      <a:endParaRPr lang="de-DE" sz="800" b="0" i="0" u="none" strike="noStrike">
+                        <a:solidFill>
+                          <a:srgbClr val="000000"/>
+                        </a:solidFill>
+                        <a:effectLst/>
+                        <a:latin typeface="Aptos Narrow" panose="020B0004020202020204" pitchFamily="34" charset="0"/>
+                      </a:endParaRPr>
+                    </a:p>
+                  </a:txBody>
+                  <a:tcPr marL="6627" marR="6627" marT="6627" marB="0" anchor="ctr"/>
+                </a:tc>
+                <a:tc>
+                  <a:txBody>
+                    <a:bodyPr/>
+                    <a:lstStyle/>
+                    <a:p>
+                      <a:pPr algn="l" fontAlgn="ctr"/>
+                      <a:r>
+                        <a:rPr lang="de-DE" sz="800" u="none" strike="noStrike">
+                          <a:effectLst/>
+                        </a:rPr>
+                        <a:t>Werte vorgeben, in denen mehrere Zellen gleichzeitig balancing benötigen</a:t>
+                      </a:r>
+                      <a:endParaRPr lang="de-DE" sz="800" b="0" i="0" u="none" strike="noStrike">
+                        <a:solidFill>
+                          <a:srgbClr val="000000"/>
+                        </a:solidFill>
+                        <a:effectLst/>
+                        <a:latin typeface="Aptos Narrow" panose="020B0004020202020204" pitchFamily="34" charset="0"/>
+                      </a:endParaRPr>
+                    </a:p>
+                  </a:txBody>
+                  <a:tcPr marL="6627" marR="6627" marT="6627" marB="0" anchor="ctr"/>
+                </a:tc>
+                <a:tc>
+                  <a:txBody>
+                    <a:bodyPr/>
+                    <a:lstStyle/>
+                    <a:p>
+                      <a:pPr algn="l" fontAlgn="ctr"/>
+                      <a:r>
+                        <a:rPr lang="de-DE" sz="800" u="none" strike="noStrike">
+                          <a:effectLst/>
+                        </a:rPr>
+                        <a:t>Vcell[3.5, 4.5, 4.0, 4.0]</a:t>
+                      </a:r>
+                      <a:endParaRPr lang="de-DE" sz="800" b="0" i="0" u="none" strike="noStrike">
+                        <a:solidFill>
+                          <a:srgbClr val="000000"/>
+                        </a:solidFill>
+                        <a:effectLst/>
+                        <a:latin typeface="Aptos Narrow" panose="020B0004020202020204" pitchFamily="34" charset="0"/>
+                      </a:endParaRPr>
+                    </a:p>
+                  </a:txBody>
+                  <a:tcPr marL="6627" marR="6627" marT="6627" marB="0" anchor="ctr"/>
+                </a:tc>
+                <a:tc>
+                  <a:txBody>
+                    <a:bodyPr/>
+                    <a:lstStyle/>
+                    <a:p>
+                      <a:pPr algn="l" fontAlgn="ctr"/>
+                      <a:r>
+                        <a:rPr lang="de-DE" sz="800" u="none" strike="noStrike">
+                          <a:effectLst/>
+                        </a:rPr>
+                        <a:t>setbalActive alle 400ms gesetzt, Rest der Zeit =0</a:t>
+                      </a:r>
+                      <a:endParaRPr lang="de-DE" sz="800" b="0" i="0" u="none" strike="noStrike">
+                        <a:solidFill>
+                          <a:srgbClr val="000000"/>
+                        </a:solidFill>
+                        <a:effectLst/>
+                        <a:latin typeface="Aptos Narrow" panose="020B0004020202020204" pitchFamily="34" charset="0"/>
+                      </a:endParaRPr>
+                    </a:p>
+                  </a:txBody>
+                  <a:tcPr marL="6627" marR="6627" marT="6627" marB="0" anchor="ctr"/>
+                </a:tc>
+                <a:tc>
+                  <a:txBody>
+                    <a:bodyPr/>
+                    <a:lstStyle/>
+                    <a:p>
+                      <a:pPr algn="l" fontAlgn="ctr"/>
+                      <a:r>
+                        <a:rPr lang="de-DE" sz="800" u="none" strike="noStrike" dirty="0">
+                          <a:effectLst/>
+                        </a:rPr>
+                        <a:t>setbalActive wird öfters gesetzt aber erst nach 400ms geändert, davor wird der alte Wert mehrmals gesetzt</a:t>
+                      </a:r>
+                      <a:endParaRPr lang="de-DE" sz="800" b="0" i="0" u="none" strike="noStrike" dirty="0">
+                        <a:solidFill>
+                          <a:srgbClr val="000000"/>
+                        </a:solidFill>
+                        <a:effectLst/>
+                        <a:latin typeface="Aptos Narrow" panose="020B0004020202020204" pitchFamily="34" charset="0"/>
+                      </a:endParaRPr>
+                    </a:p>
+                  </a:txBody>
+                  <a:tcPr marL="6627" marR="6627" marT="6627" marB="0" anchor="ctr"/>
+                </a:tc>
+                <a:extLst>
+                  <a:ext uri="{0D108BD9-81ED-4DB2-BD59-A6C34878D82A}">
+                    <a16:rowId xmlns:a16="http://schemas.microsoft.com/office/drawing/2014/main" val="2285849710"/>
+                  </a:ext>
+                </a:extLst>
+              </a:tr>
+            </a:tbl>
+          </a:graphicData>
+        </a:graphic>
+      </p:graphicFrame>
       <p:sp>
         <p:nvSpPr>
           <p:cNvPr id="5" name="Fußzeilenplatzhalter 4">
@@ -15191,9 +18604,10 @@
           <a:lstStyle/>
           <a:p>
             <a:r>
-              <a:rPr lang="de-DE" dirty="0"/>
+              <a:rPr lang="de-DE"/>
               <a:t>BMS-LAB SS2024 _ function testing</a:t>
             </a:r>
+            <a:endParaRPr lang="de-DE" dirty="0"/>
           </a:p>
         </p:txBody>
       </p:sp>
@@ -15220,7 +18634,7 @@
           <a:p>
             <a:fld id="{642D9C5F-7B2C-4B01-8C4C-943ECDFF7E6C}" type="slidenum">
               <a:rPr lang="de-DE" smtClean="0"/>
-              <a:t>7</a:t>
+              <a:t>8</a:t>
             </a:fld>
             <a:endParaRPr lang="de-DE"/>
           </a:p>
@@ -15239,7 +18653,7 @@
 </p:sld>
 </file>
 
-<file path=ppt/slides/slide8.xml><?xml version="1.0" encoding="utf-8"?>
+<file path=ppt/slides/slide9.xml><?xml version="1.0" encoding="utf-8"?>
 <p:sld xmlns:a="http://schemas.openxmlformats.org/drawingml/2006/main" xmlns:r="http://schemas.openxmlformats.org/officeDocument/2006/relationships" xmlns:p="http://schemas.openxmlformats.org/presentationml/2006/main">
   <p:cSld>
     <p:spTree>
@@ -15370,7 +18784,7 @@
           <a:p>
             <a:fld id="{642D9C5F-7B2C-4B01-8C4C-943ECDFF7E6C}" type="slidenum">
               <a:rPr lang="de-DE" smtClean="0"/>
-              <a:t>8</a:t>
+              <a:t>9</a:t>
             </a:fld>
             <a:endParaRPr lang="de-DE"/>
           </a:p>
@@ -15380,156 +18794,6 @@
     <p:extLst>
       <p:ext uri="{BB962C8B-B14F-4D97-AF65-F5344CB8AC3E}">
         <p14:creationId xmlns:p14="http://schemas.microsoft.com/office/powerpoint/2010/main" val="1728040996"/>
-      </p:ext>
-    </p:extLst>
-  </p:cSld>
-  <p:clrMapOvr>
-    <a:masterClrMapping/>
-  </p:clrMapOvr>
-</p:sld>
-</file>
-
-<file path=ppt/slides/slide9.xml><?xml version="1.0" encoding="utf-8"?>
-<p:sld xmlns:a="http://schemas.openxmlformats.org/drawingml/2006/main" xmlns:r="http://schemas.openxmlformats.org/officeDocument/2006/relationships" xmlns:p="http://schemas.openxmlformats.org/presentationml/2006/main">
-  <p:cSld>
-    <p:spTree>
-      <p:nvGrpSpPr>
-        <p:cNvPr id="1" name=""/>
-        <p:cNvGrpSpPr/>
-        <p:nvPr/>
-      </p:nvGrpSpPr>
-      <p:grpSpPr>
-        <a:xfrm>
-          <a:off x="0" y="0"/>
-          <a:ext cx="0" cy="0"/>
-          <a:chOff x="0" y="0"/>
-          <a:chExt cx="0" cy="0"/>
-        </a:xfrm>
-      </p:grpSpPr>
-      <p:sp>
-        <p:nvSpPr>
-          <p:cNvPr id="2" name="Titel 1">
-            <a:extLst>
-              <a:ext uri="{FF2B5EF4-FFF2-40B4-BE49-F238E27FC236}">
-                <a16:creationId xmlns:a16="http://schemas.microsoft.com/office/drawing/2014/main" id="{66B3578E-0514-2DFA-1638-2867C6926C60}"/>
-              </a:ext>
-            </a:extLst>
-          </p:cNvPr>
-          <p:cNvSpPr>
-            <a:spLocks noGrp="1"/>
-          </p:cNvSpPr>
-          <p:nvPr>
-            <p:ph type="title"/>
-          </p:nvPr>
-        </p:nvSpPr>
-        <p:spPr/>
-        <p:txBody>
-          <a:bodyPr>
-            <a:normAutofit/>
-          </a:bodyPr>
-          <a:lstStyle/>
-          <a:p>
-            <a:r>
-              <a:rPr lang="de-DE" sz="3600" dirty="0">
-                <a:solidFill>
-                  <a:srgbClr val="0070C0"/>
-                </a:solidFill>
-              </a:rPr>
-              <a:t>5</a:t>
-            </a:r>
-            <a:r>
-              <a:rPr lang="de-DE" sz="3600" dirty="0"/>
-              <a:t> Lower Display</a:t>
-            </a:r>
-          </a:p>
-        </p:txBody>
-      </p:sp>
-      <p:sp>
-        <p:nvSpPr>
-          <p:cNvPr id="3" name="Inhaltsplatzhalter 2">
-            <a:extLst>
-              <a:ext uri="{FF2B5EF4-FFF2-40B4-BE49-F238E27FC236}">
-                <a16:creationId xmlns:a16="http://schemas.microsoft.com/office/drawing/2014/main" id="{3C99DF49-97D5-324B-53EC-5570EE6CB7CE}"/>
-              </a:ext>
-            </a:extLst>
-          </p:cNvPr>
-          <p:cNvSpPr>
-            <a:spLocks noGrp="1"/>
-          </p:cNvSpPr>
-          <p:nvPr>
-            <p:ph idx="1"/>
-          </p:nvPr>
-        </p:nvSpPr>
-        <p:spPr/>
-        <p:txBody>
-          <a:bodyPr/>
-          <a:lstStyle/>
-          <a:p>
-            <a:endParaRPr lang="de-DE" dirty="0"/>
-          </a:p>
-        </p:txBody>
-      </p:sp>
-      <p:sp>
-        <p:nvSpPr>
-          <p:cNvPr id="5" name="Fußzeilenplatzhalter 4">
-            <a:extLst>
-              <a:ext uri="{FF2B5EF4-FFF2-40B4-BE49-F238E27FC236}">
-                <a16:creationId xmlns:a16="http://schemas.microsoft.com/office/drawing/2014/main" id="{C18530FE-135F-4565-F844-02420D13B8B6}"/>
-              </a:ext>
-            </a:extLst>
-          </p:cNvPr>
-          <p:cNvSpPr>
-            <a:spLocks noGrp="1"/>
-          </p:cNvSpPr>
-          <p:nvPr>
-            <p:ph type="ftr" sz="quarter" idx="11"/>
-          </p:nvPr>
-        </p:nvSpPr>
-        <p:spPr/>
-        <p:txBody>
-          <a:bodyPr/>
-          <a:lstStyle/>
-          <a:p>
-            <a:r>
-              <a:rPr lang="de-DE"/>
-              <a:t>BMS-LAB SS2024 _ function testing</a:t>
-            </a:r>
-          </a:p>
-        </p:txBody>
-      </p:sp>
-      <p:sp>
-        <p:nvSpPr>
-          <p:cNvPr id="6" name="Foliennummernplatzhalter 5">
-            <a:extLst>
-              <a:ext uri="{FF2B5EF4-FFF2-40B4-BE49-F238E27FC236}">
-                <a16:creationId xmlns:a16="http://schemas.microsoft.com/office/drawing/2014/main" id="{20F588D3-92D1-19CD-3A12-3EDCDCF5A043}"/>
-              </a:ext>
-            </a:extLst>
-          </p:cNvPr>
-          <p:cNvSpPr>
-            <a:spLocks noGrp="1"/>
-          </p:cNvSpPr>
-          <p:nvPr>
-            <p:ph type="sldNum" sz="quarter" idx="12"/>
-          </p:nvPr>
-        </p:nvSpPr>
-        <p:spPr/>
-        <p:txBody>
-          <a:bodyPr/>
-          <a:lstStyle/>
-          <a:p>
-            <a:fld id="{642D9C5F-7B2C-4B01-8C4C-943ECDFF7E6C}" type="slidenum">
-              <a:rPr lang="de-DE" smtClean="0"/>
-              <a:t>9</a:t>
-            </a:fld>
-            <a:endParaRPr lang="de-DE"/>
-          </a:p>
-        </p:txBody>
-      </p:sp>
-    </p:spTree>
-    <p:extLst>
-      <p:ext uri="{BB962C8B-B14F-4D97-AF65-F5344CB8AC3E}">
-        <p14:creationId xmlns:p14="http://schemas.microsoft.com/office/powerpoint/2010/main" val="1179574471"/>
       </p:ext>
     </p:extLst>
   </p:cSld>
